--- a/Slides/07. Tipos Caractere e Booleano.pptx
+++ b/Slides/07. Tipos Caractere e Booleano.pptx
@@ -8,14 +8,14 @@
     <p:notesMasterId r:id="rId34"/>
   </p:notesMasterIdLst>
   <p:sldIdLst>
-    <p:sldId id="256" r:id="rId2"/>
-    <p:sldId id="258" r:id="rId3"/>
+    <p:sldId id="326" r:id="rId2"/>
+    <p:sldId id="325" r:id="rId3"/>
     <p:sldId id="306" r:id="rId4"/>
     <p:sldId id="302" r:id="rId5"/>
     <p:sldId id="287" r:id="rId6"/>
     <p:sldId id="288" r:id="rId7"/>
     <p:sldId id="308" r:id="rId8"/>
-    <p:sldId id="290" r:id="rId9"/>
+    <p:sldId id="324" r:id="rId9"/>
     <p:sldId id="291" r:id="rId10"/>
     <p:sldId id="292" r:id="rId11"/>
     <p:sldId id="293" r:id="rId12"/>
@@ -153,6 +153,9 @@
         </p15:guide>
       </p15:sldGuideLst>
     </p:ext>
+    <p:ext uri="{2D200454-40CA-4A62-9FC3-DE9A4176ACB9}">
+      <p15:notesGuideLst xmlns:p15="http://schemas.microsoft.com/office/powerpoint/2012/main"/>
+    </p:ext>
   </p:extLst>
 </p:presentation>
 </file>
@@ -160,19 +163,13 @@
 <file path=ppt/revisionInfo.xml><?xml version="1.0" encoding="utf-8"?>
 <p1510:revInfo xmlns:a="http://schemas.openxmlformats.org/drawingml/2006/main" xmlns:r="http://schemas.openxmlformats.org/officeDocument/2006/relationships" xmlns:p1510="http://schemas.microsoft.com/office/powerpoint/2015/10/main">
   <p1510:revLst>
-    <p1510:client id="{2DCEE261-8352-44E4-92FB-980B96AF2A97}" v="13" dt="2019-08-31T18:44:52.611"/>
+    <p1510:client id="{A2CACE54-AAC3-43E0-87AC-1CEB2E06272E}" v="44" dt="2021-03-19T06:05:30.858"/>
   </p1510:revLst>
 </p1510:revInfo>
 </file>
 
 <file path=ppt/changesInfos/changesInfo1.xml><?xml version="1.0" encoding="utf-8"?>
 <pc:chgInfo xmlns:a="http://schemas.openxmlformats.org/drawingml/2006/main" xmlns:r="http://schemas.openxmlformats.org/officeDocument/2006/relationships" xmlns:ac="http://schemas.microsoft.com/office/drawing/2013/main/command" xmlns:pc="http://schemas.microsoft.com/office/powerpoint/2013/main/command">
-  <pc:docChgLst>
-    <pc:chgData name="Judson Santiago" userId="ebb108da2f256286" providerId="LiveId" clId="{C020180C-ADF0-4F5A-B42E-F66C995423D3}"/>
-  </pc:docChgLst>
-  <pc:docChgLst>
-    <pc:chgData name="Judson Santiago" userId="ebb108da2f256286" providerId="LiveId" clId="{60DDE8F5-8C9E-47E5-BC52-943BE79DADF8}"/>
-  </pc:docChgLst>
   <pc:docChgLst>
     <pc:chgData name="Judson Santiago" userId="ebb108da2f256286" providerId="LiveId" clId="{2DCEE261-8352-44E4-92FB-980B96AF2A97}"/>
     <pc:docChg chg="undo modSld">
@@ -393,7 +390,1922 @@
     </pc:docChg>
   </pc:docChgLst>
   <pc:docChgLst>
-    <pc:chgData name="Judson Santiago" userId="ebb108da2f256286" providerId="LiveId" clId="{AD7B0A13-6F83-4CEF-9D48-EAFDFB6028EC}"/>
+    <pc:chgData name="Judson Santiago" userId="ebb108da2f256286" providerId="LiveId" clId="{A2CACE54-AAC3-43E0-87AC-1CEB2E06272E}"/>
+    <pc:docChg chg="undo custSel addSld delSld modSld modMainMaster">
+      <pc:chgData name="Judson Santiago" userId="ebb108da2f256286" providerId="LiveId" clId="{A2CACE54-AAC3-43E0-87AC-1CEB2E06272E}" dt="2021-03-19T06:06:39.460" v="945" actId="47"/>
+      <pc:docMkLst>
+        <pc:docMk/>
+      </pc:docMkLst>
+      <pc:sldChg chg="modSp del mod">
+        <pc:chgData name="Judson Santiago" userId="ebb108da2f256286" providerId="LiveId" clId="{A2CACE54-AAC3-43E0-87AC-1CEB2E06272E}" dt="2021-03-19T06:06:39.460" v="945" actId="47"/>
+        <pc:sldMkLst>
+          <pc:docMk/>
+          <pc:sldMk cId="0" sldId="256"/>
+        </pc:sldMkLst>
+        <pc:spChg chg="mod">
+          <ac:chgData name="Judson Santiago" userId="ebb108da2f256286" providerId="LiveId" clId="{A2CACE54-AAC3-43E0-87AC-1CEB2E06272E}" dt="2021-03-19T05:55:38.743" v="922" actId="14100"/>
+          <ac:spMkLst>
+            <pc:docMk/>
+            <pc:sldMk cId="0" sldId="256"/>
+            <ac:spMk id="2" creationId="{00000000-0000-0000-0000-000000000000}"/>
+          </ac:spMkLst>
+        </pc:spChg>
+        <pc:spChg chg="mod">
+          <ac:chgData name="Judson Santiago" userId="ebb108da2f256286" providerId="LiveId" clId="{A2CACE54-AAC3-43E0-87AC-1CEB2E06272E}" dt="2021-03-19T05:55:38.743" v="922" actId="14100"/>
+          <ac:spMkLst>
+            <pc:docMk/>
+            <pc:sldMk cId="0" sldId="256"/>
+            <ac:spMk id="3" creationId="{00000000-0000-0000-0000-000000000000}"/>
+          </ac:spMkLst>
+        </pc:spChg>
+      </pc:sldChg>
+      <pc:sldChg chg="modSp mod">
+        <pc:chgData name="Judson Santiago" userId="ebb108da2f256286" providerId="LiveId" clId="{A2CACE54-AAC3-43E0-87AC-1CEB2E06272E}" dt="2021-03-18T05:10:35.277" v="232" actId="20577"/>
+        <pc:sldMkLst>
+          <pc:docMk/>
+          <pc:sldMk cId="0" sldId="287"/>
+        </pc:sldMkLst>
+        <pc:spChg chg="mod">
+          <ac:chgData name="Judson Santiago" userId="ebb108da2f256286" providerId="LiveId" clId="{A2CACE54-AAC3-43E0-87AC-1CEB2E06272E}" dt="2021-03-18T05:10:35.277" v="232" actId="20577"/>
+          <ac:spMkLst>
+            <pc:docMk/>
+            <pc:sldMk cId="0" sldId="287"/>
+            <ac:spMk id="3" creationId="{00000000-0000-0000-0000-000000000000}"/>
+          </ac:spMkLst>
+        </pc:spChg>
+      </pc:sldChg>
+      <pc:sldChg chg="modSp mod modNotesTx">
+        <pc:chgData name="Judson Santiago" userId="ebb108da2f256286" providerId="LiveId" clId="{A2CACE54-AAC3-43E0-87AC-1CEB2E06272E}" dt="2021-03-18T21:17:23.603" v="538" actId="20577"/>
+        <pc:sldMkLst>
+          <pc:docMk/>
+          <pc:sldMk cId="0" sldId="288"/>
+        </pc:sldMkLst>
+        <pc:spChg chg="mod">
+          <ac:chgData name="Judson Santiago" userId="ebb108da2f256286" providerId="LiveId" clId="{A2CACE54-AAC3-43E0-87AC-1CEB2E06272E}" dt="2021-03-18T05:23:37.163" v="402" actId="20577"/>
+          <ac:spMkLst>
+            <pc:docMk/>
+            <pc:sldMk cId="0" sldId="288"/>
+            <ac:spMk id="3" creationId="{00000000-0000-0000-0000-000000000000}"/>
+          </ac:spMkLst>
+        </pc:spChg>
+      </pc:sldChg>
+      <pc:sldChg chg="del">
+        <pc:chgData name="Judson Santiago" userId="ebb108da2f256286" providerId="LiveId" clId="{A2CACE54-AAC3-43E0-87AC-1CEB2E06272E}" dt="2021-03-18T05:00:54.666" v="16" actId="47"/>
+        <pc:sldMkLst>
+          <pc:docMk/>
+          <pc:sldMk cId="0" sldId="290"/>
+        </pc:sldMkLst>
+      </pc:sldChg>
+      <pc:sldChg chg="modSp mod modNotesTx">
+        <pc:chgData name="Judson Santiago" userId="ebb108da2f256286" providerId="LiveId" clId="{A2CACE54-AAC3-43E0-87AC-1CEB2E06272E}" dt="2021-03-18T21:11:27.750" v="477" actId="6549"/>
+        <pc:sldMkLst>
+          <pc:docMk/>
+          <pc:sldMk cId="0" sldId="291"/>
+        </pc:sldMkLst>
+        <pc:spChg chg="mod">
+          <ac:chgData name="Judson Santiago" userId="ebb108da2f256286" providerId="LiveId" clId="{A2CACE54-AAC3-43E0-87AC-1CEB2E06272E}" dt="2021-03-18T21:11:27.750" v="477" actId="6549"/>
+          <ac:spMkLst>
+            <pc:docMk/>
+            <pc:sldMk cId="0" sldId="291"/>
+            <ac:spMk id="4" creationId="{00000000-0000-0000-0000-000000000000}"/>
+          </ac:spMkLst>
+        </pc:spChg>
+      </pc:sldChg>
+      <pc:sldChg chg="modSp mod">
+        <pc:chgData name="Judson Santiago" userId="ebb108da2f256286" providerId="LiveId" clId="{A2CACE54-AAC3-43E0-87AC-1CEB2E06272E}" dt="2021-03-18T21:09:40.519" v="446" actId="20577"/>
+        <pc:sldMkLst>
+          <pc:docMk/>
+          <pc:sldMk cId="0" sldId="292"/>
+        </pc:sldMkLst>
+        <pc:spChg chg="mod">
+          <ac:chgData name="Judson Santiago" userId="ebb108da2f256286" providerId="LiveId" clId="{A2CACE54-AAC3-43E0-87AC-1CEB2E06272E}" dt="2021-03-18T21:09:40.519" v="446" actId="20577"/>
+          <ac:spMkLst>
+            <pc:docMk/>
+            <pc:sldMk cId="0" sldId="292"/>
+            <ac:spMk id="3" creationId="{00000000-0000-0000-0000-000000000000}"/>
+          </ac:spMkLst>
+        </pc:spChg>
+      </pc:sldChg>
+      <pc:sldChg chg="addSp delSp modSp mod">
+        <pc:chgData name="Judson Santiago" userId="ebb108da2f256286" providerId="LiveId" clId="{A2CACE54-AAC3-43E0-87AC-1CEB2E06272E}" dt="2021-03-18T23:28:38.781" v="670"/>
+        <pc:sldMkLst>
+          <pc:docMk/>
+          <pc:sldMk cId="0" sldId="293"/>
+        </pc:sldMkLst>
+        <pc:spChg chg="mod">
+          <ac:chgData name="Judson Santiago" userId="ebb108da2f256286" providerId="LiveId" clId="{A2CACE54-AAC3-43E0-87AC-1CEB2E06272E}" dt="2021-03-18T21:11:34.265" v="478" actId="6549"/>
+          <ac:spMkLst>
+            <pc:docMk/>
+            <pc:sldMk cId="0" sldId="293"/>
+            <ac:spMk id="4" creationId="{00000000-0000-0000-0000-000000000000}"/>
+          </ac:spMkLst>
+        </pc:spChg>
+        <pc:spChg chg="mod">
+          <ac:chgData name="Judson Santiago" userId="ebb108da2f256286" providerId="LiveId" clId="{A2CACE54-AAC3-43E0-87AC-1CEB2E06272E}" dt="2021-03-18T23:27:50.396" v="656" actId="339"/>
+          <ac:spMkLst>
+            <pc:docMk/>
+            <pc:sldMk cId="0" sldId="293"/>
+            <ac:spMk id="6" creationId="{9C3C43FA-5FF2-4D26-8B90-115656DBFF17}"/>
+          </ac:spMkLst>
+        </pc:spChg>
+        <pc:spChg chg="mod">
+          <ac:chgData name="Judson Santiago" userId="ebb108da2f256286" providerId="LiveId" clId="{A2CACE54-AAC3-43E0-87AC-1CEB2E06272E}" dt="2021-03-18T23:28:38.405" v="669" actId="6549"/>
+          <ac:spMkLst>
+            <pc:docMk/>
+            <pc:sldMk cId="0" sldId="293"/>
+            <ac:spMk id="7" creationId="{7BB500EF-B67B-4050-847A-11621375DDAC}"/>
+          </ac:spMkLst>
+        </pc:spChg>
+        <pc:grpChg chg="add del mod">
+          <ac:chgData name="Judson Santiago" userId="ebb108da2f256286" providerId="LiveId" clId="{A2CACE54-AAC3-43E0-87AC-1CEB2E06272E}" dt="2021-03-18T23:28:38.781" v="670"/>
+          <ac:grpSpMkLst>
+            <pc:docMk/>
+            <pc:sldMk cId="0" sldId="293"/>
+            <ac:grpSpMk id="5" creationId="{8D90BA00-2C93-43DE-BF59-2511E0C9A334}"/>
+          </ac:grpSpMkLst>
+        </pc:grpChg>
+      </pc:sldChg>
+      <pc:sldChg chg="addSp delSp modSp mod modNotesTx">
+        <pc:chgData name="Judson Santiago" userId="ebb108da2f256286" providerId="LiveId" clId="{A2CACE54-AAC3-43E0-87AC-1CEB2E06272E}" dt="2021-03-18T23:28:51.259" v="678" actId="478"/>
+        <pc:sldMkLst>
+          <pc:docMk/>
+          <pc:sldMk cId="0" sldId="297"/>
+        </pc:sldMkLst>
+        <pc:spChg chg="add del mod topLvl">
+          <ac:chgData name="Judson Santiago" userId="ebb108da2f256286" providerId="LiveId" clId="{A2CACE54-AAC3-43E0-87AC-1CEB2E06272E}" dt="2021-03-18T23:28:45.653" v="676" actId="165"/>
+          <ac:spMkLst>
+            <pc:docMk/>
+            <pc:sldMk cId="0" sldId="297"/>
+            <ac:spMk id="5" creationId="{00000000-0000-0000-0000-000000000000}"/>
+          </ac:spMkLst>
+        </pc:spChg>
+        <pc:spChg chg="mod topLvl">
+          <ac:chgData name="Judson Santiago" userId="ebb108da2f256286" providerId="LiveId" clId="{A2CACE54-AAC3-43E0-87AC-1CEB2E06272E}" dt="2021-03-18T23:28:45.653" v="676" actId="165"/>
+          <ac:spMkLst>
+            <pc:docMk/>
+            <pc:sldMk cId="0" sldId="297"/>
+            <ac:spMk id="7" creationId="{00000000-0000-0000-0000-000000000000}"/>
+          </ac:spMkLst>
+        </pc:spChg>
+        <pc:spChg chg="add del mod ord">
+          <ac:chgData name="Judson Santiago" userId="ebb108da2f256286" providerId="LiveId" clId="{A2CACE54-AAC3-43E0-87AC-1CEB2E06272E}" dt="2021-03-18T23:28:50.131" v="677" actId="478"/>
+          <ac:spMkLst>
+            <pc:docMk/>
+            <pc:sldMk cId="0" sldId="297"/>
+            <ac:spMk id="8" creationId="{5FA4D047-0290-4C21-8E38-9E566CE06751}"/>
+          </ac:spMkLst>
+        </pc:spChg>
+        <pc:spChg chg="del mod ord topLvl">
+          <ac:chgData name="Judson Santiago" userId="ebb108da2f256286" providerId="LiveId" clId="{A2CACE54-AAC3-43E0-87AC-1CEB2E06272E}" dt="2021-03-18T23:28:51.259" v="678" actId="478"/>
+          <ac:spMkLst>
+            <pc:docMk/>
+            <pc:sldMk cId="0" sldId="297"/>
+            <ac:spMk id="10" creationId="{650C40B8-63AC-49B8-AFAE-B5D10D38E96E}"/>
+          </ac:spMkLst>
+        </pc:spChg>
+        <pc:spChg chg="del mod topLvl">
+          <ac:chgData name="Judson Santiago" userId="ebb108da2f256286" providerId="LiveId" clId="{A2CACE54-AAC3-43E0-87AC-1CEB2E06272E}" dt="2021-03-18T23:22:19.996" v="608" actId="478"/>
+          <ac:spMkLst>
+            <pc:docMk/>
+            <pc:sldMk cId="0" sldId="297"/>
+            <ac:spMk id="11" creationId="{2E20DCED-6D7D-4556-916B-CE60FFBAFAF9}"/>
+          </ac:spMkLst>
+        </pc:spChg>
+        <pc:grpChg chg="add mod">
+          <ac:chgData name="Judson Santiago" userId="ebb108da2f256286" providerId="LiveId" clId="{A2CACE54-AAC3-43E0-87AC-1CEB2E06272E}" dt="2021-03-18T23:28:40.442" v="671" actId="164"/>
+          <ac:grpSpMkLst>
+            <pc:docMk/>
+            <pc:sldMk cId="0" sldId="297"/>
+            <ac:grpSpMk id="3" creationId="{04C81B3B-50DF-40D4-A9CA-2E9C87302795}"/>
+          </ac:grpSpMkLst>
+        </pc:grpChg>
+        <pc:grpChg chg="add del mod">
+          <ac:chgData name="Judson Santiago" userId="ebb108da2f256286" providerId="LiveId" clId="{A2CACE54-AAC3-43E0-87AC-1CEB2E06272E}" dt="2021-03-18T23:28:45.653" v="676" actId="165"/>
+          <ac:grpSpMkLst>
+            <pc:docMk/>
+            <pc:sldMk cId="0" sldId="297"/>
+            <ac:grpSpMk id="4" creationId="{00000000-0000-0000-0000-000000000000}"/>
+          </ac:grpSpMkLst>
+        </pc:grpChg>
+        <pc:grpChg chg="add del mod">
+          <ac:chgData name="Judson Santiago" userId="ebb108da2f256286" providerId="LiveId" clId="{A2CACE54-AAC3-43E0-87AC-1CEB2E06272E}" dt="2021-03-18T23:22:14.573" v="607" actId="165"/>
+          <ac:grpSpMkLst>
+            <pc:docMk/>
+            <pc:sldMk cId="0" sldId="297"/>
+            <ac:grpSpMk id="9" creationId="{E7FA6154-1088-4BC7-B870-DBE56EEE5E32}"/>
+          </ac:grpSpMkLst>
+        </pc:grpChg>
+      </pc:sldChg>
+      <pc:sldChg chg="modSp mod">
+        <pc:chgData name="Judson Santiago" userId="ebb108da2f256286" providerId="LiveId" clId="{A2CACE54-AAC3-43E0-87AC-1CEB2E06272E}" dt="2021-03-19T01:10:49.184" v="919" actId="6549"/>
+        <pc:sldMkLst>
+          <pc:docMk/>
+          <pc:sldMk cId="0" sldId="301"/>
+        </pc:sldMkLst>
+        <pc:spChg chg="mod">
+          <ac:chgData name="Judson Santiago" userId="ebb108da2f256286" providerId="LiveId" clId="{A2CACE54-AAC3-43E0-87AC-1CEB2E06272E}" dt="2021-03-19T01:10:49.184" v="919" actId="6549"/>
+          <ac:spMkLst>
+            <pc:docMk/>
+            <pc:sldMk cId="0" sldId="301"/>
+            <ac:spMk id="3" creationId="{00000000-0000-0000-0000-000000000000}"/>
+          </ac:spMkLst>
+        </pc:spChg>
+      </pc:sldChg>
+      <pc:sldChg chg="modSp mod">
+        <pc:chgData name="Judson Santiago" userId="ebb108da2f256286" providerId="LiveId" clId="{A2CACE54-AAC3-43E0-87AC-1CEB2E06272E}" dt="2021-03-18T05:10:21.917" v="231" actId="20577"/>
+        <pc:sldMkLst>
+          <pc:docMk/>
+          <pc:sldMk cId="0" sldId="302"/>
+        </pc:sldMkLst>
+        <pc:spChg chg="mod">
+          <ac:chgData name="Judson Santiago" userId="ebb108da2f256286" providerId="LiveId" clId="{A2CACE54-AAC3-43E0-87AC-1CEB2E06272E}" dt="2021-03-18T05:10:21.917" v="231" actId="20577"/>
+          <ac:spMkLst>
+            <pc:docMk/>
+            <pc:sldMk cId="0" sldId="302"/>
+            <ac:spMk id="3" creationId="{00000000-0000-0000-0000-000000000000}"/>
+          </ac:spMkLst>
+        </pc:spChg>
+      </pc:sldChg>
+      <pc:sldChg chg="modSp mod">
+        <pc:chgData name="Judson Santiago" userId="ebb108da2f256286" providerId="LiveId" clId="{A2CACE54-AAC3-43E0-87AC-1CEB2E06272E}" dt="2021-03-18T05:09:58.842" v="228" actId="207"/>
+        <pc:sldMkLst>
+          <pc:docMk/>
+          <pc:sldMk cId="0" sldId="306"/>
+        </pc:sldMkLst>
+        <pc:spChg chg="mod">
+          <ac:chgData name="Judson Santiago" userId="ebb108da2f256286" providerId="LiveId" clId="{A2CACE54-AAC3-43E0-87AC-1CEB2E06272E}" dt="2021-03-18T05:09:58.842" v="228" actId="207"/>
+          <ac:spMkLst>
+            <pc:docMk/>
+            <pc:sldMk cId="0" sldId="306"/>
+            <ac:spMk id="3" creationId="{00000000-0000-0000-0000-000000000000}"/>
+          </ac:spMkLst>
+        </pc:spChg>
+      </pc:sldChg>
+      <pc:sldChg chg="addSp delSp modSp mod">
+        <pc:chgData name="Judson Santiago" userId="ebb108da2f256286" providerId="LiveId" clId="{A2CACE54-AAC3-43E0-87AC-1CEB2E06272E}" dt="2021-03-18T05:08:44.972" v="219" actId="20577"/>
+        <pc:sldMkLst>
+          <pc:docMk/>
+          <pc:sldMk cId="0" sldId="308"/>
+        </pc:sldMkLst>
+        <pc:spChg chg="add mod">
+          <ac:chgData name="Judson Santiago" userId="ebb108da2f256286" providerId="LiveId" clId="{A2CACE54-AAC3-43E0-87AC-1CEB2E06272E}" dt="2021-03-18T05:08:44.972" v="219" actId="20577"/>
+          <ac:spMkLst>
+            <pc:docMk/>
+            <pc:sldMk cId="0" sldId="308"/>
+            <ac:spMk id="3" creationId="{A3B841EC-7826-420F-B3F0-0F9D6129FEEF}"/>
+          </ac:spMkLst>
+        </pc:spChg>
+        <pc:picChg chg="add del mod ord">
+          <ac:chgData name="Judson Santiago" userId="ebb108da2f256286" providerId="LiveId" clId="{A2CACE54-AAC3-43E0-87AC-1CEB2E06272E}" dt="2021-03-18T05:03:03.333" v="49" actId="478"/>
+          <ac:picMkLst>
+            <pc:docMk/>
+            <pc:sldMk cId="0" sldId="308"/>
+            <ac:picMk id="4" creationId="{4FC74BEF-A417-422E-AF65-EABEFAA52A87}"/>
+          </ac:picMkLst>
+        </pc:picChg>
+        <pc:picChg chg="mod">
+          <ac:chgData name="Judson Santiago" userId="ebb108da2f256286" providerId="LiveId" clId="{A2CACE54-AAC3-43E0-87AC-1CEB2E06272E}" dt="2021-03-18T04:59:59.655" v="12" actId="1440"/>
+          <ac:picMkLst>
+            <pc:docMk/>
+            <pc:sldMk cId="0" sldId="308"/>
+            <ac:picMk id="5" creationId="{00000000-0000-0000-0000-000000000000}"/>
+          </ac:picMkLst>
+        </pc:picChg>
+        <pc:picChg chg="add mod ord">
+          <ac:chgData name="Judson Santiago" userId="ebb108da2f256286" providerId="LiveId" clId="{A2CACE54-AAC3-43E0-87AC-1CEB2E06272E}" dt="2021-03-18T05:03:08.398" v="51" actId="167"/>
+          <ac:picMkLst>
+            <pc:docMk/>
+            <pc:sldMk cId="0" sldId="308"/>
+            <ac:picMk id="6" creationId="{8FD8FCF6-5C49-4EEC-9AA7-B2F68F7E07EE}"/>
+          </ac:picMkLst>
+        </pc:picChg>
+      </pc:sldChg>
+      <pc:sldChg chg="addSp delSp modSp mod modNotesTx">
+        <pc:chgData name="Judson Santiago" userId="ebb108da2f256286" providerId="LiveId" clId="{A2CACE54-AAC3-43E0-87AC-1CEB2E06272E}" dt="2021-03-18T23:30:12.075" v="679" actId="478"/>
+        <pc:sldMkLst>
+          <pc:docMk/>
+          <pc:sldMk cId="1830890458" sldId="311"/>
+        </pc:sldMkLst>
+        <pc:spChg chg="add del mod">
+          <ac:chgData name="Judson Santiago" userId="ebb108da2f256286" providerId="LiveId" clId="{A2CACE54-AAC3-43E0-87AC-1CEB2E06272E}" dt="2021-03-18T23:30:12.075" v="679" actId="478"/>
+          <ac:spMkLst>
+            <pc:docMk/>
+            <pc:sldMk cId="1830890458" sldId="311"/>
+            <ac:spMk id="3" creationId="{7F70D68B-A752-4D2F-A1C9-281F28A25A79}"/>
+          </ac:spMkLst>
+        </pc:spChg>
+      </pc:sldChg>
+      <pc:sldChg chg="addSp delSp modSp mod">
+        <pc:chgData name="Judson Santiago" userId="ebb108da2f256286" providerId="LiveId" clId="{A2CACE54-AAC3-43E0-87AC-1CEB2E06272E}" dt="2021-03-19T00:44:19.910" v="731" actId="11530"/>
+        <pc:sldMkLst>
+          <pc:docMk/>
+          <pc:sldMk cId="3073540449" sldId="320"/>
+        </pc:sldMkLst>
+        <pc:spChg chg="mod">
+          <ac:chgData name="Judson Santiago" userId="ebb108da2f256286" providerId="LiveId" clId="{A2CACE54-AAC3-43E0-87AC-1CEB2E06272E}" dt="2021-03-19T00:43:27.146" v="724" actId="14100"/>
+          <ac:spMkLst>
+            <pc:docMk/>
+            <pc:sldMk cId="3073540449" sldId="320"/>
+            <ac:spMk id="4" creationId="{00000000-0000-0000-0000-000000000000}"/>
+          </ac:spMkLst>
+        </pc:spChg>
+        <pc:spChg chg="mod topLvl">
+          <ac:chgData name="Judson Santiago" userId="ebb108da2f256286" providerId="LiveId" clId="{A2CACE54-AAC3-43E0-87AC-1CEB2E06272E}" dt="2021-03-19T00:44:19.910" v="731" actId="11530"/>
+          <ac:spMkLst>
+            <pc:docMk/>
+            <pc:sldMk cId="3073540449" sldId="320"/>
+            <ac:spMk id="5" creationId="{00000000-0000-0000-0000-000000000000}"/>
+          </ac:spMkLst>
+        </pc:spChg>
+        <pc:spChg chg="mod topLvl">
+          <ac:chgData name="Judson Santiago" userId="ebb108da2f256286" providerId="LiveId" clId="{A2CACE54-AAC3-43E0-87AC-1CEB2E06272E}" dt="2021-03-19T00:44:19.910" v="731" actId="11530"/>
+          <ac:spMkLst>
+            <pc:docMk/>
+            <pc:sldMk cId="3073540449" sldId="320"/>
+            <ac:spMk id="6" creationId="{00000000-0000-0000-0000-000000000000}"/>
+          </ac:spMkLst>
+        </pc:spChg>
+        <pc:spChg chg="mod topLvl">
+          <ac:chgData name="Judson Santiago" userId="ebb108da2f256286" providerId="LiveId" clId="{A2CACE54-AAC3-43E0-87AC-1CEB2E06272E}" dt="2021-03-19T00:44:19.910" v="731" actId="11530"/>
+          <ac:spMkLst>
+            <pc:docMk/>
+            <pc:sldMk cId="3073540449" sldId="320"/>
+            <ac:spMk id="7" creationId="{00000000-0000-0000-0000-000000000000}"/>
+          </ac:spMkLst>
+        </pc:spChg>
+        <pc:spChg chg="mod topLvl">
+          <ac:chgData name="Judson Santiago" userId="ebb108da2f256286" providerId="LiveId" clId="{A2CACE54-AAC3-43E0-87AC-1CEB2E06272E}" dt="2021-03-19T00:44:19.910" v="731" actId="11530"/>
+          <ac:spMkLst>
+            <pc:docMk/>
+            <pc:sldMk cId="3073540449" sldId="320"/>
+            <ac:spMk id="8" creationId="{00000000-0000-0000-0000-000000000000}"/>
+          </ac:spMkLst>
+        </pc:spChg>
+        <pc:spChg chg="mod topLvl">
+          <ac:chgData name="Judson Santiago" userId="ebb108da2f256286" providerId="LiveId" clId="{A2CACE54-AAC3-43E0-87AC-1CEB2E06272E}" dt="2021-03-19T00:44:19.910" v="731" actId="11530"/>
+          <ac:spMkLst>
+            <pc:docMk/>
+            <pc:sldMk cId="3073540449" sldId="320"/>
+            <ac:spMk id="9" creationId="{00000000-0000-0000-0000-000000000000}"/>
+          </ac:spMkLst>
+        </pc:spChg>
+        <pc:spChg chg="mod topLvl">
+          <ac:chgData name="Judson Santiago" userId="ebb108da2f256286" providerId="LiveId" clId="{A2CACE54-AAC3-43E0-87AC-1CEB2E06272E}" dt="2021-03-19T00:44:19.910" v="731" actId="11530"/>
+          <ac:spMkLst>
+            <pc:docMk/>
+            <pc:sldMk cId="3073540449" sldId="320"/>
+            <ac:spMk id="10" creationId="{00000000-0000-0000-0000-000000000000}"/>
+          </ac:spMkLst>
+        </pc:spChg>
+        <pc:spChg chg="mod topLvl">
+          <ac:chgData name="Judson Santiago" userId="ebb108da2f256286" providerId="LiveId" clId="{A2CACE54-AAC3-43E0-87AC-1CEB2E06272E}" dt="2021-03-19T00:44:19.910" v="731" actId="11530"/>
+          <ac:spMkLst>
+            <pc:docMk/>
+            <pc:sldMk cId="3073540449" sldId="320"/>
+            <ac:spMk id="11" creationId="{00000000-0000-0000-0000-000000000000}"/>
+          </ac:spMkLst>
+        </pc:spChg>
+        <pc:spChg chg="mod topLvl">
+          <ac:chgData name="Judson Santiago" userId="ebb108da2f256286" providerId="LiveId" clId="{A2CACE54-AAC3-43E0-87AC-1CEB2E06272E}" dt="2021-03-19T00:44:19.910" v="731" actId="11530"/>
+          <ac:spMkLst>
+            <pc:docMk/>
+            <pc:sldMk cId="3073540449" sldId="320"/>
+            <ac:spMk id="12" creationId="{00000000-0000-0000-0000-000000000000}"/>
+          </ac:spMkLst>
+        </pc:spChg>
+        <pc:spChg chg="mod topLvl">
+          <ac:chgData name="Judson Santiago" userId="ebb108da2f256286" providerId="LiveId" clId="{A2CACE54-AAC3-43E0-87AC-1CEB2E06272E}" dt="2021-03-19T00:44:19.910" v="731" actId="11530"/>
+          <ac:spMkLst>
+            <pc:docMk/>
+            <pc:sldMk cId="3073540449" sldId="320"/>
+            <ac:spMk id="13" creationId="{00000000-0000-0000-0000-000000000000}"/>
+          </ac:spMkLst>
+        </pc:spChg>
+        <pc:spChg chg="mod topLvl">
+          <ac:chgData name="Judson Santiago" userId="ebb108da2f256286" providerId="LiveId" clId="{A2CACE54-AAC3-43E0-87AC-1CEB2E06272E}" dt="2021-03-19T00:44:19.910" v="731" actId="11530"/>
+          <ac:spMkLst>
+            <pc:docMk/>
+            <pc:sldMk cId="3073540449" sldId="320"/>
+            <ac:spMk id="14" creationId="{00000000-0000-0000-0000-000000000000}"/>
+          </ac:spMkLst>
+        </pc:spChg>
+        <pc:spChg chg="mod topLvl">
+          <ac:chgData name="Judson Santiago" userId="ebb108da2f256286" providerId="LiveId" clId="{A2CACE54-AAC3-43E0-87AC-1CEB2E06272E}" dt="2021-03-19T00:44:19.910" v="731" actId="11530"/>
+          <ac:spMkLst>
+            <pc:docMk/>
+            <pc:sldMk cId="3073540449" sldId="320"/>
+            <ac:spMk id="15" creationId="{00000000-0000-0000-0000-000000000000}"/>
+          </ac:spMkLst>
+        </pc:spChg>
+        <pc:spChg chg="mod topLvl">
+          <ac:chgData name="Judson Santiago" userId="ebb108da2f256286" providerId="LiveId" clId="{A2CACE54-AAC3-43E0-87AC-1CEB2E06272E}" dt="2021-03-19T00:44:19.910" v="731" actId="11530"/>
+          <ac:spMkLst>
+            <pc:docMk/>
+            <pc:sldMk cId="3073540449" sldId="320"/>
+            <ac:spMk id="16" creationId="{00000000-0000-0000-0000-000000000000}"/>
+          </ac:spMkLst>
+        </pc:spChg>
+        <pc:spChg chg="mod topLvl">
+          <ac:chgData name="Judson Santiago" userId="ebb108da2f256286" providerId="LiveId" clId="{A2CACE54-AAC3-43E0-87AC-1CEB2E06272E}" dt="2021-03-19T00:44:19.910" v="731" actId="11530"/>
+          <ac:spMkLst>
+            <pc:docMk/>
+            <pc:sldMk cId="3073540449" sldId="320"/>
+            <ac:spMk id="17" creationId="{00000000-0000-0000-0000-000000000000}"/>
+          </ac:spMkLst>
+        </pc:spChg>
+        <pc:spChg chg="mod topLvl">
+          <ac:chgData name="Judson Santiago" userId="ebb108da2f256286" providerId="LiveId" clId="{A2CACE54-AAC3-43E0-87AC-1CEB2E06272E}" dt="2021-03-19T00:44:19.910" v="731" actId="11530"/>
+          <ac:spMkLst>
+            <pc:docMk/>
+            <pc:sldMk cId="3073540449" sldId="320"/>
+            <ac:spMk id="18" creationId="{00000000-0000-0000-0000-000000000000}"/>
+          </ac:spMkLst>
+        </pc:spChg>
+        <pc:spChg chg="mod topLvl">
+          <ac:chgData name="Judson Santiago" userId="ebb108da2f256286" providerId="LiveId" clId="{A2CACE54-AAC3-43E0-87AC-1CEB2E06272E}" dt="2021-03-19T00:44:19.910" v="731" actId="11530"/>
+          <ac:spMkLst>
+            <pc:docMk/>
+            <pc:sldMk cId="3073540449" sldId="320"/>
+            <ac:spMk id="19" creationId="{00000000-0000-0000-0000-000000000000}"/>
+          </ac:spMkLst>
+        </pc:spChg>
+        <pc:spChg chg="mod topLvl">
+          <ac:chgData name="Judson Santiago" userId="ebb108da2f256286" providerId="LiveId" clId="{A2CACE54-AAC3-43E0-87AC-1CEB2E06272E}" dt="2021-03-19T00:44:19.910" v="731" actId="11530"/>
+          <ac:spMkLst>
+            <pc:docMk/>
+            <pc:sldMk cId="3073540449" sldId="320"/>
+            <ac:spMk id="20" creationId="{00000000-0000-0000-0000-000000000000}"/>
+          </ac:spMkLst>
+        </pc:spChg>
+        <pc:spChg chg="mod topLvl">
+          <ac:chgData name="Judson Santiago" userId="ebb108da2f256286" providerId="LiveId" clId="{A2CACE54-AAC3-43E0-87AC-1CEB2E06272E}" dt="2021-03-19T00:44:19.910" v="731" actId="11530"/>
+          <ac:spMkLst>
+            <pc:docMk/>
+            <pc:sldMk cId="3073540449" sldId="320"/>
+            <ac:spMk id="21" creationId="{00000000-0000-0000-0000-000000000000}"/>
+          </ac:spMkLst>
+        </pc:spChg>
+        <pc:spChg chg="mod topLvl">
+          <ac:chgData name="Judson Santiago" userId="ebb108da2f256286" providerId="LiveId" clId="{A2CACE54-AAC3-43E0-87AC-1CEB2E06272E}" dt="2021-03-19T00:44:19.910" v="731" actId="11530"/>
+          <ac:spMkLst>
+            <pc:docMk/>
+            <pc:sldMk cId="3073540449" sldId="320"/>
+            <ac:spMk id="22" creationId="{00000000-0000-0000-0000-000000000000}"/>
+          </ac:spMkLst>
+        </pc:spChg>
+        <pc:spChg chg="mod topLvl">
+          <ac:chgData name="Judson Santiago" userId="ebb108da2f256286" providerId="LiveId" clId="{A2CACE54-AAC3-43E0-87AC-1CEB2E06272E}" dt="2021-03-19T00:44:19.910" v="731" actId="11530"/>
+          <ac:spMkLst>
+            <pc:docMk/>
+            <pc:sldMk cId="3073540449" sldId="320"/>
+            <ac:spMk id="23" creationId="{00000000-0000-0000-0000-000000000000}"/>
+          </ac:spMkLst>
+        </pc:spChg>
+        <pc:spChg chg="mod topLvl">
+          <ac:chgData name="Judson Santiago" userId="ebb108da2f256286" providerId="LiveId" clId="{A2CACE54-AAC3-43E0-87AC-1CEB2E06272E}" dt="2021-03-19T00:44:19.910" v="731" actId="11530"/>
+          <ac:spMkLst>
+            <pc:docMk/>
+            <pc:sldMk cId="3073540449" sldId="320"/>
+            <ac:spMk id="24" creationId="{00000000-0000-0000-0000-000000000000}"/>
+          </ac:spMkLst>
+        </pc:spChg>
+        <pc:spChg chg="mod topLvl">
+          <ac:chgData name="Judson Santiago" userId="ebb108da2f256286" providerId="LiveId" clId="{A2CACE54-AAC3-43E0-87AC-1CEB2E06272E}" dt="2021-03-19T00:44:19.910" v="731" actId="11530"/>
+          <ac:spMkLst>
+            <pc:docMk/>
+            <pc:sldMk cId="3073540449" sldId="320"/>
+            <ac:spMk id="25" creationId="{00000000-0000-0000-0000-000000000000}"/>
+          </ac:spMkLst>
+        </pc:spChg>
+        <pc:spChg chg="mod topLvl">
+          <ac:chgData name="Judson Santiago" userId="ebb108da2f256286" providerId="LiveId" clId="{A2CACE54-AAC3-43E0-87AC-1CEB2E06272E}" dt="2021-03-19T00:44:19.910" v="731" actId="11530"/>
+          <ac:spMkLst>
+            <pc:docMk/>
+            <pc:sldMk cId="3073540449" sldId="320"/>
+            <ac:spMk id="26" creationId="{00000000-0000-0000-0000-000000000000}"/>
+          </ac:spMkLst>
+        </pc:spChg>
+        <pc:spChg chg="mod topLvl">
+          <ac:chgData name="Judson Santiago" userId="ebb108da2f256286" providerId="LiveId" clId="{A2CACE54-AAC3-43E0-87AC-1CEB2E06272E}" dt="2021-03-19T00:44:19.910" v="731" actId="11530"/>
+          <ac:spMkLst>
+            <pc:docMk/>
+            <pc:sldMk cId="3073540449" sldId="320"/>
+            <ac:spMk id="27" creationId="{00000000-0000-0000-0000-000000000000}"/>
+          </ac:spMkLst>
+        </pc:spChg>
+        <pc:spChg chg="mod topLvl">
+          <ac:chgData name="Judson Santiago" userId="ebb108da2f256286" providerId="LiveId" clId="{A2CACE54-AAC3-43E0-87AC-1CEB2E06272E}" dt="2021-03-19T00:44:19.910" v="731" actId="11530"/>
+          <ac:spMkLst>
+            <pc:docMk/>
+            <pc:sldMk cId="3073540449" sldId="320"/>
+            <ac:spMk id="28" creationId="{00000000-0000-0000-0000-000000000000}"/>
+          </ac:spMkLst>
+        </pc:spChg>
+        <pc:spChg chg="mod topLvl">
+          <ac:chgData name="Judson Santiago" userId="ebb108da2f256286" providerId="LiveId" clId="{A2CACE54-AAC3-43E0-87AC-1CEB2E06272E}" dt="2021-03-19T00:44:19.910" v="731" actId="11530"/>
+          <ac:spMkLst>
+            <pc:docMk/>
+            <pc:sldMk cId="3073540449" sldId="320"/>
+            <ac:spMk id="35" creationId="{00000000-0000-0000-0000-000000000000}"/>
+          </ac:spMkLst>
+        </pc:spChg>
+        <pc:spChg chg="mod topLvl">
+          <ac:chgData name="Judson Santiago" userId="ebb108da2f256286" providerId="LiveId" clId="{A2CACE54-AAC3-43E0-87AC-1CEB2E06272E}" dt="2021-03-19T00:44:19.910" v="731" actId="11530"/>
+          <ac:spMkLst>
+            <pc:docMk/>
+            <pc:sldMk cId="3073540449" sldId="320"/>
+            <ac:spMk id="36" creationId="{00000000-0000-0000-0000-000000000000}"/>
+          </ac:spMkLst>
+        </pc:spChg>
+        <pc:spChg chg="mod topLvl">
+          <ac:chgData name="Judson Santiago" userId="ebb108da2f256286" providerId="LiveId" clId="{A2CACE54-AAC3-43E0-87AC-1CEB2E06272E}" dt="2021-03-19T00:44:19.910" v="731" actId="11530"/>
+          <ac:spMkLst>
+            <pc:docMk/>
+            <pc:sldMk cId="3073540449" sldId="320"/>
+            <ac:spMk id="37" creationId="{00000000-0000-0000-0000-000000000000}"/>
+          </ac:spMkLst>
+        </pc:spChg>
+        <pc:spChg chg="mod topLvl">
+          <ac:chgData name="Judson Santiago" userId="ebb108da2f256286" providerId="LiveId" clId="{A2CACE54-AAC3-43E0-87AC-1CEB2E06272E}" dt="2021-03-19T00:44:19.910" v="731" actId="11530"/>
+          <ac:spMkLst>
+            <pc:docMk/>
+            <pc:sldMk cId="3073540449" sldId="320"/>
+            <ac:spMk id="38" creationId="{00000000-0000-0000-0000-000000000000}"/>
+          </ac:spMkLst>
+        </pc:spChg>
+        <pc:spChg chg="mod topLvl">
+          <ac:chgData name="Judson Santiago" userId="ebb108da2f256286" providerId="LiveId" clId="{A2CACE54-AAC3-43E0-87AC-1CEB2E06272E}" dt="2021-03-19T00:44:19.910" v="731" actId="11530"/>
+          <ac:spMkLst>
+            <pc:docMk/>
+            <pc:sldMk cId="3073540449" sldId="320"/>
+            <ac:spMk id="39" creationId="{00000000-0000-0000-0000-000000000000}"/>
+          </ac:spMkLst>
+        </pc:spChg>
+        <pc:spChg chg="mod topLvl">
+          <ac:chgData name="Judson Santiago" userId="ebb108da2f256286" providerId="LiveId" clId="{A2CACE54-AAC3-43E0-87AC-1CEB2E06272E}" dt="2021-03-19T00:44:19.910" v="731" actId="11530"/>
+          <ac:spMkLst>
+            <pc:docMk/>
+            <pc:sldMk cId="3073540449" sldId="320"/>
+            <ac:spMk id="40" creationId="{00000000-0000-0000-0000-000000000000}"/>
+          </ac:spMkLst>
+        </pc:spChg>
+        <pc:spChg chg="mod topLvl">
+          <ac:chgData name="Judson Santiago" userId="ebb108da2f256286" providerId="LiveId" clId="{A2CACE54-AAC3-43E0-87AC-1CEB2E06272E}" dt="2021-03-19T00:44:19.910" v="731" actId="11530"/>
+          <ac:spMkLst>
+            <pc:docMk/>
+            <pc:sldMk cId="3073540449" sldId="320"/>
+            <ac:spMk id="41" creationId="{00000000-0000-0000-0000-000000000000}"/>
+          </ac:spMkLst>
+        </pc:spChg>
+        <pc:spChg chg="mod topLvl">
+          <ac:chgData name="Judson Santiago" userId="ebb108da2f256286" providerId="LiveId" clId="{A2CACE54-AAC3-43E0-87AC-1CEB2E06272E}" dt="2021-03-19T00:44:19.910" v="731" actId="11530"/>
+          <ac:spMkLst>
+            <pc:docMk/>
+            <pc:sldMk cId="3073540449" sldId="320"/>
+            <ac:spMk id="42" creationId="{00000000-0000-0000-0000-000000000000}"/>
+          </ac:spMkLst>
+        </pc:spChg>
+        <pc:spChg chg="mod topLvl">
+          <ac:chgData name="Judson Santiago" userId="ebb108da2f256286" providerId="LiveId" clId="{A2CACE54-AAC3-43E0-87AC-1CEB2E06272E}" dt="2021-03-19T00:44:19.910" v="731" actId="11530"/>
+          <ac:spMkLst>
+            <pc:docMk/>
+            <pc:sldMk cId="3073540449" sldId="320"/>
+            <ac:spMk id="46" creationId="{00000000-0000-0000-0000-000000000000}"/>
+          </ac:spMkLst>
+        </pc:spChg>
+        <pc:spChg chg="mod topLvl">
+          <ac:chgData name="Judson Santiago" userId="ebb108da2f256286" providerId="LiveId" clId="{A2CACE54-AAC3-43E0-87AC-1CEB2E06272E}" dt="2021-03-19T00:44:19.910" v="731" actId="11530"/>
+          <ac:spMkLst>
+            <pc:docMk/>
+            <pc:sldMk cId="3073540449" sldId="320"/>
+            <ac:spMk id="47" creationId="{00000000-0000-0000-0000-000000000000}"/>
+          </ac:spMkLst>
+        </pc:spChg>
+        <pc:spChg chg="add mod topLvl">
+          <ac:chgData name="Judson Santiago" userId="ebb108da2f256286" providerId="LiveId" clId="{A2CACE54-AAC3-43E0-87AC-1CEB2E06272E}" dt="2021-03-19T00:44:19.910" v="731" actId="11530"/>
+          <ac:spMkLst>
+            <pc:docMk/>
+            <pc:sldMk cId="3073540449" sldId="320"/>
+            <ac:spMk id="60" creationId="{7A7C617A-48A7-4839-A74D-F83F22629E0E}"/>
+          </ac:spMkLst>
+        </pc:spChg>
+        <pc:spChg chg="add del mod">
+          <ac:chgData name="Judson Santiago" userId="ebb108da2f256286" providerId="LiveId" clId="{A2CACE54-AAC3-43E0-87AC-1CEB2E06272E}" dt="2021-03-19T00:33:54.877" v="692" actId="478"/>
+          <ac:spMkLst>
+            <pc:docMk/>
+            <pc:sldMk cId="3073540449" sldId="320"/>
+            <ac:spMk id="61" creationId="{845AB497-EC22-454B-8509-A7A31B4A766D}"/>
+          </ac:spMkLst>
+        </pc:spChg>
+        <pc:spChg chg="add mod">
+          <ac:chgData name="Judson Santiago" userId="ebb108da2f256286" providerId="LiveId" clId="{A2CACE54-AAC3-43E0-87AC-1CEB2E06272E}" dt="2021-03-19T00:44:19.910" v="731" actId="11530"/>
+          <ac:spMkLst>
+            <pc:docMk/>
+            <pc:sldMk cId="3073540449" sldId="320"/>
+            <ac:spMk id="64" creationId="{8677682A-5A76-4F36-9BF2-B221CACE1160}"/>
+          </ac:spMkLst>
+        </pc:spChg>
+        <pc:spChg chg="mod topLvl">
+          <ac:chgData name="Judson Santiago" userId="ebb108da2f256286" providerId="LiveId" clId="{A2CACE54-AAC3-43E0-87AC-1CEB2E06272E}" dt="2021-03-19T00:44:19.910" v="731" actId="11530"/>
+          <ac:spMkLst>
+            <pc:docMk/>
+            <pc:sldMk cId="3073540449" sldId="320"/>
+            <ac:spMk id="66" creationId="{00000000-0000-0000-0000-000000000000}"/>
+          </ac:spMkLst>
+        </pc:spChg>
+        <pc:spChg chg="mod topLvl">
+          <ac:chgData name="Judson Santiago" userId="ebb108da2f256286" providerId="LiveId" clId="{A2CACE54-AAC3-43E0-87AC-1CEB2E06272E}" dt="2021-03-19T00:44:19.910" v="731" actId="11530"/>
+          <ac:spMkLst>
+            <pc:docMk/>
+            <pc:sldMk cId="3073540449" sldId="320"/>
+            <ac:spMk id="67" creationId="{00000000-0000-0000-0000-000000000000}"/>
+          </ac:spMkLst>
+        </pc:spChg>
+        <pc:spChg chg="mod topLvl">
+          <ac:chgData name="Judson Santiago" userId="ebb108da2f256286" providerId="LiveId" clId="{A2CACE54-AAC3-43E0-87AC-1CEB2E06272E}" dt="2021-03-19T00:44:19.910" v="731" actId="11530"/>
+          <ac:spMkLst>
+            <pc:docMk/>
+            <pc:sldMk cId="3073540449" sldId="320"/>
+            <ac:spMk id="68" creationId="{00000000-0000-0000-0000-000000000000}"/>
+          </ac:spMkLst>
+        </pc:spChg>
+        <pc:spChg chg="mod topLvl">
+          <ac:chgData name="Judson Santiago" userId="ebb108da2f256286" providerId="LiveId" clId="{A2CACE54-AAC3-43E0-87AC-1CEB2E06272E}" dt="2021-03-19T00:44:19.910" v="731" actId="11530"/>
+          <ac:spMkLst>
+            <pc:docMk/>
+            <pc:sldMk cId="3073540449" sldId="320"/>
+            <ac:spMk id="69" creationId="{00000000-0000-0000-0000-000000000000}"/>
+          </ac:spMkLst>
+        </pc:spChg>
+        <pc:spChg chg="mod topLvl">
+          <ac:chgData name="Judson Santiago" userId="ebb108da2f256286" providerId="LiveId" clId="{A2CACE54-AAC3-43E0-87AC-1CEB2E06272E}" dt="2021-03-19T00:44:19.910" v="731" actId="11530"/>
+          <ac:spMkLst>
+            <pc:docMk/>
+            <pc:sldMk cId="3073540449" sldId="320"/>
+            <ac:spMk id="70" creationId="{00000000-0000-0000-0000-000000000000}"/>
+          </ac:spMkLst>
+        </pc:spChg>
+        <pc:spChg chg="mod topLvl">
+          <ac:chgData name="Judson Santiago" userId="ebb108da2f256286" providerId="LiveId" clId="{A2CACE54-AAC3-43E0-87AC-1CEB2E06272E}" dt="2021-03-19T00:44:19.910" v="731" actId="11530"/>
+          <ac:spMkLst>
+            <pc:docMk/>
+            <pc:sldMk cId="3073540449" sldId="320"/>
+            <ac:spMk id="71" creationId="{00000000-0000-0000-0000-000000000000}"/>
+          </ac:spMkLst>
+        </pc:spChg>
+        <pc:spChg chg="mod topLvl">
+          <ac:chgData name="Judson Santiago" userId="ebb108da2f256286" providerId="LiveId" clId="{A2CACE54-AAC3-43E0-87AC-1CEB2E06272E}" dt="2021-03-19T00:44:19.910" v="731" actId="11530"/>
+          <ac:spMkLst>
+            <pc:docMk/>
+            <pc:sldMk cId="3073540449" sldId="320"/>
+            <ac:spMk id="72" creationId="{00000000-0000-0000-0000-000000000000}"/>
+          </ac:spMkLst>
+        </pc:spChg>
+        <pc:spChg chg="mod topLvl">
+          <ac:chgData name="Judson Santiago" userId="ebb108da2f256286" providerId="LiveId" clId="{A2CACE54-AAC3-43E0-87AC-1CEB2E06272E}" dt="2021-03-19T00:44:19.910" v="731" actId="11530"/>
+          <ac:spMkLst>
+            <pc:docMk/>
+            <pc:sldMk cId="3073540449" sldId="320"/>
+            <ac:spMk id="73" creationId="{00000000-0000-0000-0000-000000000000}"/>
+          </ac:spMkLst>
+        </pc:spChg>
+        <pc:spChg chg="mod topLvl">
+          <ac:chgData name="Judson Santiago" userId="ebb108da2f256286" providerId="LiveId" clId="{A2CACE54-AAC3-43E0-87AC-1CEB2E06272E}" dt="2021-03-19T00:44:19.910" v="731" actId="11530"/>
+          <ac:spMkLst>
+            <pc:docMk/>
+            <pc:sldMk cId="3073540449" sldId="320"/>
+            <ac:spMk id="74" creationId="{00000000-0000-0000-0000-000000000000}"/>
+          </ac:spMkLst>
+        </pc:spChg>
+        <pc:spChg chg="mod topLvl">
+          <ac:chgData name="Judson Santiago" userId="ebb108da2f256286" providerId="LiveId" clId="{A2CACE54-AAC3-43E0-87AC-1CEB2E06272E}" dt="2021-03-19T00:44:19.910" v="731" actId="11530"/>
+          <ac:spMkLst>
+            <pc:docMk/>
+            <pc:sldMk cId="3073540449" sldId="320"/>
+            <ac:spMk id="75" creationId="{00000000-0000-0000-0000-000000000000}"/>
+          </ac:spMkLst>
+        </pc:spChg>
+        <pc:spChg chg="mod topLvl">
+          <ac:chgData name="Judson Santiago" userId="ebb108da2f256286" providerId="LiveId" clId="{A2CACE54-AAC3-43E0-87AC-1CEB2E06272E}" dt="2021-03-19T00:44:19.910" v="731" actId="11530"/>
+          <ac:spMkLst>
+            <pc:docMk/>
+            <pc:sldMk cId="3073540449" sldId="320"/>
+            <ac:spMk id="76" creationId="{00000000-0000-0000-0000-000000000000}"/>
+          </ac:spMkLst>
+        </pc:spChg>
+        <pc:spChg chg="mod topLvl">
+          <ac:chgData name="Judson Santiago" userId="ebb108da2f256286" providerId="LiveId" clId="{A2CACE54-AAC3-43E0-87AC-1CEB2E06272E}" dt="2021-03-19T00:44:19.910" v="731" actId="11530"/>
+          <ac:spMkLst>
+            <pc:docMk/>
+            <pc:sldMk cId="3073540449" sldId="320"/>
+            <ac:spMk id="77" creationId="{00000000-0000-0000-0000-000000000000}"/>
+          </ac:spMkLst>
+        </pc:spChg>
+        <pc:spChg chg="mod topLvl">
+          <ac:chgData name="Judson Santiago" userId="ebb108da2f256286" providerId="LiveId" clId="{A2CACE54-AAC3-43E0-87AC-1CEB2E06272E}" dt="2021-03-19T00:44:19.910" v="731" actId="11530"/>
+          <ac:spMkLst>
+            <pc:docMk/>
+            <pc:sldMk cId="3073540449" sldId="320"/>
+            <ac:spMk id="79" creationId="{66B3D992-89AB-4E09-80F2-BA1C4B6C2239}"/>
+          </ac:spMkLst>
+        </pc:spChg>
+        <pc:spChg chg="mod topLvl">
+          <ac:chgData name="Judson Santiago" userId="ebb108da2f256286" providerId="LiveId" clId="{A2CACE54-AAC3-43E0-87AC-1CEB2E06272E}" dt="2021-03-19T00:44:19.910" v="731" actId="11530"/>
+          <ac:spMkLst>
+            <pc:docMk/>
+            <pc:sldMk cId="3073540449" sldId="320"/>
+            <ac:spMk id="80" creationId="{982D1246-7746-4F26-8D1D-D147A50E954A}"/>
+          </ac:spMkLst>
+        </pc:spChg>
+        <pc:grpChg chg="del">
+          <ac:chgData name="Judson Santiago" userId="ebb108da2f256286" providerId="LiveId" clId="{A2CACE54-AAC3-43E0-87AC-1CEB2E06272E}" dt="2021-03-19T00:31:41.558" v="680" actId="165"/>
+          <ac:grpSpMkLst>
+            <pc:docMk/>
+            <pc:sldMk cId="3073540449" sldId="320"/>
+            <ac:grpSpMk id="29" creationId="{646FED98-5479-447E-A448-157B56AC7BA8}"/>
+          </ac:grpSpMkLst>
+        </pc:grpChg>
+        <pc:grpChg chg="add del mod">
+          <ac:chgData name="Judson Santiago" userId="ebb108da2f256286" providerId="LiveId" clId="{A2CACE54-AAC3-43E0-87AC-1CEB2E06272E}" dt="2021-03-19T00:35:36.069" v="699" actId="165"/>
+          <ac:grpSpMkLst>
+            <pc:docMk/>
+            <pc:sldMk cId="3073540449" sldId="320"/>
+            <ac:grpSpMk id="30" creationId="{4A58148B-9229-4D79-82FA-676F011CD5CC}"/>
+          </ac:grpSpMkLst>
+        </pc:grpChg>
+        <pc:grpChg chg="add mod">
+          <ac:chgData name="Judson Santiago" userId="ebb108da2f256286" providerId="LiveId" clId="{A2CACE54-AAC3-43E0-87AC-1CEB2E06272E}" dt="2021-03-19T00:44:19.910" v="731" actId="11530"/>
+          <ac:grpSpMkLst>
+            <pc:docMk/>
+            <pc:sldMk cId="3073540449" sldId="320"/>
+            <ac:grpSpMk id="32" creationId="{35AA9E0E-B4B8-4F15-8D5E-D3C6FD7C141E}"/>
+          </ac:grpSpMkLst>
+        </pc:grpChg>
+        <pc:cxnChg chg="mod topLvl">
+          <ac:chgData name="Judson Santiago" userId="ebb108da2f256286" providerId="LiveId" clId="{A2CACE54-AAC3-43E0-87AC-1CEB2E06272E}" dt="2021-03-19T00:44:19.910" v="731" actId="11530"/>
+          <ac:cxnSpMkLst>
+            <pc:docMk/>
+            <pc:sldMk cId="3073540449" sldId="320"/>
+            <ac:cxnSpMk id="49" creationId="{00000000-0000-0000-0000-000000000000}"/>
+          </ac:cxnSpMkLst>
+        </pc:cxnChg>
+        <pc:cxnChg chg="mod topLvl">
+          <ac:chgData name="Judson Santiago" userId="ebb108da2f256286" providerId="LiveId" clId="{A2CACE54-AAC3-43E0-87AC-1CEB2E06272E}" dt="2021-03-19T00:44:19.910" v="731" actId="11530"/>
+          <ac:cxnSpMkLst>
+            <pc:docMk/>
+            <pc:sldMk cId="3073540449" sldId="320"/>
+            <ac:cxnSpMk id="51" creationId="{00000000-0000-0000-0000-000000000000}"/>
+          </ac:cxnSpMkLst>
+        </pc:cxnChg>
+        <pc:cxnChg chg="mod topLvl">
+          <ac:chgData name="Judson Santiago" userId="ebb108da2f256286" providerId="LiveId" clId="{A2CACE54-AAC3-43E0-87AC-1CEB2E06272E}" dt="2021-03-19T00:44:19.910" v="731" actId="11530"/>
+          <ac:cxnSpMkLst>
+            <pc:docMk/>
+            <pc:sldMk cId="3073540449" sldId="320"/>
+            <ac:cxnSpMk id="54" creationId="{00000000-0000-0000-0000-000000000000}"/>
+          </ac:cxnSpMkLst>
+        </pc:cxnChg>
+        <pc:cxnChg chg="mod topLvl">
+          <ac:chgData name="Judson Santiago" userId="ebb108da2f256286" providerId="LiveId" clId="{A2CACE54-AAC3-43E0-87AC-1CEB2E06272E}" dt="2021-03-19T00:44:19.910" v="731" actId="11530"/>
+          <ac:cxnSpMkLst>
+            <pc:docMk/>
+            <pc:sldMk cId="3073540449" sldId="320"/>
+            <ac:cxnSpMk id="55" creationId="{00000000-0000-0000-0000-000000000000}"/>
+          </ac:cxnSpMkLst>
+        </pc:cxnChg>
+        <pc:cxnChg chg="mod topLvl">
+          <ac:chgData name="Judson Santiago" userId="ebb108da2f256286" providerId="LiveId" clId="{A2CACE54-AAC3-43E0-87AC-1CEB2E06272E}" dt="2021-03-19T00:44:19.910" v="731" actId="11530"/>
+          <ac:cxnSpMkLst>
+            <pc:docMk/>
+            <pc:sldMk cId="3073540449" sldId="320"/>
+            <ac:cxnSpMk id="78" creationId="{00000000-0000-0000-0000-000000000000}"/>
+          </ac:cxnSpMkLst>
+        </pc:cxnChg>
+      </pc:sldChg>
+      <pc:sldChg chg="addSp delSp modSp mod">
+        <pc:chgData name="Judson Santiago" userId="ebb108da2f256286" providerId="LiveId" clId="{A2CACE54-AAC3-43E0-87AC-1CEB2E06272E}" dt="2021-03-19T01:09:05.520" v="905" actId="1036"/>
+        <pc:sldMkLst>
+          <pc:docMk/>
+          <pc:sldMk cId="3890449375" sldId="321"/>
+        </pc:sldMkLst>
+        <pc:spChg chg="ord">
+          <ac:chgData name="Judson Santiago" userId="ebb108da2f256286" providerId="LiveId" clId="{A2CACE54-AAC3-43E0-87AC-1CEB2E06272E}" dt="2021-03-19T00:41:15.781" v="714" actId="167"/>
+          <ac:spMkLst>
+            <pc:docMk/>
+            <pc:sldMk cId="3890449375" sldId="321"/>
+            <ac:spMk id="4" creationId="{00000000-0000-0000-0000-000000000000}"/>
+          </ac:spMkLst>
+        </pc:spChg>
+        <pc:spChg chg="mod topLvl">
+          <ac:chgData name="Judson Santiago" userId="ebb108da2f256286" providerId="LiveId" clId="{A2CACE54-AAC3-43E0-87AC-1CEB2E06272E}" dt="2021-03-19T01:08:58.726" v="901" actId="164"/>
+          <ac:spMkLst>
+            <pc:docMk/>
+            <pc:sldMk cId="3890449375" sldId="321"/>
+            <ac:spMk id="5" creationId="{00000000-0000-0000-0000-000000000000}"/>
+          </ac:spMkLst>
+        </pc:spChg>
+        <pc:spChg chg="mod topLvl">
+          <ac:chgData name="Judson Santiago" userId="ebb108da2f256286" providerId="LiveId" clId="{A2CACE54-AAC3-43E0-87AC-1CEB2E06272E}" dt="2021-03-19T01:08:58.726" v="901" actId="164"/>
+          <ac:spMkLst>
+            <pc:docMk/>
+            <pc:sldMk cId="3890449375" sldId="321"/>
+            <ac:spMk id="6" creationId="{00000000-0000-0000-0000-000000000000}"/>
+          </ac:spMkLst>
+        </pc:spChg>
+        <pc:spChg chg="mod topLvl">
+          <ac:chgData name="Judson Santiago" userId="ebb108da2f256286" providerId="LiveId" clId="{A2CACE54-AAC3-43E0-87AC-1CEB2E06272E}" dt="2021-03-19T01:08:58.726" v="901" actId="164"/>
+          <ac:spMkLst>
+            <pc:docMk/>
+            <pc:sldMk cId="3890449375" sldId="321"/>
+            <ac:spMk id="7" creationId="{00000000-0000-0000-0000-000000000000}"/>
+          </ac:spMkLst>
+        </pc:spChg>
+        <pc:spChg chg="mod topLvl">
+          <ac:chgData name="Judson Santiago" userId="ebb108da2f256286" providerId="LiveId" clId="{A2CACE54-AAC3-43E0-87AC-1CEB2E06272E}" dt="2021-03-19T01:08:58.726" v="901" actId="164"/>
+          <ac:spMkLst>
+            <pc:docMk/>
+            <pc:sldMk cId="3890449375" sldId="321"/>
+            <ac:spMk id="8" creationId="{00000000-0000-0000-0000-000000000000}"/>
+          </ac:spMkLst>
+        </pc:spChg>
+        <pc:spChg chg="mod topLvl">
+          <ac:chgData name="Judson Santiago" userId="ebb108da2f256286" providerId="LiveId" clId="{A2CACE54-AAC3-43E0-87AC-1CEB2E06272E}" dt="2021-03-19T01:08:58.726" v="901" actId="164"/>
+          <ac:spMkLst>
+            <pc:docMk/>
+            <pc:sldMk cId="3890449375" sldId="321"/>
+            <ac:spMk id="9" creationId="{00000000-0000-0000-0000-000000000000}"/>
+          </ac:spMkLst>
+        </pc:spChg>
+        <pc:spChg chg="mod topLvl">
+          <ac:chgData name="Judson Santiago" userId="ebb108da2f256286" providerId="LiveId" clId="{A2CACE54-AAC3-43E0-87AC-1CEB2E06272E}" dt="2021-03-19T01:08:58.726" v="901" actId="164"/>
+          <ac:spMkLst>
+            <pc:docMk/>
+            <pc:sldMk cId="3890449375" sldId="321"/>
+            <ac:spMk id="10" creationId="{00000000-0000-0000-0000-000000000000}"/>
+          </ac:spMkLst>
+        </pc:spChg>
+        <pc:spChg chg="mod topLvl">
+          <ac:chgData name="Judson Santiago" userId="ebb108da2f256286" providerId="LiveId" clId="{A2CACE54-AAC3-43E0-87AC-1CEB2E06272E}" dt="2021-03-19T01:08:58.726" v="901" actId="164"/>
+          <ac:spMkLst>
+            <pc:docMk/>
+            <pc:sldMk cId="3890449375" sldId="321"/>
+            <ac:spMk id="11" creationId="{00000000-0000-0000-0000-000000000000}"/>
+          </ac:spMkLst>
+        </pc:spChg>
+        <pc:spChg chg="mod topLvl">
+          <ac:chgData name="Judson Santiago" userId="ebb108da2f256286" providerId="LiveId" clId="{A2CACE54-AAC3-43E0-87AC-1CEB2E06272E}" dt="2021-03-19T01:08:58.726" v="901" actId="164"/>
+          <ac:spMkLst>
+            <pc:docMk/>
+            <pc:sldMk cId="3890449375" sldId="321"/>
+            <ac:spMk id="12" creationId="{00000000-0000-0000-0000-000000000000}"/>
+          </ac:spMkLst>
+        </pc:spChg>
+        <pc:spChg chg="mod topLvl">
+          <ac:chgData name="Judson Santiago" userId="ebb108da2f256286" providerId="LiveId" clId="{A2CACE54-AAC3-43E0-87AC-1CEB2E06272E}" dt="2021-03-19T01:08:58.726" v="901" actId="164"/>
+          <ac:spMkLst>
+            <pc:docMk/>
+            <pc:sldMk cId="3890449375" sldId="321"/>
+            <ac:spMk id="13" creationId="{00000000-0000-0000-0000-000000000000}"/>
+          </ac:spMkLst>
+        </pc:spChg>
+        <pc:spChg chg="mod topLvl">
+          <ac:chgData name="Judson Santiago" userId="ebb108da2f256286" providerId="LiveId" clId="{A2CACE54-AAC3-43E0-87AC-1CEB2E06272E}" dt="2021-03-19T01:08:58.726" v="901" actId="164"/>
+          <ac:spMkLst>
+            <pc:docMk/>
+            <pc:sldMk cId="3890449375" sldId="321"/>
+            <ac:spMk id="14" creationId="{00000000-0000-0000-0000-000000000000}"/>
+          </ac:spMkLst>
+        </pc:spChg>
+        <pc:spChg chg="mod topLvl">
+          <ac:chgData name="Judson Santiago" userId="ebb108da2f256286" providerId="LiveId" clId="{A2CACE54-AAC3-43E0-87AC-1CEB2E06272E}" dt="2021-03-19T01:08:58.726" v="901" actId="164"/>
+          <ac:spMkLst>
+            <pc:docMk/>
+            <pc:sldMk cId="3890449375" sldId="321"/>
+            <ac:spMk id="15" creationId="{00000000-0000-0000-0000-000000000000}"/>
+          </ac:spMkLst>
+        </pc:spChg>
+        <pc:spChg chg="mod topLvl">
+          <ac:chgData name="Judson Santiago" userId="ebb108da2f256286" providerId="LiveId" clId="{A2CACE54-AAC3-43E0-87AC-1CEB2E06272E}" dt="2021-03-19T01:08:58.726" v="901" actId="164"/>
+          <ac:spMkLst>
+            <pc:docMk/>
+            <pc:sldMk cId="3890449375" sldId="321"/>
+            <ac:spMk id="16" creationId="{00000000-0000-0000-0000-000000000000}"/>
+          </ac:spMkLst>
+        </pc:spChg>
+        <pc:spChg chg="mod topLvl">
+          <ac:chgData name="Judson Santiago" userId="ebb108da2f256286" providerId="LiveId" clId="{A2CACE54-AAC3-43E0-87AC-1CEB2E06272E}" dt="2021-03-19T01:08:58.726" v="901" actId="164"/>
+          <ac:spMkLst>
+            <pc:docMk/>
+            <pc:sldMk cId="3890449375" sldId="321"/>
+            <ac:spMk id="17" creationId="{00000000-0000-0000-0000-000000000000}"/>
+          </ac:spMkLst>
+        </pc:spChg>
+        <pc:spChg chg="mod topLvl">
+          <ac:chgData name="Judson Santiago" userId="ebb108da2f256286" providerId="LiveId" clId="{A2CACE54-AAC3-43E0-87AC-1CEB2E06272E}" dt="2021-03-19T01:08:58.726" v="901" actId="164"/>
+          <ac:spMkLst>
+            <pc:docMk/>
+            <pc:sldMk cId="3890449375" sldId="321"/>
+            <ac:spMk id="18" creationId="{00000000-0000-0000-0000-000000000000}"/>
+          </ac:spMkLst>
+        </pc:spChg>
+        <pc:spChg chg="mod topLvl">
+          <ac:chgData name="Judson Santiago" userId="ebb108da2f256286" providerId="LiveId" clId="{A2CACE54-AAC3-43E0-87AC-1CEB2E06272E}" dt="2021-03-19T01:08:58.726" v="901" actId="164"/>
+          <ac:spMkLst>
+            <pc:docMk/>
+            <pc:sldMk cId="3890449375" sldId="321"/>
+            <ac:spMk id="19" creationId="{00000000-0000-0000-0000-000000000000}"/>
+          </ac:spMkLst>
+        </pc:spChg>
+        <pc:spChg chg="mod topLvl">
+          <ac:chgData name="Judson Santiago" userId="ebb108da2f256286" providerId="LiveId" clId="{A2CACE54-AAC3-43E0-87AC-1CEB2E06272E}" dt="2021-03-19T01:08:58.726" v="901" actId="164"/>
+          <ac:spMkLst>
+            <pc:docMk/>
+            <pc:sldMk cId="3890449375" sldId="321"/>
+            <ac:spMk id="20" creationId="{00000000-0000-0000-0000-000000000000}"/>
+          </ac:spMkLst>
+        </pc:spChg>
+        <pc:spChg chg="mod topLvl">
+          <ac:chgData name="Judson Santiago" userId="ebb108da2f256286" providerId="LiveId" clId="{A2CACE54-AAC3-43E0-87AC-1CEB2E06272E}" dt="2021-03-19T01:08:58.726" v="901" actId="164"/>
+          <ac:spMkLst>
+            <pc:docMk/>
+            <pc:sldMk cId="3890449375" sldId="321"/>
+            <ac:spMk id="21" creationId="{00000000-0000-0000-0000-000000000000}"/>
+          </ac:spMkLst>
+        </pc:spChg>
+        <pc:spChg chg="mod topLvl">
+          <ac:chgData name="Judson Santiago" userId="ebb108da2f256286" providerId="LiveId" clId="{A2CACE54-AAC3-43E0-87AC-1CEB2E06272E}" dt="2021-03-19T01:08:58.726" v="901" actId="164"/>
+          <ac:spMkLst>
+            <pc:docMk/>
+            <pc:sldMk cId="3890449375" sldId="321"/>
+            <ac:spMk id="22" creationId="{00000000-0000-0000-0000-000000000000}"/>
+          </ac:spMkLst>
+        </pc:spChg>
+        <pc:spChg chg="mod topLvl">
+          <ac:chgData name="Judson Santiago" userId="ebb108da2f256286" providerId="LiveId" clId="{A2CACE54-AAC3-43E0-87AC-1CEB2E06272E}" dt="2021-03-19T01:08:58.726" v="901" actId="164"/>
+          <ac:spMkLst>
+            <pc:docMk/>
+            <pc:sldMk cId="3890449375" sldId="321"/>
+            <ac:spMk id="23" creationId="{00000000-0000-0000-0000-000000000000}"/>
+          </ac:spMkLst>
+        </pc:spChg>
+        <pc:spChg chg="mod topLvl">
+          <ac:chgData name="Judson Santiago" userId="ebb108da2f256286" providerId="LiveId" clId="{A2CACE54-AAC3-43E0-87AC-1CEB2E06272E}" dt="2021-03-19T01:08:58.726" v="901" actId="164"/>
+          <ac:spMkLst>
+            <pc:docMk/>
+            <pc:sldMk cId="3890449375" sldId="321"/>
+            <ac:spMk id="24" creationId="{00000000-0000-0000-0000-000000000000}"/>
+          </ac:spMkLst>
+        </pc:spChg>
+        <pc:spChg chg="mod topLvl">
+          <ac:chgData name="Judson Santiago" userId="ebb108da2f256286" providerId="LiveId" clId="{A2CACE54-AAC3-43E0-87AC-1CEB2E06272E}" dt="2021-03-19T01:08:58.726" v="901" actId="164"/>
+          <ac:spMkLst>
+            <pc:docMk/>
+            <pc:sldMk cId="3890449375" sldId="321"/>
+            <ac:spMk id="25" creationId="{00000000-0000-0000-0000-000000000000}"/>
+          </ac:spMkLst>
+        </pc:spChg>
+        <pc:spChg chg="mod topLvl">
+          <ac:chgData name="Judson Santiago" userId="ebb108da2f256286" providerId="LiveId" clId="{A2CACE54-AAC3-43E0-87AC-1CEB2E06272E}" dt="2021-03-19T01:08:58.726" v="901" actId="164"/>
+          <ac:spMkLst>
+            <pc:docMk/>
+            <pc:sldMk cId="3890449375" sldId="321"/>
+            <ac:spMk id="26" creationId="{00000000-0000-0000-0000-000000000000}"/>
+          </ac:spMkLst>
+        </pc:spChg>
+        <pc:spChg chg="mod topLvl">
+          <ac:chgData name="Judson Santiago" userId="ebb108da2f256286" providerId="LiveId" clId="{A2CACE54-AAC3-43E0-87AC-1CEB2E06272E}" dt="2021-03-19T01:08:58.726" v="901" actId="164"/>
+          <ac:spMkLst>
+            <pc:docMk/>
+            <pc:sldMk cId="3890449375" sldId="321"/>
+            <ac:spMk id="27" creationId="{00000000-0000-0000-0000-000000000000}"/>
+          </ac:spMkLst>
+        </pc:spChg>
+        <pc:spChg chg="mod topLvl">
+          <ac:chgData name="Judson Santiago" userId="ebb108da2f256286" providerId="LiveId" clId="{A2CACE54-AAC3-43E0-87AC-1CEB2E06272E}" dt="2021-03-19T01:08:58.726" v="901" actId="164"/>
+          <ac:spMkLst>
+            <pc:docMk/>
+            <pc:sldMk cId="3890449375" sldId="321"/>
+            <ac:spMk id="28" creationId="{00000000-0000-0000-0000-000000000000}"/>
+          </ac:spMkLst>
+        </pc:spChg>
+        <pc:spChg chg="mod topLvl">
+          <ac:chgData name="Judson Santiago" userId="ebb108da2f256286" providerId="LiveId" clId="{A2CACE54-AAC3-43E0-87AC-1CEB2E06272E}" dt="2021-03-19T01:08:58.726" v="901" actId="164"/>
+          <ac:spMkLst>
+            <pc:docMk/>
+            <pc:sldMk cId="3890449375" sldId="321"/>
+            <ac:spMk id="35" creationId="{00000000-0000-0000-0000-000000000000}"/>
+          </ac:spMkLst>
+        </pc:spChg>
+        <pc:spChg chg="mod topLvl">
+          <ac:chgData name="Judson Santiago" userId="ebb108da2f256286" providerId="LiveId" clId="{A2CACE54-AAC3-43E0-87AC-1CEB2E06272E}" dt="2021-03-19T01:08:58.726" v="901" actId="164"/>
+          <ac:spMkLst>
+            <pc:docMk/>
+            <pc:sldMk cId="3890449375" sldId="321"/>
+            <ac:spMk id="36" creationId="{00000000-0000-0000-0000-000000000000}"/>
+          </ac:spMkLst>
+        </pc:spChg>
+        <pc:spChg chg="mod topLvl">
+          <ac:chgData name="Judson Santiago" userId="ebb108da2f256286" providerId="LiveId" clId="{A2CACE54-AAC3-43E0-87AC-1CEB2E06272E}" dt="2021-03-19T01:08:58.726" v="901" actId="164"/>
+          <ac:spMkLst>
+            <pc:docMk/>
+            <pc:sldMk cId="3890449375" sldId="321"/>
+            <ac:spMk id="37" creationId="{00000000-0000-0000-0000-000000000000}"/>
+          </ac:spMkLst>
+        </pc:spChg>
+        <pc:spChg chg="mod topLvl">
+          <ac:chgData name="Judson Santiago" userId="ebb108da2f256286" providerId="LiveId" clId="{A2CACE54-AAC3-43E0-87AC-1CEB2E06272E}" dt="2021-03-19T01:08:58.726" v="901" actId="164"/>
+          <ac:spMkLst>
+            <pc:docMk/>
+            <pc:sldMk cId="3890449375" sldId="321"/>
+            <ac:spMk id="38" creationId="{00000000-0000-0000-0000-000000000000}"/>
+          </ac:spMkLst>
+        </pc:spChg>
+        <pc:spChg chg="mod topLvl">
+          <ac:chgData name="Judson Santiago" userId="ebb108da2f256286" providerId="LiveId" clId="{A2CACE54-AAC3-43E0-87AC-1CEB2E06272E}" dt="2021-03-19T01:08:58.726" v="901" actId="164"/>
+          <ac:spMkLst>
+            <pc:docMk/>
+            <pc:sldMk cId="3890449375" sldId="321"/>
+            <ac:spMk id="39" creationId="{00000000-0000-0000-0000-000000000000}"/>
+          </ac:spMkLst>
+        </pc:spChg>
+        <pc:spChg chg="mod topLvl">
+          <ac:chgData name="Judson Santiago" userId="ebb108da2f256286" providerId="LiveId" clId="{A2CACE54-AAC3-43E0-87AC-1CEB2E06272E}" dt="2021-03-19T01:08:58.726" v="901" actId="164"/>
+          <ac:spMkLst>
+            <pc:docMk/>
+            <pc:sldMk cId="3890449375" sldId="321"/>
+            <ac:spMk id="40" creationId="{00000000-0000-0000-0000-000000000000}"/>
+          </ac:spMkLst>
+        </pc:spChg>
+        <pc:spChg chg="mod topLvl">
+          <ac:chgData name="Judson Santiago" userId="ebb108da2f256286" providerId="LiveId" clId="{A2CACE54-AAC3-43E0-87AC-1CEB2E06272E}" dt="2021-03-19T01:08:58.726" v="901" actId="164"/>
+          <ac:spMkLst>
+            <pc:docMk/>
+            <pc:sldMk cId="3890449375" sldId="321"/>
+            <ac:spMk id="41" creationId="{00000000-0000-0000-0000-000000000000}"/>
+          </ac:spMkLst>
+        </pc:spChg>
+        <pc:spChg chg="mod topLvl">
+          <ac:chgData name="Judson Santiago" userId="ebb108da2f256286" providerId="LiveId" clId="{A2CACE54-AAC3-43E0-87AC-1CEB2E06272E}" dt="2021-03-19T01:08:58.726" v="901" actId="164"/>
+          <ac:spMkLst>
+            <pc:docMk/>
+            <pc:sldMk cId="3890449375" sldId="321"/>
+            <ac:spMk id="42" creationId="{00000000-0000-0000-0000-000000000000}"/>
+          </ac:spMkLst>
+        </pc:spChg>
+        <pc:spChg chg="mod topLvl">
+          <ac:chgData name="Judson Santiago" userId="ebb108da2f256286" providerId="LiveId" clId="{A2CACE54-AAC3-43E0-87AC-1CEB2E06272E}" dt="2021-03-19T01:08:58.726" v="901" actId="164"/>
+          <ac:spMkLst>
+            <pc:docMk/>
+            <pc:sldMk cId="3890449375" sldId="321"/>
+            <ac:spMk id="46" creationId="{00000000-0000-0000-0000-000000000000}"/>
+          </ac:spMkLst>
+        </pc:spChg>
+        <pc:spChg chg="mod topLvl">
+          <ac:chgData name="Judson Santiago" userId="ebb108da2f256286" providerId="LiveId" clId="{A2CACE54-AAC3-43E0-87AC-1CEB2E06272E}" dt="2021-03-19T01:08:58.726" v="901" actId="164"/>
+          <ac:spMkLst>
+            <pc:docMk/>
+            <pc:sldMk cId="3890449375" sldId="321"/>
+            <ac:spMk id="47" creationId="{00000000-0000-0000-0000-000000000000}"/>
+          </ac:spMkLst>
+        </pc:spChg>
+        <pc:spChg chg="mod topLvl">
+          <ac:chgData name="Judson Santiago" userId="ebb108da2f256286" providerId="LiveId" clId="{A2CACE54-AAC3-43E0-87AC-1CEB2E06272E}" dt="2021-03-19T01:08:58.726" v="901" actId="164"/>
+          <ac:spMkLst>
+            <pc:docMk/>
+            <pc:sldMk cId="3890449375" sldId="321"/>
+            <ac:spMk id="57" creationId="{00000000-0000-0000-0000-000000000000}"/>
+          </ac:spMkLst>
+        </pc:spChg>
+        <pc:spChg chg="mod topLvl">
+          <ac:chgData name="Judson Santiago" userId="ebb108da2f256286" providerId="LiveId" clId="{A2CACE54-AAC3-43E0-87AC-1CEB2E06272E}" dt="2021-03-19T01:08:58.726" v="901" actId="164"/>
+          <ac:spMkLst>
+            <pc:docMk/>
+            <pc:sldMk cId="3890449375" sldId="321"/>
+            <ac:spMk id="58" creationId="{00000000-0000-0000-0000-000000000000}"/>
+          </ac:spMkLst>
+        </pc:spChg>
+        <pc:spChg chg="mod topLvl">
+          <ac:chgData name="Judson Santiago" userId="ebb108da2f256286" providerId="LiveId" clId="{A2CACE54-AAC3-43E0-87AC-1CEB2E06272E}" dt="2021-03-19T01:08:58.726" v="901" actId="164"/>
+          <ac:spMkLst>
+            <pc:docMk/>
+            <pc:sldMk cId="3890449375" sldId="321"/>
+            <ac:spMk id="59" creationId="{00000000-0000-0000-0000-000000000000}"/>
+          </ac:spMkLst>
+        </pc:spChg>
+        <pc:spChg chg="mod topLvl">
+          <ac:chgData name="Judson Santiago" userId="ebb108da2f256286" providerId="LiveId" clId="{A2CACE54-AAC3-43E0-87AC-1CEB2E06272E}" dt="2021-03-19T01:08:58.726" v="901" actId="164"/>
+          <ac:spMkLst>
+            <pc:docMk/>
+            <pc:sldMk cId="3890449375" sldId="321"/>
+            <ac:spMk id="60" creationId="{00000000-0000-0000-0000-000000000000}"/>
+          </ac:spMkLst>
+        </pc:spChg>
+        <pc:spChg chg="mod topLvl">
+          <ac:chgData name="Judson Santiago" userId="ebb108da2f256286" providerId="LiveId" clId="{A2CACE54-AAC3-43E0-87AC-1CEB2E06272E}" dt="2021-03-19T01:08:58.726" v="901" actId="164"/>
+          <ac:spMkLst>
+            <pc:docMk/>
+            <pc:sldMk cId="3890449375" sldId="321"/>
+            <ac:spMk id="61" creationId="{00000000-0000-0000-0000-000000000000}"/>
+          </ac:spMkLst>
+        </pc:spChg>
+        <pc:spChg chg="mod topLvl">
+          <ac:chgData name="Judson Santiago" userId="ebb108da2f256286" providerId="LiveId" clId="{A2CACE54-AAC3-43E0-87AC-1CEB2E06272E}" dt="2021-03-19T01:08:58.726" v="901" actId="164"/>
+          <ac:spMkLst>
+            <pc:docMk/>
+            <pc:sldMk cId="3890449375" sldId="321"/>
+            <ac:spMk id="62" creationId="{00000000-0000-0000-0000-000000000000}"/>
+          </ac:spMkLst>
+        </pc:spChg>
+        <pc:spChg chg="mod topLvl">
+          <ac:chgData name="Judson Santiago" userId="ebb108da2f256286" providerId="LiveId" clId="{A2CACE54-AAC3-43E0-87AC-1CEB2E06272E}" dt="2021-03-19T01:08:58.726" v="901" actId="164"/>
+          <ac:spMkLst>
+            <pc:docMk/>
+            <pc:sldMk cId="3890449375" sldId="321"/>
+            <ac:spMk id="63" creationId="{00000000-0000-0000-0000-000000000000}"/>
+          </ac:spMkLst>
+        </pc:spChg>
+        <pc:spChg chg="mod topLvl">
+          <ac:chgData name="Judson Santiago" userId="ebb108da2f256286" providerId="LiveId" clId="{A2CACE54-AAC3-43E0-87AC-1CEB2E06272E}" dt="2021-03-19T01:08:58.726" v="901" actId="164"/>
+          <ac:spMkLst>
+            <pc:docMk/>
+            <pc:sldMk cId="3890449375" sldId="321"/>
+            <ac:spMk id="64" creationId="{00000000-0000-0000-0000-000000000000}"/>
+          </ac:spMkLst>
+        </pc:spChg>
+        <pc:spChg chg="mod topLvl">
+          <ac:chgData name="Judson Santiago" userId="ebb108da2f256286" providerId="LiveId" clId="{A2CACE54-AAC3-43E0-87AC-1CEB2E06272E}" dt="2021-03-19T01:08:58.726" v="901" actId="164"/>
+          <ac:spMkLst>
+            <pc:docMk/>
+            <pc:sldMk cId="3890449375" sldId="321"/>
+            <ac:spMk id="65" creationId="{00000000-0000-0000-0000-000000000000}"/>
+          </ac:spMkLst>
+        </pc:spChg>
+        <pc:spChg chg="mod topLvl">
+          <ac:chgData name="Judson Santiago" userId="ebb108da2f256286" providerId="LiveId" clId="{A2CACE54-AAC3-43E0-87AC-1CEB2E06272E}" dt="2021-03-19T01:08:58.726" v="901" actId="164"/>
+          <ac:spMkLst>
+            <pc:docMk/>
+            <pc:sldMk cId="3890449375" sldId="321"/>
+            <ac:spMk id="66" creationId="{00000000-0000-0000-0000-000000000000}"/>
+          </ac:spMkLst>
+        </pc:spChg>
+        <pc:spChg chg="mod topLvl">
+          <ac:chgData name="Judson Santiago" userId="ebb108da2f256286" providerId="LiveId" clId="{A2CACE54-AAC3-43E0-87AC-1CEB2E06272E}" dt="2021-03-19T01:08:58.726" v="901" actId="164"/>
+          <ac:spMkLst>
+            <pc:docMk/>
+            <pc:sldMk cId="3890449375" sldId="321"/>
+            <ac:spMk id="67" creationId="{00000000-0000-0000-0000-000000000000}"/>
+          </ac:spMkLst>
+        </pc:spChg>
+        <pc:spChg chg="mod topLvl">
+          <ac:chgData name="Judson Santiago" userId="ebb108da2f256286" providerId="LiveId" clId="{A2CACE54-AAC3-43E0-87AC-1CEB2E06272E}" dt="2021-03-19T01:08:58.726" v="901" actId="164"/>
+          <ac:spMkLst>
+            <pc:docMk/>
+            <pc:sldMk cId="3890449375" sldId="321"/>
+            <ac:spMk id="68" creationId="{00000000-0000-0000-0000-000000000000}"/>
+          </ac:spMkLst>
+        </pc:spChg>
+        <pc:spChg chg="mod topLvl">
+          <ac:chgData name="Judson Santiago" userId="ebb108da2f256286" providerId="LiveId" clId="{A2CACE54-AAC3-43E0-87AC-1CEB2E06272E}" dt="2021-03-19T01:08:58.726" v="901" actId="164"/>
+          <ac:spMkLst>
+            <pc:docMk/>
+            <pc:sldMk cId="3890449375" sldId="321"/>
+            <ac:spMk id="69" creationId="{00000000-0000-0000-0000-000000000000}"/>
+          </ac:spMkLst>
+        </pc:spChg>
+        <pc:spChg chg="mod topLvl">
+          <ac:chgData name="Judson Santiago" userId="ebb108da2f256286" providerId="LiveId" clId="{A2CACE54-AAC3-43E0-87AC-1CEB2E06272E}" dt="2021-03-19T01:08:58.726" v="901" actId="164"/>
+          <ac:spMkLst>
+            <pc:docMk/>
+            <pc:sldMk cId="3890449375" sldId="321"/>
+            <ac:spMk id="70" creationId="{00000000-0000-0000-0000-000000000000}"/>
+          </ac:spMkLst>
+        </pc:spChg>
+        <pc:spChg chg="mod topLvl">
+          <ac:chgData name="Judson Santiago" userId="ebb108da2f256286" providerId="LiveId" clId="{A2CACE54-AAC3-43E0-87AC-1CEB2E06272E}" dt="2021-03-19T01:08:58.726" v="901" actId="164"/>
+          <ac:spMkLst>
+            <pc:docMk/>
+            <pc:sldMk cId="3890449375" sldId="321"/>
+            <ac:spMk id="71" creationId="{00000000-0000-0000-0000-000000000000}"/>
+          </ac:spMkLst>
+        </pc:spChg>
+        <pc:spChg chg="mod topLvl">
+          <ac:chgData name="Judson Santiago" userId="ebb108da2f256286" providerId="LiveId" clId="{A2CACE54-AAC3-43E0-87AC-1CEB2E06272E}" dt="2021-03-19T01:08:58.726" v="901" actId="164"/>
+          <ac:spMkLst>
+            <pc:docMk/>
+            <pc:sldMk cId="3890449375" sldId="321"/>
+            <ac:spMk id="72" creationId="{00000000-0000-0000-0000-000000000000}"/>
+          </ac:spMkLst>
+        </pc:spChg>
+        <pc:spChg chg="mod topLvl">
+          <ac:chgData name="Judson Santiago" userId="ebb108da2f256286" providerId="LiveId" clId="{A2CACE54-AAC3-43E0-87AC-1CEB2E06272E}" dt="2021-03-19T01:08:58.726" v="901" actId="164"/>
+          <ac:spMkLst>
+            <pc:docMk/>
+            <pc:sldMk cId="3890449375" sldId="321"/>
+            <ac:spMk id="73" creationId="{00000000-0000-0000-0000-000000000000}"/>
+          </ac:spMkLst>
+        </pc:spChg>
+        <pc:spChg chg="mod topLvl">
+          <ac:chgData name="Judson Santiago" userId="ebb108da2f256286" providerId="LiveId" clId="{A2CACE54-AAC3-43E0-87AC-1CEB2E06272E}" dt="2021-03-19T01:08:58.726" v="901" actId="164"/>
+          <ac:spMkLst>
+            <pc:docMk/>
+            <pc:sldMk cId="3890449375" sldId="321"/>
+            <ac:spMk id="74" creationId="{00000000-0000-0000-0000-000000000000}"/>
+          </ac:spMkLst>
+        </pc:spChg>
+        <pc:spChg chg="mod topLvl">
+          <ac:chgData name="Judson Santiago" userId="ebb108da2f256286" providerId="LiveId" clId="{A2CACE54-AAC3-43E0-87AC-1CEB2E06272E}" dt="2021-03-19T01:08:58.726" v="901" actId="164"/>
+          <ac:spMkLst>
+            <pc:docMk/>
+            <pc:sldMk cId="3890449375" sldId="321"/>
+            <ac:spMk id="75" creationId="{00000000-0000-0000-0000-000000000000}"/>
+          </ac:spMkLst>
+        </pc:spChg>
+        <pc:spChg chg="mod topLvl">
+          <ac:chgData name="Judson Santiago" userId="ebb108da2f256286" providerId="LiveId" clId="{A2CACE54-AAC3-43E0-87AC-1CEB2E06272E}" dt="2021-03-19T01:08:58.726" v="901" actId="164"/>
+          <ac:spMkLst>
+            <pc:docMk/>
+            <pc:sldMk cId="3890449375" sldId="321"/>
+            <ac:spMk id="76" creationId="{00000000-0000-0000-0000-000000000000}"/>
+          </ac:spMkLst>
+        </pc:spChg>
+        <pc:spChg chg="mod topLvl">
+          <ac:chgData name="Judson Santiago" userId="ebb108da2f256286" providerId="LiveId" clId="{A2CACE54-AAC3-43E0-87AC-1CEB2E06272E}" dt="2021-03-19T01:08:58.726" v="901" actId="164"/>
+          <ac:spMkLst>
+            <pc:docMk/>
+            <pc:sldMk cId="3890449375" sldId="321"/>
+            <ac:spMk id="77" creationId="{00000000-0000-0000-0000-000000000000}"/>
+          </ac:spMkLst>
+        </pc:spChg>
+        <pc:spChg chg="add mod topLvl">
+          <ac:chgData name="Judson Santiago" userId="ebb108da2f256286" providerId="LiveId" clId="{A2CACE54-AAC3-43E0-87AC-1CEB2E06272E}" dt="2021-03-19T01:08:58.726" v="901" actId="164"/>
+          <ac:spMkLst>
+            <pc:docMk/>
+            <pc:sldMk cId="3890449375" sldId="321"/>
+            <ac:spMk id="81" creationId="{963800F3-E857-4857-B49E-9E2A3B480642}"/>
+          </ac:spMkLst>
+        </pc:spChg>
+        <pc:spChg chg="add mod topLvl">
+          <ac:chgData name="Judson Santiago" userId="ebb108da2f256286" providerId="LiveId" clId="{A2CACE54-AAC3-43E0-87AC-1CEB2E06272E}" dt="2021-03-19T01:08:58.726" v="901" actId="164"/>
+          <ac:spMkLst>
+            <pc:docMk/>
+            <pc:sldMk cId="3890449375" sldId="321"/>
+            <ac:spMk id="82" creationId="{62B712D7-0560-47F1-911A-217E33AEACD9}"/>
+          </ac:spMkLst>
+        </pc:spChg>
+        <pc:spChg chg="mod topLvl">
+          <ac:chgData name="Judson Santiago" userId="ebb108da2f256286" providerId="LiveId" clId="{A2CACE54-AAC3-43E0-87AC-1CEB2E06272E}" dt="2021-03-19T01:08:58.726" v="901" actId="164"/>
+          <ac:spMkLst>
+            <pc:docMk/>
+            <pc:sldMk cId="3890449375" sldId="321"/>
+            <ac:spMk id="84" creationId="{D799B36E-B9C4-480A-8691-E4B6A7C4E06A}"/>
+          </ac:spMkLst>
+        </pc:spChg>
+        <pc:spChg chg="mod topLvl">
+          <ac:chgData name="Judson Santiago" userId="ebb108da2f256286" providerId="LiveId" clId="{A2CACE54-AAC3-43E0-87AC-1CEB2E06272E}" dt="2021-03-19T01:08:58.726" v="901" actId="164"/>
+          <ac:spMkLst>
+            <pc:docMk/>
+            <pc:sldMk cId="3890449375" sldId="321"/>
+            <ac:spMk id="85" creationId="{DDE1D07D-218D-4F89-9E2A-1AB41510A6DC}"/>
+          </ac:spMkLst>
+        </pc:spChg>
+        <pc:grpChg chg="del">
+          <ac:chgData name="Judson Santiago" userId="ebb108da2f256286" providerId="LiveId" clId="{A2CACE54-AAC3-43E0-87AC-1CEB2E06272E}" dt="2021-03-19T00:37:12.833" v="706" actId="165"/>
+          <ac:grpSpMkLst>
+            <pc:docMk/>
+            <pc:sldMk cId="3890449375" sldId="321"/>
+            <ac:grpSpMk id="29" creationId="{91610637-9E39-4676-A1E5-96ED67E8A046}"/>
+          </ac:grpSpMkLst>
+        </pc:grpChg>
+        <pc:grpChg chg="add del mod">
+          <ac:chgData name="Judson Santiago" userId="ebb108da2f256286" providerId="LiveId" clId="{A2CACE54-AAC3-43E0-87AC-1CEB2E06272E}" dt="2021-03-19T00:41:03.058" v="713" actId="165"/>
+          <ac:grpSpMkLst>
+            <pc:docMk/>
+            <pc:sldMk cId="3890449375" sldId="321"/>
+            <ac:grpSpMk id="31" creationId="{BEB97294-660B-400A-8DF4-54F3DF30E259}"/>
+          </ac:grpSpMkLst>
+        </pc:grpChg>
+        <pc:grpChg chg="add del mod">
+          <ac:chgData name="Judson Santiago" userId="ebb108da2f256286" providerId="LiveId" clId="{A2CACE54-AAC3-43E0-87AC-1CEB2E06272E}" dt="2021-03-19T01:08:40.804" v="896" actId="165"/>
+          <ac:grpSpMkLst>
+            <pc:docMk/>
+            <pc:sldMk cId="3890449375" sldId="321"/>
+            <ac:grpSpMk id="34" creationId="{44F6DCBF-7115-402C-A62A-132118A2B182}"/>
+          </ac:grpSpMkLst>
+        </pc:grpChg>
+        <pc:grpChg chg="add mod">
+          <ac:chgData name="Judson Santiago" userId="ebb108da2f256286" providerId="LiveId" clId="{A2CACE54-AAC3-43E0-87AC-1CEB2E06272E}" dt="2021-03-19T01:09:05.520" v="905" actId="1036"/>
+          <ac:grpSpMkLst>
+            <pc:docMk/>
+            <pc:sldMk cId="3890449375" sldId="321"/>
+            <ac:grpSpMk id="48" creationId="{855BF169-55A7-40DB-9675-FE7C20ED46E8}"/>
+          </ac:grpSpMkLst>
+        </pc:grpChg>
+        <pc:cxnChg chg="mod topLvl">
+          <ac:chgData name="Judson Santiago" userId="ebb108da2f256286" providerId="LiveId" clId="{A2CACE54-AAC3-43E0-87AC-1CEB2E06272E}" dt="2021-03-19T01:08:58.726" v="901" actId="164"/>
+          <ac:cxnSpMkLst>
+            <pc:docMk/>
+            <pc:sldMk cId="3890449375" sldId="321"/>
+            <ac:cxnSpMk id="49" creationId="{00000000-0000-0000-0000-000000000000}"/>
+          </ac:cxnSpMkLst>
+        </pc:cxnChg>
+        <pc:cxnChg chg="mod topLvl">
+          <ac:chgData name="Judson Santiago" userId="ebb108da2f256286" providerId="LiveId" clId="{A2CACE54-AAC3-43E0-87AC-1CEB2E06272E}" dt="2021-03-19T01:08:58.726" v="901" actId="164"/>
+          <ac:cxnSpMkLst>
+            <pc:docMk/>
+            <pc:sldMk cId="3890449375" sldId="321"/>
+            <ac:cxnSpMk id="51" creationId="{00000000-0000-0000-0000-000000000000}"/>
+          </ac:cxnSpMkLst>
+        </pc:cxnChg>
+        <pc:cxnChg chg="mod topLvl">
+          <ac:chgData name="Judson Santiago" userId="ebb108da2f256286" providerId="LiveId" clId="{A2CACE54-AAC3-43E0-87AC-1CEB2E06272E}" dt="2021-03-19T01:08:58.726" v="901" actId="164"/>
+          <ac:cxnSpMkLst>
+            <pc:docMk/>
+            <pc:sldMk cId="3890449375" sldId="321"/>
+            <ac:cxnSpMk id="54" creationId="{00000000-0000-0000-0000-000000000000}"/>
+          </ac:cxnSpMkLst>
+        </pc:cxnChg>
+        <pc:cxnChg chg="mod topLvl">
+          <ac:chgData name="Judson Santiago" userId="ebb108da2f256286" providerId="LiveId" clId="{A2CACE54-AAC3-43E0-87AC-1CEB2E06272E}" dt="2021-03-19T01:08:58.726" v="901" actId="164"/>
+          <ac:cxnSpMkLst>
+            <pc:docMk/>
+            <pc:sldMk cId="3890449375" sldId="321"/>
+            <ac:cxnSpMk id="55" creationId="{00000000-0000-0000-0000-000000000000}"/>
+          </ac:cxnSpMkLst>
+        </pc:cxnChg>
+        <pc:cxnChg chg="mod topLvl">
+          <ac:chgData name="Judson Santiago" userId="ebb108da2f256286" providerId="LiveId" clId="{A2CACE54-AAC3-43E0-87AC-1CEB2E06272E}" dt="2021-03-19T01:08:58.726" v="901" actId="164"/>
+          <ac:cxnSpMkLst>
+            <pc:docMk/>
+            <pc:sldMk cId="3890449375" sldId="321"/>
+            <ac:cxnSpMk id="78" creationId="{00000000-0000-0000-0000-000000000000}"/>
+          </ac:cxnSpMkLst>
+        </pc:cxnChg>
+        <pc:cxnChg chg="mod topLvl">
+          <ac:chgData name="Judson Santiago" userId="ebb108da2f256286" providerId="LiveId" clId="{A2CACE54-AAC3-43E0-87AC-1CEB2E06272E}" dt="2021-03-19T01:08:58.726" v="901" actId="164"/>
+          <ac:cxnSpMkLst>
+            <pc:docMk/>
+            <pc:sldMk cId="3890449375" sldId="321"/>
+            <ac:cxnSpMk id="79" creationId="{00000000-0000-0000-0000-000000000000}"/>
+          </ac:cxnSpMkLst>
+        </pc:cxnChg>
+        <pc:cxnChg chg="mod topLvl">
+          <ac:chgData name="Judson Santiago" userId="ebb108da2f256286" providerId="LiveId" clId="{A2CACE54-AAC3-43E0-87AC-1CEB2E06272E}" dt="2021-03-19T01:08:58.726" v="901" actId="164"/>
+          <ac:cxnSpMkLst>
+            <pc:docMk/>
+            <pc:sldMk cId="3890449375" sldId="321"/>
+            <ac:cxnSpMk id="80" creationId="{00000000-0000-0000-0000-000000000000}"/>
+          </ac:cxnSpMkLst>
+        </pc:cxnChg>
+      </pc:sldChg>
+      <pc:sldChg chg="addSp delSp modSp mod modNotesTx">
+        <pc:chgData name="Judson Santiago" userId="ebb108da2f256286" providerId="LiveId" clId="{A2CACE54-AAC3-43E0-87AC-1CEB2E06272E}" dt="2021-03-19T01:09:35" v="914" actId="1036"/>
+        <pc:sldMkLst>
+          <pc:docMk/>
+          <pc:sldMk cId="1987302285" sldId="322"/>
+        </pc:sldMkLst>
+        <pc:spChg chg="mod topLvl">
+          <ac:chgData name="Judson Santiago" userId="ebb108da2f256286" providerId="LiveId" clId="{A2CACE54-AAC3-43E0-87AC-1CEB2E06272E}" dt="2021-03-19T01:09:31.295" v="911" actId="164"/>
+          <ac:spMkLst>
+            <pc:docMk/>
+            <pc:sldMk cId="1987302285" sldId="322"/>
+            <ac:spMk id="5" creationId="{00000000-0000-0000-0000-000000000000}"/>
+          </ac:spMkLst>
+        </pc:spChg>
+        <pc:spChg chg="mod topLvl">
+          <ac:chgData name="Judson Santiago" userId="ebb108da2f256286" providerId="LiveId" clId="{A2CACE54-AAC3-43E0-87AC-1CEB2E06272E}" dt="2021-03-19T01:09:31.295" v="911" actId="164"/>
+          <ac:spMkLst>
+            <pc:docMk/>
+            <pc:sldMk cId="1987302285" sldId="322"/>
+            <ac:spMk id="6" creationId="{00000000-0000-0000-0000-000000000000}"/>
+          </ac:spMkLst>
+        </pc:spChg>
+        <pc:spChg chg="mod topLvl">
+          <ac:chgData name="Judson Santiago" userId="ebb108da2f256286" providerId="LiveId" clId="{A2CACE54-AAC3-43E0-87AC-1CEB2E06272E}" dt="2021-03-19T01:09:31.295" v="911" actId="164"/>
+          <ac:spMkLst>
+            <pc:docMk/>
+            <pc:sldMk cId="1987302285" sldId="322"/>
+            <ac:spMk id="7" creationId="{00000000-0000-0000-0000-000000000000}"/>
+          </ac:spMkLst>
+        </pc:spChg>
+        <pc:spChg chg="mod topLvl">
+          <ac:chgData name="Judson Santiago" userId="ebb108da2f256286" providerId="LiveId" clId="{A2CACE54-AAC3-43E0-87AC-1CEB2E06272E}" dt="2021-03-19T01:09:31.295" v="911" actId="164"/>
+          <ac:spMkLst>
+            <pc:docMk/>
+            <pc:sldMk cId="1987302285" sldId="322"/>
+            <ac:spMk id="8" creationId="{00000000-0000-0000-0000-000000000000}"/>
+          </ac:spMkLst>
+        </pc:spChg>
+        <pc:spChg chg="mod topLvl">
+          <ac:chgData name="Judson Santiago" userId="ebb108da2f256286" providerId="LiveId" clId="{A2CACE54-AAC3-43E0-87AC-1CEB2E06272E}" dt="2021-03-19T01:09:31.295" v="911" actId="164"/>
+          <ac:spMkLst>
+            <pc:docMk/>
+            <pc:sldMk cId="1987302285" sldId="322"/>
+            <ac:spMk id="9" creationId="{00000000-0000-0000-0000-000000000000}"/>
+          </ac:spMkLst>
+        </pc:spChg>
+        <pc:spChg chg="mod topLvl">
+          <ac:chgData name="Judson Santiago" userId="ebb108da2f256286" providerId="LiveId" clId="{A2CACE54-AAC3-43E0-87AC-1CEB2E06272E}" dt="2021-03-19T01:09:31.295" v="911" actId="164"/>
+          <ac:spMkLst>
+            <pc:docMk/>
+            <pc:sldMk cId="1987302285" sldId="322"/>
+            <ac:spMk id="10" creationId="{00000000-0000-0000-0000-000000000000}"/>
+          </ac:spMkLst>
+        </pc:spChg>
+        <pc:spChg chg="mod topLvl">
+          <ac:chgData name="Judson Santiago" userId="ebb108da2f256286" providerId="LiveId" clId="{A2CACE54-AAC3-43E0-87AC-1CEB2E06272E}" dt="2021-03-19T01:09:31.295" v="911" actId="164"/>
+          <ac:spMkLst>
+            <pc:docMk/>
+            <pc:sldMk cId="1987302285" sldId="322"/>
+            <ac:spMk id="11" creationId="{00000000-0000-0000-0000-000000000000}"/>
+          </ac:spMkLst>
+        </pc:spChg>
+        <pc:spChg chg="mod topLvl">
+          <ac:chgData name="Judson Santiago" userId="ebb108da2f256286" providerId="LiveId" clId="{A2CACE54-AAC3-43E0-87AC-1CEB2E06272E}" dt="2021-03-19T01:09:31.295" v="911" actId="164"/>
+          <ac:spMkLst>
+            <pc:docMk/>
+            <pc:sldMk cId="1987302285" sldId="322"/>
+            <ac:spMk id="12" creationId="{00000000-0000-0000-0000-000000000000}"/>
+          </ac:spMkLst>
+        </pc:spChg>
+        <pc:spChg chg="mod topLvl">
+          <ac:chgData name="Judson Santiago" userId="ebb108da2f256286" providerId="LiveId" clId="{A2CACE54-AAC3-43E0-87AC-1CEB2E06272E}" dt="2021-03-19T01:09:31.295" v="911" actId="164"/>
+          <ac:spMkLst>
+            <pc:docMk/>
+            <pc:sldMk cId="1987302285" sldId="322"/>
+            <ac:spMk id="13" creationId="{00000000-0000-0000-0000-000000000000}"/>
+          </ac:spMkLst>
+        </pc:spChg>
+        <pc:spChg chg="mod topLvl">
+          <ac:chgData name="Judson Santiago" userId="ebb108da2f256286" providerId="LiveId" clId="{A2CACE54-AAC3-43E0-87AC-1CEB2E06272E}" dt="2021-03-19T01:09:31.295" v="911" actId="164"/>
+          <ac:spMkLst>
+            <pc:docMk/>
+            <pc:sldMk cId="1987302285" sldId="322"/>
+            <ac:spMk id="14" creationId="{00000000-0000-0000-0000-000000000000}"/>
+          </ac:spMkLst>
+        </pc:spChg>
+        <pc:spChg chg="mod topLvl">
+          <ac:chgData name="Judson Santiago" userId="ebb108da2f256286" providerId="LiveId" clId="{A2CACE54-AAC3-43E0-87AC-1CEB2E06272E}" dt="2021-03-19T01:09:31.295" v="911" actId="164"/>
+          <ac:spMkLst>
+            <pc:docMk/>
+            <pc:sldMk cId="1987302285" sldId="322"/>
+            <ac:spMk id="15" creationId="{00000000-0000-0000-0000-000000000000}"/>
+          </ac:spMkLst>
+        </pc:spChg>
+        <pc:spChg chg="mod topLvl">
+          <ac:chgData name="Judson Santiago" userId="ebb108da2f256286" providerId="LiveId" clId="{A2CACE54-AAC3-43E0-87AC-1CEB2E06272E}" dt="2021-03-19T01:09:31.295" v="911" actId="164"/>
+          <ac:spMkLst>
+            <pc:docMk/>
+            <pc:sldMk cId="1987302285" sldId="322"/>
+            <ac:spMk id="16" creationId="{00000000-0000-0000-0000-000000000000}"/>
+          </ac:spMkLst>
+        </pc:spChg>
+        <pc:spChg chg="mod topLvl">
+          <ac:chgData name="Judson Santiago" userId="ebb108da2f256286" providerId="LiveId" clId="{A2CACE54-AAC3-43E0-87AC-1CEB2E06272E}" dt="2021-03-19T01:09:31.295" v="911" actId="164"/>
+          <ac:spMkLst>
+            <pc:docMk/>
+            <pc:sldMk cId="1987302285" sldId="322"/>
+            <ac:spMk id="17" creationId="{00000000-0000-0000-0000-000000000000}"/>
+          </ac:spMkLst>
+        </pc:spChg>
+        <pc:spChg chg="mod topLvl">
+          <ac:chgData name="Judson Santiago" userId="ebb108da2f256286" providerId="LiveId" clId="{A2CACE54-AAC3-43E0-87AC-1CEB2E06272E}" dt="2021-03-19T01:09:31.295" v="911" actId="164"/>
+          <ac:spMkLst>
+            <pc:docMk/>
+            <pc:sldMk cId="1987302285" sldId="322"/>
+            <ac:spMk id="18" creationId="{00000000-0000-0000-0000-000000000000}"/>
+          </ac:spMkLst>
+        </pc:spChg>
+        <pc:spChg chg="mod topLvl">
+          <ac:chgData name="Judson Santiago" userId="ebb108da2f256286" providerId="LiveId" clId="{A2CACE54-AAC3-43E0-87AC-1CEB2E06272E}" dt="2021-03-19T01:09:31.295" v="911" actId="164"/>
+          <ac:spMkLst>
+            <pc:docMk/>
+            <pc:sldMk cId="1987302285" sldId="322"/>
+            <ac:spMk id="19" creationId="{00000000-0000-0000-0000-000000000000}"/>
+          </ac:spMkLst>
+        </pc:spChg>
+        <pc:spChg chg="mod topLvl">
+          <ac:chgData name="Judson Santiago" userId="ebb108da2f256286" providerId="LiveId" clId="{A2CACE54-AAC3-43E0-87AC-1CEB2E06272E}" dt="2021-03-19T01:09:31.295" v="911" actId="164"/>
+          <ac:spMkLst>
+            <pc:docMk/>
+            <pc:sldMk cId="1987302285" sldId="322"/>
+            <ac:spMk id="20" creationId="{00000000-0000-0000-0000-000000000000}"/>
+          </ac:spMkLst>
+        </pc:spChg>
+        <pc:spChg chg="mod topLvl">
+          <ac:chgData name="Judson Santiago" userId="ebb108da2f256286" providerId="LiveId" clId="{A2CACE54-AAC3-43E0-87AC-1CEB2E06272E}" dt="2021-03-19T01:09:31.295" v="911" actId="164"/>
+          <ac:spMkLst>
+            <pc:docMk/>
+            <pc:sldMk cId="1987302285" sldId="322"/>
+            <ac:spMk id="35" creationId="{00000000-0000-0000-0000-000000000000}"/>
+          </ac:spMkLst>
+        </pc:spChg>
+        <pc:spChg chg="mod topLvl">
+          <ac:chgData name="Judson Santiago" userId="ebb108da2f256286" providerId="LiveId" clId="{A2CACE54-AAC3-43E0-87AC-1CEB2E06272E}" dt="2021-03-19T01:09:31.295" v="911" actId="164"/>
+          <ac:spMkLst>
+            <pc:docMk/>
+            <pc:sldMk cId="1987302285" sldId="322"/>
+            <ac:spMk id="36" creationId="{00000000-0000-0000-0000-000000000000}"/>
+          </ac:spMkLst>
+        </pc:spChg>
+        <pc:spChg chg="mod topLvl">
+          <ac:chgData name="Judson Santiago" userId="ebb108da2f256286" providerId="LiveId" clId="{A2CACE54-AAC3-43E0-87AC-1CEB2E06272E}" dt="2021-03-19T01:09:31.295" v="911" actId="164"/>
+          <ac:spMkLst>
+            <pc:docMk/>
+            <pc:sldMk cId="1987302285" sldId="322"/>
+            <ac:spMk id="37" creationId="{00000000-0000-0000-0000-000000000000}"/>
+          </ac:spMkLst>
+        </pc:spChg>
+        <pc:spChg chg="mod topLvl">
+          <ac:chgData name="Judson Santiago" userId="ebb108da2f256286" providerId="LiveId" clId="{A2CACE54-AAC3-43E0-87AC-1CEB2E06272E}" dt="2021-03-19T01:09:31.295" v="911" actId="164"/>
+          <ac:spMkLst>
+            <pc:docMk/>
+            <pc:sldMk cId="1987302285" sldId="322"/>
+            <ac:spMk id="38" creationId="{00000000-0000-0000-0000-000000000000}"/>
+          </ac:spMkLst>
+        </pc:spChg>
+        <pc:spChg chg="mod topLvl">
+          <ac:chgData name="Judson Santiago" userId="ebb108da2f256286" providerId="LiveId" clId="{A2CACE54-AAC3-43E0-87AC-1CEB2E06272E}" dt="2021-03-19T01:09:31.295" v="911" actId="164"/>
+          <ac:spMkLst>
+            <pc:docMk/>
+            <pc:sldMk cId="1987302285" sldId="322"/>
+            <ac:spMk id="39" creationId="{00000000-0000-0000-0000-000000000000}"/>
+          </ac:spMkLst>
+        </pc:spChg>
+        <pc:spChg chg="mod topLvl">
+          <ac:chgData name="Judson Santiago" userId="ebb108da2f256286" providerId="LiveId" clId="{A2CACE54-AAC3-43E0-87AC-1CEB2E06272E}" dt="2021-03-19T01:09:31.295" v="911" actId="164"/>
+          <ac:spMkLst>
+            <pc:docMk/>
+            <pc:sldMk cId="1987302285" sldId="322"/>
+            <ac:spMk id="40" creationId="{00000000-0000-0000-0000-000000000000}"/>
+          </ac:spMkLst>
+        </pc:spChg>
+        <pc:spChg chg="mod topLvl">
+          <ac:chgData name="Judson Santiago" userId="ebb108da2f256286" providerId="LiveId" clId="{A2CACE54-AAC3-43E0-87AC-1CEB2E06272E}" dt="2021-03-19T01:09:31.295" v="911" actId="164"/>
+          <ac:spMkLst>
+            <pc:docMk/>
+            <pc:sldMk cId="1987302285" sldId="322"/>
+            <ac:spMk id="41" creationId="{00000000-0000-0000-0000-000000000000}"/>
+          </ac:spMkLst>
+        </pc:spChg>
+        <pc:spChg chg="mod topLvl">
+          <ac:chgData name="Judson Santiago" userId="ebb108da2f256286" providerId="LiveId" clId="{A2CACE54-AAC3-43E0-87AC-1CEB2E06272E}" dt="2021-03-19T01:09:31.295" v="911" actId="164"/>
+          <ac:spMkLst>
+            <pc:docMk/>
+            <pc:sldMk cId="1987302285" sldId="322"/>
+            <ac:spMk id="42" creationId="{00000000-0000-0000-0000-000000000000}"/>
+          </ac:spMkLst>
+        </pc:spChg>
+        <pc:spChg chg="mod topLvl">
+          <ac:chgData name="Judson Santiago" userId="ebb108da2f256286" providerId="LiveId" clId="{A2CACE54-AAC3-43E0-87AC-1CEB2E06272E}" dt="2021-03-19T01:09:31.295" v="911" actId="164"/>
+          <ac:spMkLst>
+            <pc:docMk/>
+            <pc:sldMk cId="1987302285" sldId="322"/>
+            <ac:spMk id="46" creationId="{00000000-0000-0000-0000-000000000000}"/>
+          </ac:spMkLst>
+        </pc:spChg>
+        <pc:spChg chg="mod topLvl">
+          <ac:chgData name="Judson Santiago" userId="ebb108da2f256286" providerId="LiveId" clId="{A2CACE54-AAC3-43E0-87AC-1CEB2E06272E}" dt="2021-03-19T01:09:31.295" v="911" actId="164"/>
+          <ac:spMkLst>
+            <pc:docMk/>
+            <pc:sldMk cId="1987302285" sldId="322"/>
+            <ac:spMk id="57" creationId="{00000000-0000-0000-0000-000000000000}"/>
+          </ac:spMkLst>
+        </pc:spChg>
+        <pc:spChg chg="mod topLvl">
+          <ac:chgData name="Judson Santiago" userId="ebb108da2f256286" providerId="LiveId" clId="{A2CACE54-AAC3-43E0-87AC-1CEB2E06272E}" dt="2021-03-19T01:09:31.295" v="911" actId="164"/>
+          <ac:spMkLst>
+            <pc:docMk/>
+            <pc:sldMk cId="1987302285" sldId="322"/>
+            <ac:spMk id="58" creationId="{00000000-0000-0000-0000-000000000000}"/>
+          </ac:spMkLst>
+        </pc:spChg>
+        <pc:spChg chg="mod topLvl">
+          <ac:chgData name="Judson Santiago" userId="ebb108da2f256286" providerId="LiveId" clId="{A2CACE54-AAC3-43E0-87AC-1CEB2E06272E}" dt="2021-03-19T01:09:31.295" v="911" actId="164"/>
+          <ac:spMkLst>
+            <pc:docMk/>
+            <pc:sldMk cId="1987302285" sldId="322"/>
+            <ac:spMk id="59" creationId="{00000000-0000-0000-0000-000000000000}"/>
+          </ac:spMkLst>
+        </pc:spChg>
+        <pc:spChg chg="mod topLvl">
+          <ac:chgData name="Judson Santiago" userId="ebb108da2f256286" providerId="LiveId" clId="{A2CACE54-AAC3-43E0-87AC-1CEB2E06272E}" dt="2021-03-19T01:09:31.295" v="911" actId="164"/>
+          <ac:spMkLst>
+            <pc:docMk/>
+            <pc:sldMk cId="1987302285" sldId="322"/>
+            <ac:spMk id="60" creationId="{00000000-0000-0000-0000-000000000000}"/>
+          </ac:spMkLst>
+        </pc:spChg>
+        <pc:spChg chg="mod topLvl">
+          <ac:chgData name="Judson Santiago" userId="ebb108da2f256286" providerId="LiveId" clId="{A2CACE54-AAC3-43E0-87AC-1CEB2E06272E}" dt="2021-03-19T01:09:31.295" v="911" actId="164"/>
+          <ac:spMkLst>
+            <pc:docMk/>
+            <pc:sldMk cId="1987302285" sldId="322"/>
+            <ac:spMk id="61" creationId="{00000000-0000-0000-0000-000000000000}"/>
+          </ac:spMkLst>
+        </pc:spChg>
+        <pc:spChg chg="mod topLvl">
+          <ac:chgData name="Judson Santiago" userId="ebb108da2f256286" providerId="LiveId" clId="{A2CACE54-AAC3-43E0-87AC-1CEB2E06272E}" dt="2021-03-19T01:09:31.295" v="911" actId="164"/>
+          <ac:spMkLst>
+            <pc:docMk/>
+            <pc:sldMk cId="1987302285" sldId="322"/>
+            <ac:spMk id="62" creationId="{00000000-0000-0000-0000-000000000000}"/>
+          </ac:spMkLst>
+        </pc:spChg>
+        <pc:spChg chg="mod topLvl">
+          <ac:chgData name="Judson Santiago" userId="ebb108da2f256286" providerId="LiveId" clId="{A2CACE54-AAC3-43E0-87AC-1CEB2E06272E}" dt="2021-03-19T01:09:31.295" v="911" actId="164"/>
+          <ac:spMkLst>
+            <pc:docMk/>
+            <pc:sldMk cId="1987302285" sldId="322"/>
+            <ac:spMk id="63" creationId="{00000000-0000-0000-0000-000000000000}"/>
+          </ac:spMkLst>
+        </pc:spChg>
+        <pc:spChg chg="mod topLvl">
+          <ac:chgData name="Judson Santiago" userId="ebb108da2f256286" providerId="LiveId" clId="{A2CACE54-AAC3-43E0-87AC-1CEB2E06272E}" dt="2021-03-19T01:09:31.295" v="911" actId="164"/>
+          <ac:spMkLst>
+            <pc:docMk/>
+            <pc:sldMk cId="1987302285" sldId="322"/>
+            <ac:spMk id="64" creationId="{00000000-0000-0000-0000-000000000000}"/>
+          </ac:spMkLst>
+        </pc:spChg>
+        <pc:spChg chg="mod topLvl">
+          <ac:chgData name="Judson Santiago" userId="ebb108da2f256286" providerId="LiveId" clId="{A2CACE54-AAC3-43E0-87AC-1CEB2E06272E}" dt="2021-03-19T01:09:31.295" v="911" actId="164"/>
+          <ac:spMkLst>
+            <pc:docMk/>
+            <pc:sldMk cId="1987302285" sldId="322"/>
+            <ac:spMk id="65" creationId="{00000000-0000-0000-0000-000000000000}"/>
+          </ac:spMkLst>
+        </pc:spChg>
+        <pc:spChg chg="mod topLvl">
+          <ac:chgData name="Judson Santiago" userId="ebb108da2f256286" providerId="LiveId" clId="{A2CACE54-AAC3-43E0-87AC-1CEB2E06272E}" dt="2021-03-19T01:09:31.295" v="911" actId="164"/>
+          <ac:spMkLst>
+            <pc:docMk/>
+            <pc:sldMk cId="1987302285" sldId="322"/>
+            <ac:spMk id="66" creationId="{00000000-0000-0000-0000-000000000000}"/>
+          </ac:spMkLst>
+        </pc:spChg>
+        <pc:spChg chg="mod topLvl">
+          <ac:chgData name="Judson Santiago" userId="ebb108da2f256286" providerId="LiveId" clId="{A2CACE54-AAC3-43E0-87AC-1CEB2E06272E}" dt="2021-03-19T01:09:31.295" v="911" actId="164"/>
+          <ac:spMkLst>
+            <pc:docMk/>
+            <pc:sldMk cId="1987302285" sldId="322"/>
+            <ac:spMk id="67" creationId="{00000000-0000-0000-0000-000000000000}"/>
+          </ac:spMkLst>
+        </pc:spChg>
+        <pc:spChg chg="mod topLvl">
+          <ac:chgData name="Judson Santiago" userId="ebb108da2f256286" providerId="LiveId" clId="{A2CACE54-AAC3-43E0-87AC-1CEB2E06272E}" dt="2021-03-19T01:09:31.295" v="911" actId="164"/>
+          <ac:spMkLst>
+            <pc:docMk/>
+            <pc:sldMk cId="1987302285" sldId="322"/>
+            <ac:spMk id="68" creationId="{00000000-0000-0000-0000-000000000000}"/>
+          </ac:spMkLst>
+        </pc:spChg>
+        <pc:spChg chg="mod topLvl">
+          <ac:chgData name="Judson Santiago" userId="ebb108da2f256286" providerId="LiveId" clId="{A2CACE54-AAC3-43E0-87AC-1CEB2E06272E}" dt="2021-03-19T01:09:31.295" v="911" actId="164"/>
+          <ac:spMkLst>
+            <pc:docMk/>
+            <pc:sldMk cId="1987302285" sldId="322"/>
+            <ac:spMk id="69" creationId="{00000000-0000-0000-0000-000000000000}"/>
+          </ac:spMkLst>
+        </pc:spChg>
+        <pc:spChg chg="mod topLvl">
+          <ac:chgData name="Judson Santiago" userId="ebb108da2f256286" providerId="LiveId" clId="{A2CACE54-AAC3-43E0-87AC-1CEB2E06272E}" dt="2021-03-19T01:09:31.295" v="911" actId="164"/>
+          <ac:spMkLst>
+            <pc:docMk/>
+            <pc:sldMk cId="1987302285" sldId="322"/>
+            <ac:spMk id="70" creationId="{00000000-0000-0000-0000-000000000000}"/>
+          </ac:spMkLst>
+        </pc:spChg>
+        <pc:spChg chg="mod topLvl">
+          <ac:chgData name="Judson Santiago" userId="ebb108da2f256286" providerId="LiveId" clId="{A2CACE54-AAC3-43E0-87AC-1CEB2E06272E}" dt="2021-03-19T01:09:31.295" v="911" actId="164"/>
+          <ac:spMkLst>
+            <pc:docMk/>
+            <pc:sldMk cId="1987302285" sldId="322"/>
+            <ac:spMk id="71" creationId="{00000000-0000-0000-0000-000000000000}"/>
+          </ac:spMkLst>
+        </pc:spChg>
+        <pc:spChg chg="mod topLvl">
+          <ac:chgData name="Judson Santiago" userId="ebb108da2f256286" providerId="LiveId" clId="{A2CACE54-AAC3-43E0-87AC-1CEB2E06272E}" dt="2021-03-19T01:09:31.295" v="911" actId="164"/>
+          <ac:spMkLst>
+            <pc:docMk/>
+            <pc:sldMk cId="1987302285" sldId="322"/>
+            <ac:spMk id="72" creationId="{00000000-0000-0000-0000-000000000000}"/>
+          </ac:spMkLst>
+        </pc:spChg>
+        <pc:spChg chg="mod topLvl">
+          <ac:chgData name="Judson Santiago" userId="ebb108da2f256286" providerId="LiveId" clId="{A2CACE54-AAC3-43E0-87AC-1CEB2E06272E}" dt="2021-03-19T01:09:31.295" v="911" actId="164"/>
+          <ac:spMkLst>
+            <pc:docMk/>
+            <pc:sldMk cId="1987302285" sldId="322"/>
+            <ac:spMk id="73" creationId="{00000000-0000-0000-0000-000000000000}"/>
+          </ac:spMkLst>
+        </pc:spChg>
+        <pc:spChg chg="mod topLvl">
+          <ac:chgData name="Judson Santiago" userId="ebb108da2f256286" providerId="LiveId" clId="{A2CACE54-AAC3-43E0-87AC-1CEB2E06272E}" dt="2021-03-19T01:09:31.295" v="911" actId="164"/>
+          <ac:spMkLst>
+            <pc:docMk/>
+            <pc:sldMk cId="1987302285" sldId="322"/>
+            <ac:spMk id="74" creationId="{00000000-0000-0000-0000-000000000000}"/>
+          </ac:spMkLst>
+        </pc:spChg>
+        <pc:spChg chg="mod topLvl">
+          <ac:chgData name="Judson Santiago" userId="ebb108da2f256286" providerId="LiveId" clId="{A2CACE54-AAC3-43E0-87AC-1CEB2E06272E}" dt="2021-03-19T01:09:31.295" v="911" actId="164"/>
+          <ac:spMkLst>
+            <pc:docMk/>
+            <pc:sldMk cId="1987302285" sldId="322"/>
+            <ac:spMk id="75" creationId="{00000000-0000-0000-0000-000000000000}"/>
+          </ac:spMkLst>
+        </pc:spChg>
+        <pc:spChg chg="mod topLvl">
+          <ac:chgData name="Judson Santiago" userId="ebb108da2f256286" providerId="LiveId" clId="{A2CACE54-AAC3-43E0-87AC-1CEB2E06272E}" dt="2021-03-19T01:09:31.295" v="911" actId="164"/>
+          <ac:spMkLst>
+            <pc:docMk/>
+            <pc:sldMk cId="1987302285" sldId="322"/>
+            <ac:spMk id="76" creationId="{00000000-0000-0000-0000-000000000000}"/>
+          </ac:spMkLst>
+        </pc:spChg>
+        <pc:spChg chg="mod topLvl">
+          <ac:chgData name="Judson Santiago" userId="ebb108da2f256286" providerId="LiveId" clId="{A2CACE54-AAC3-43E0-87AC-1CEB2E06272E}" dt="2021-03-19T01:09:31.295" v="911" actId="164"/>
+          <ac:spMkLst>
+            <pc:docMk/>
+            <pc:sldMk cId="1987302285" sldId="322"/>
+            <ac:spMk id="77" creationId="{00000000-0000-0000-0000-000000000000}"/>
+          </ac:spMkLst>
+        </pc:spChg>
+        <pc:spChg chg="mod topLvl">
+          <ac:chgData name="Judson Santiago" userId="ebb108da2f256286" providerId="LiveId" clId="{A2CACE54-AAC3-43E0-87AC-1CEB2E06272E}" dt="2021-03-19T01:09:31.295" v="911" actId="164"/>
+          <ac:spMkLst>
+            <pc:docMk/>
+            <pc:sldMk cId="1987302285" sldId="322"/>
+            <ac:spMk id="81" creationId="{05318949-974E-4E24-B8AC-435FDCF797DA}"/>
+          </ac:spMkLst>
+        </pc:spChg>
+        <pc:spChg chg="mod topLvl">
+          <ac:chgData name="Judson Santiago" userId="ebb108da2f256286" providerId="LiveId" clId="{A2CACE54-AAC3-43E0-87AC-1CEB2E06272E}" dt="2021-03-19T01:09:31.295" v="911" actId="164"/>
+          <ac:spMkLst>
+            <pc:docMk/>
+            <pc:sldMk cId="1987302285" sldId="322"/>
+            <ac:spMk id="82" creationId="{C827F581-FF99-40E2-B867-39614D0D06C4}"/>
+          </ac:spMkLst>
+        </pc:spChg>
+        <pc:spChg chg="add mod topLvl">
+          <ac:chgData name="Judson Santiago" userId="ebb108da2f256286" providerId="LiveId" clId="{A2CACE54-AAC3-43E0-87AC-1CEB2E06272E}" dt="2021-03-19T01:09:31.295" v="911" actId="164"/>
+          <ac:spMkLst>
+            <pc:docMk/>
+            <pc:sldMk cId="1987302285" sldId="322"/>
+            <ac:spMk id="83" creationId="{C0156225-6E6C-494B-928A-D06697D59C20}"/>
+          </ac:spMkLst>
+        </pc:spChg>
+        <pc:spChg chg="add mod topLvl">
+          <ac:chgData name="Judson Santiago" userId="ebb108da2f256286" providerId="LiveId" clId="{A2CACE54-AAC3-43E0-87AC-1CEB2E06272E}" dt="2021-03-19T01:09:31.295" v="911" actId="164"/>
+          <ac:spMkLst>
+            <pc:docMk/>
+            <pc:sldMk cId="1987302285" sldId="322"/>
+            <ac:spMk id="84" creationId="{443AD059-5F07-4D49-A1F1-6B363B5CA3E1}"/>
+          </ac:spMkLst>
+        </pc:spChg>
+        <pc:grpChg chg="del">
+          <ac:chgData name="Judson Santiago" userId="ebb108da2f256286" providerId="LiveId" clId="{A2CACE54-AAC3-43E0-87AC-1CEB2E06272E}" dt="2021-03-19T00:47:07.668" v="737" actId="165"/>
+          <ac:grpSpMkLst>
+            <pc:docMk/>
+            <pc:sldMk cId="1987302285" sldId="322"/>
+            <ac:grpSpMk id="21" creationId="{30DDF3E3-B527-4643-9AE7-2D3657470633}"/>
+          </ac:grpSpMkLst>
+        </pc:grpChg>
+        <pc:grpChg chg="add del mod">
+          <ac:chgData name="Judson Santiago" userId="ebb108da2f256286" providerId="LiveId" clId="{A2CACE54-AAC3-43E0-87AC-1CEB2E06272E}" dt="2021-03-19T01:09:22.743" v="906" actId="165"/>
+          <ac:grpSpMkLst>
+            <pc:docMk/>
+            <pc:sldMk cId="1987302285" sldId="322"/>
+            <ac:grpSpMk id="22" creationId="{D190BF74-4536-4CD1-8FBE-8391E2FE6853}"/>
+          </ac:grpSpMkLst>
+        </pc:grpChg>
+        <pc:grpChg chg="add mod">
+          <ac:chgData name="Judson Santiago" userId="ebb108da2f256286" providerId="LiveId" clId="{A2CACE54-AAC3-43E0-87AC-1CEB2E06272E}" dt="2021-03-19T01:09:35" v="914" actId="1036"/>
+          <ac:grpSpMkLst>
+            <pc:docMk/>
+            <pc:sldMk cId="1987302285" sldId="322"/>
+            <ac:grpSpMk id="27" creationId="{9CE23A8A-C4FB-4724-92B7-AAFBD2E6AFD3}"/>
+          </ac:grpSpMkLst>
+        </pc:grpChg>
+        <pc:cxnChg chg="mod topLvl">
+          <ac:chgData name="Judson Santiago" userId="ebb108da2f256286" providerId="LiveId" clId="{A2CACE54-AAC3-43E0-87AC-1CEB2E06272E}" dt="2021-03-19T01:09:31.295" v="911" actId="164"/>
+          <ac:cxnSpMkLst>
+            <pc:docMk/>
+            <pc:sldMk cId="1987302285" sldId="322"/>
+            <ac:cxnSpMk id="49" creationId="{00000000-0000-0000-0000-000000000000}"/>
+          </ac:cxnSpMkLst>
+        </pc:cxnChg>
+        <pc:cxnChg chg="mod topLvl">
+          <ac:chgData name="Judson Santiago" userId="ebb108da2f256286" providerId="LiveId" clId="{A2CACE54-AAC3-43E0-87AC-1CEB2E06272E}" dt="2021-03-19T01:09:31.295" v="911" actId="164"/>
+          <ac:cxnSpMkLst>
+            <pc:docMk/>
+            <pc:sldMk cId="1987302285" sldId="322"/>
+            <ac:cxnSpMk id="51" creationId="{00000000-0000-0000-0000-000000000000}"/>
+          </ac:cxnSpMkLst>
+        </pc:cxnChg>
+        <pc:cxnChg chg="mod topLvl">
+          <ac:chgData name="Judson Santiago" userId="ebb108da2f256286" providerId="LiveId" clId="{A2CACE54-AAC3-43E0-87AC-1CEB2E06272E}" dt="2021-03-19T01:09:31.295" v="911" actId="164"/>
+          <ac:cxnSpMkLst>
+            <pc:docMk/>
+            <pc:sldMk cId="1987302285" sldId="322"/>
+            <ac:cxnSpMk id="78" creationId="{00000000-0000-0000-0000-000000000000}"/>
+          </ac:cxnSpMkLst>
+        </pc:cxnChg>
+        <pc:cxnChg chg="mod topLvl">
+          <ac:chgData name="Judson Santiago" userId="ebb108da2f256286" providerId="LiveId" clId="{A2CACE54-AAC3-43E0-87AC-1CEB2E06272E}" dt="2021-03-19T01:09:31.295" v="911" actId="164"/>
+          <ac:cxnSpMkLst>
+            <pc:docMk/>
+            <pc:sldMk cId="1987302285" sldId="322"/>
+            <ac:cxnSpMk id="79" creationId="{00000000-0000-0000-0000-000000000000}"/>
+          </ac:cxnSpMkLst>
+        </pc:cxnChg>
+        <pc:cxnChg chg="mod topLvl">
+          <ac:chgData name="Judson Santiago" userId="ebb108da2f256286" providerId="LiveId" clId="{A2CACE54-AAC3-43E0-87AC-1CEB2E06272E}" dt="2021-03-19T01:09:31.295" v="911" actId="164"/>
+          <ac:cxnSpMkLst>
+            <pc:docMk/>
+            <pc:sldMk cId="1987302285" sldId="322"/>
+            <ac:cxnSpMk id="80" creationId="{00000000-0000-0000-0000-000000000000}"/>
+          </ac:cxnSpMkLst>
+        </pc:cxnChg>
+      </pc:sldChg>
+      <pc:sldChg chg="modSp mod">
+        <pc:chgData name="Judson Santiago" userId="ebb108da2f256286" providerId="LiveId" clId="{A2CACE54-AAC3-43E0-87AC-1CEB2E06272E}" dt="2021-03-19T01:06:21.855" v="890" actId="15"/>
+        <pc:sldMkLst>
+          <pc:docMk/>
+          <pc:sldMk cId="12730786" sldId="323"/>
+        </pc:sldMkLst>
+        <pc:spChg chg="mod">
+          <ac:chgData name="Judson Santiago" userId="ebb108da2f256286" providerId="LiveId" clId="{A2CACE54-AAC3-43E0-87AC-1CEB2E06272E}" dt="2021-03-19T01:06:21.855" v="890" actId="15"/>
+          <ac:spMkLst>
+            <pc:docMk/>
+            <pc:sldMk cId="12730786" sldId="323"/>
+            <ac:spMk id="3" creationId="{00000000-0000-0000-0000-000000000000}"/>
+          </ac:spMkLst>
+        </pc:spChg>
+      </pc:sldChg>
+      <pc:sldChg chg="addSp modSp add mod modNotesTx">
+        <pc:chgData name="Judson Santiago" userId="ebb108da2f256286" providerId="LiveId" clId="{A2CACE54-AAC3-43E0-87AC-1CEB2E06272E}" dt="2021-03-18T05:08:36.987" v="218" actId="1076"/>
+        <pc:sldMkLst>
+          <pc:docMk/>
+          <pc:sldMk cId="3741383088" sldId="324"/>
+        </pc:sldMkLst>
+        <pc:spChg chg="add mod">
+          <ac:chgData name="Judson Santiago" userId="ebb108da2f256286" providerId="LiveId" clId="{A2CACE54-AAC3-43E0-87AC-1CEB2E06272E}" dt="2021-03-18T05:08:36.987" v="218" actId="1076"/>
+          <ac:spMkLst>
+            <pc:docMk/>
+            <pc:sldMk cId="3741383088" sldId="324"/>
+            <ac:spMk id="3" creationId="{ACFA5CEC-8DE9-4F8C-9964-8C03DF37FC7C}"/>
+          </ac:spMkLst>
+        </pc:spChg>
+        <pc:picChg chg="mod ord">
+          <ac:chgData name="Judson Santiago" userId="ebb108da2f256286" providerId="LiveId" clId="{A2CACE54-AAC3-43E0-87AC-1CEB2E06272E}" dt="2021-03-18T05:02:53.208" v="47" actId="1076"/>
+          <ac:picMkLst>
+            <pc:docMk/>
+            <pc:sldMk cId="3741383088" sldId="324"/>
+            <ac:picMk id="4" creationId="{4FC74BEF-A417-422E-AF65-EABEFAA52A87}"/>
+          </ac:picMkLst>
+        </pc:picChg>
+      </pc:sldChg>
+      <pc:sldChg chg="modSp add mod">
+        <pc:chgData name="Judson Santiago" userId="ebb108da2f256286" providerId="LiveId" clId="{A2CACE54-AAC3-43E0-87AC-1CEB2E06272E}" dt="2021-03-19T06:05:43.625" v="944" actId="20577"/>
+        <pc:sldMkLst>
+          <pc:docMk/>
+          <pc:sldMk cId="0" sldId="326"/>
+        </pc:sldMkLst>
+        <pc:spChg chg="mod">
+          <ac:chgData name="Judson Santiago" userId="ebb108da2f256286" providerId="LiveId" clId="{A2CACE54-AAC3-43E0-87AC-1CEB2E06272E}" dt="2021-03-19T06:05:43.625" v="944" actId="20577"/>
+          <ac:spMkLst>
+            <pc:docMk/>
+            <pc:sldMk cId="0" sldId="326"/>
+            <ac:spMk id="2" creationId="{00000000-0000-0000-0000-000000000000}"/>
+          </ac:spMkLst>
+        </pc:spChg>
+      </pc:sldChg>
+      <pc:sldMasterChg chg="modSldLayout">
+        <pc:chgData name="Judson Santiago" userId="ebb108da2f256286" providerId="LiveId" clId="{A2CACE54-AAC3-43E0-87AC-1CEB2E06272E}" dt="2021-03-19T06:01:06.872" v="923" actId="167"/>
+        <pc:sldMasterMkLst>
+          <pc:docMk/>
+          <pc:sldMasterMk cId="0" sldId="2147483660"/>
+        </pc:sldMasterMkLst>
+        <pc:sldLayoutChg chg="modSp mod">
+          <pc:chgData name="Judson Santiago" userId="ebb108da2f256286" providerId="LiveId" clId="{A2CACE54-AAC3-43E0-87AC-1CEB2E06272E}" dt="2021-03-19T06:01:06.872" v="923" actId="167"/>
+          <pc:sldLayoutMkLst>
+            <pc:docMk/>
+            <pc:sldMasterMk cId="0" sldId="2147483660"/>
+            <pc:sldLayoutMk cId="0" sldId="2147483661"/>
+          </pc:sldLayoutMkLst>
+          <pc:picChg chg="ord">
+            <ac:chgData name="Judson Santiago" userId="ebb108da2f256286" providerId="LiveId" clId="{A2CACE54-AAC3-43E0-87AC-1CEB2E06272E}" dt="2021-03-19T06:01:06.872" v="923" actId="167"/>
+            <ac:picMkLst>
+              <pc:docMk/>
+              <pc:sldMasterMk cId="0" sldId="2147483660"/>
+              <pc:sldLayoutMk cId="0" sldId="2147483661"/>
+              <ac:picMk id="13" creationId="{9FD5B03A-D9CA-47EE-B80F-317412F631C0}"/>
+            </ac:picMkLst>
+          </pc:picChg>
+        </pc:sldLayoutChg>
+      </pc:sldMasterChg>
+    </pc:docChg>
   </pc:docChgLst>
 </pc:chgInfo>
 </file>
@@ -481,7 +2393,7 @@
             <a:fld id="{D6EE65A7-6DC5-47FE-BD2E-D7F63CEFE482}" type="datetimeFigureOut">
               <a:rPr lang="pt-BR" smtClean="0"/>
               <a:pPr/>
-              <a:t>12/04/2020</a:t>
+              <a:t>19/03/2021</a:t>
             </a:fld>
             <a:endParaRPr lang="pt-BR" dirty="0"/>
           </a:p>
@@ -925,57 +2837,6 @@
               <a:tabLst/>
               <a:defRPr/>
             </a:pPr>
-            <a:r>
-              <a:rPr lang="pt-BR" sz="1200" dirty="0">
-                <a:solidFill>
-                  <a:schemeClr val="bg1"/>
-                </a:solidFill>
-              </a:rPr>
-              <a:t>» Mostrar que o tipo </a:t>
-            </a:r>
-            <a:r>
-              <a:rPr lang="pt-BR" sz="1200" dirty="0" err="1">
-                <a:solidFill>
-                  <a:schemeClr val="bg1"/>
-                </a:solidFill>
-              </a:rPr>
-              <a:t>bool</a:t>
-            </a:r>
-            <a:r>
-              <a:rPr lang="pt-BR" sz="1200" dirty="0">
-                <a:solidFill>
-                  <a:schemeClr val="bg1"/>
-                </a:solidFill>
-              </a:rPr>
-              <a:t> é</a:t>
-            </a:r>
-            <a:r>
-              <a:rPr lang="pt-BR" sz="1200" baseline="0" dirty="0">
-                <a:solidFill>
-                  <a:schemeClr val="bg1"/>
-                </a:solidFill>
-              </a:rPr>
-              <a:t> um tipo inteiro, transformando qualquer número diferente de zero para </a:t>
-            </a:r>
-            <a:r>
-              <a:rPr lang="pt-BR" sz="1200" baseline="0" dirty="0" err="1">
-                <a:solidFill>
-                  <a:schemeClr val="bg1"/>
-                </a:solidFill>
-              </a:rPr>
-              <a:t>true</a:t>
-            </a:r>
-            <a:r>
-              <a:rPr lang="pt-BR" sz="1200" baseline="0" dirty="0">
-                <a:solidFill>
-                  <a:schemeClr val="bg1"/>
-                </a:solidFill>
-              </a:rPr>
-              <a:t> e zero para false, tanto na atribuição quanto na leitura com cin. (Aula07Ex04.cpp)</a:t>
-            </a:r>
-            <a:endParaRPr lang="pt-BR" dirty="0"/>
-          </a:p>
-          <a:p>
             <a:endParaRPr lang="pt-BR" dirty="0"/>
           </a:p>
         </p:txBody>
@@ -998,7 +2859,7 @@
             <a:fld id="{0C36258F-E1B8-40BC-8D75-676DBC8323CA}" type="slidenum">
               <a:rPr lang="pt-BR" smtClean="0"/>
               <a:pPr/>
-              <a:t>18</a:t>
+              <a:t>17</a:t>
             </a:fld>
             <a:endParaRPr lang="pt-BR" dirty="0"/>
           </a:p>
@@ -1007,7 +2868,7 @@
     </p:spTree>
     <p:extLst>
       <p:ext uri="{BB962C8B-B14F-4D97-AF65-F5344CB8AC3E}">
-        <p14:creationId xmlns:p14="http://schemas.microsoft.com/office/powerpoint/2010/main" val="2079757437"/>
+        <p14:creationId xmlns:p14="http://schemas.microsoft.com/office/powerpoint/2010/main" val="533306336"/>
       </p:ext>
     </p:extLst>
   </p:cSld>
@@ -1061,18 +2922,75 @@
           <a:bodyPr/>
           <a:lstStyle/>
           <a:p>
-            <a:r>
-              <a:rPr lang="pt-BR" dirty="0"/>
-              <a:t>No fundo o tipo </a:t>
-            </a:r>
-            <a:r>
-              <a:rPr lang="pt-BR" dirty="0" err="1"/>
+            <a:pPr marL="0" marR="0" indent="0" algn="l" defTabSz="914400" rtl="0" eaLnBrk="1" fontAlgn="auto" latinLnBrk="0" hangingPunct="1">
+              <a:lnSpc>
+                <a:spcPct val="100000"/>
+              </a:lnSpc>
+              <a:spcBef>
+                <a:spcPts val="0"/>
+              </a:spcBef>
+              <a:spcAft>
+                <a:spcPts val="0"/>
+              </a:spcAft>
+              <a:buClrTx/>
+              <a:buSzTx/>
+              <a:buFontTx/>
+              <a:buNone/>
+              <a:tabLst/>
+              <a:defRPr/>
+            </a:pPr>
+            <a:r>
+              <a:rPr lang="pt-BR" sz="1200" dirty="0">
+                <a:solidFill>
+                  <a:schemeClr val="bg1"/>
+                </a:solidFill>
+              </a:rPr>
+              <a:t>» Mostrar que o tipo </a:t>
+            </a:r>
+            <a:r>
+              <a:rPr lang="pt-BR" sz="1200" dirty="0" err="1">
+                <a:solidFill>
+                  <a:schemeClr val="bg1"/>
+                </a:solidFill>
+              </a:rPr>
               <a:t>bool</a:t>
             </a:r>
             <a:r>
-              <a:rPr lang="pt-BR" dirty="0"/>
-              <a:t> é um tipo inteiro de 8 bits.</a:t>
-            </a:r>
+              <a:rPr lang="pt-BR" sz="1200" dirty="0">
+                <a:solidFill>
+                  <a:schemeClr val="bg1"/>
+                </a:solidFill>
+              </a:rPr>
+              <a:t> é</a:t>
+            </a:r>
+            <a:r>
+              <a:rPr lang="pt-BR" sz="1200" baseline="0" dirty="0">
+                <a:solidFill>
+                  <a:schemeClr val="bg1"/>
+                </a:solidFill>
+              </a:rPr>
+              <a:t> um tipo inteiro, transformando qualquer número diferente de zero para </a:t>
+            </a:r>
+            <a:r>
+              <a:rPr lang="pt-BR" sz="1200" baseline="0" dirty="0" err="1">
+                <a:solidFill>
+                  <a:schemeClr val="bg1"/>
+                </a:solidFill>
+              </a:rPr>
+              <a:t>true</a:t>
+            </a:r>
+            <a:r>
+              <a:rPr lang="pt-BR" sz="1200" baseline="0" dirty="0">
+                <a:solidFill>
+                  <a:schemeClr val="bg1"/>
+                </a:solidFill>
+              </a:rPr>
+              <a:t> e zero para false, tanto na atribuição quanto na leitura com cin. (Booleano.cpp)</a:t>
+            </a:r>
+            <a:endParaRPr lang="pt-BR" dirty="0"/>
+          </a:p>
+          <a:p>
+            <a:endParaRPr lang="pt-BR" dirty="0"/>
           </a:p>
         </p:txBody>
       </p:sp>
@@ -1094,7 +3012,7 @@
             <a:fld id="{0C36258F-E1B8-40BC-8D75-676DBC8323CA}" type="slidenum">
               <a:rPr lang="pt-BR" smtClean="0"/>
               <a:pPr/>
-              <a:t>19</a:t>
+              <a:t>18</a:t>
             </a:fld>
             <a:endParaRPr lang="pt-BR" dirty="0"/>
           </a:p>
@@ -1103,7 +3021,7 @@
     </p:spTree>
     <p:extLst>
       <p:ext uri="{BB962C8B-B14F-4D97-AF65-F5344CB8AC3E}">
-        <p14:creationId xmlns:p14="http://schemas.microsoft.com/office/powerpoint/2010/main" val="44636609"/>
+        <p14:creationId xmlns:p14="http://schemas.microsoft.com/office/powerpoint/2010/main" val="2079757437"/>
       </p:ext>
     </p:extLst>
   </p:cSld>
@@ -1157,35 +3075,18 @@
           <a:bodyPr/>
           <a:lstStyle/>
           <a:p>
-            <a:pPr marL="0" marR="0" lvl="0" indent="0" algn="l" defTabSz="914400" rtl="0" eaLnBrk="1" fontAlgn="auto" latinLnBrk="0" hangingPunct="1">
-              <a:lnSpc>
-                <a:spcPct val="100000"/>
-              </a:lnSpc>
-              <a:spcBef>
-                <a:spcPts val="0"/>
-              </a:spcBef>
-              <a:spcAft>
-                <a:spcPts val="0"/>
-              </a:spcAft>
-              <a:buClrTx/>
-              <a:buSzTx/>
-              <a:buFontTx/>
-              <a:buNone/>
-              <a:tabLst/>
-              <a:defRPr/>
-            </a:pPr>
-            <a:r>
-              <a:rPr lang="pt-BR" sz="1200" dirty="0">
-                <a:solidFill>
-                  <a:schemeClr val="bg1"/>
-                </a:solidFill>
-              </a:rPr>
-              <a:t>» Mostrar exemplo rodando no Visual Studio</a:t>
-            </a:r>
-            <a:endParaRPr lang="pt-BR" dirty="0"/>
-          </a:p>
-          <a:p>
-            <a:endParaRPr lang="pt-BR" dirty="0"/>
+            <a:r>
+              <a:rPr lang="pt-BR" dirty="0"/>
+              <a:t>No fundo o tipo </a:t>
+            </a:r>
+            <a:r>
+              <a:rPr lang="pt-BR" dirty="0" err="1"/>
+              <a:t>bool</a:t>
+            </a:r>
+            <a:r>
+              <a:rPr lang="pt-BR" dirty="0"/>
+              <a:t> é um tipo inteiro de 8 bits.</a:t>
+            </a:r>
           </a:p>
         </p:txBody>
       </p:sp>
@@ -1207,7 +3108,7 @@
             <a:fld id="{0C36258F-E1B8-40BC-8D75-676DBC8323CA}" type="slidenum">
               <a:rPr lang="pt-BR" smtClean="0"/>
               <a:pPr/>
-              <a:t>21</a:t>
+              <a:t>19</a:t>
             </a:fld>
             <a:endParaRPr lang="pt-BR" dirty="0"/>
           </a:p>
@@ -1216,7 +3117,7 @@
     </p:spTree>
     <p:extLst>
       <p:ext uri="{BB962C8B-B14F-4D97-AF65-F5344CB8AC3E}">
-        <p14:creationId xmlns:p14="http://schemas.microsoft.com/office/powerpoint/2010/main" val="2425851236"/>
+        <p14:creationId xmlns:p14="http://schemas.microsoft.com/office/powerpoint/2010/main" val="44636609"/>
       </p:ext>
     </p:extLst>
   </p:cSld>
@@ -1270,16 +3171,35 @@
           <a:bodyPr/>
           <a:lstStyle/>
           <a:p>
-            <a:r>
-              <a:rPr lang="pt-BR" dirty="0"/>
-              <a:t>Deslocar para a direita = dividir por 2.</a:t>
-            </a:r>
-          </a:p>
-          <a:p>
-            <a:r>
-              <a:rPr lang="pt-BR" dirty="0"/>
-              <a:t>Deslocar para a esquerda = multiplicar por 2.</a:t>
-            </a:r>
+            <a:pPr marL="0" marR="0" lvl="0" indent="0" algn="l" defTabSz="914400" rtl="0" eaLnBrk="1" fontAlgn="auto" latinLnBrk="0" hangingPunct="1">
+              <a:lnSpc>
+                <a:spcPct val="100000"/>
+              </a:lnSpc>
+              <a:spcBef>
+                <a:spcPts val="0"/>
+              </a:spcBef>
+              <a:spcAft>
+                <a:spcPts val="0"/>
+              </a:spcAft>
+              <a:buClrTx/>
+              <a:buSzTx/>
+              <a:buFontTx/>
+              <a:buNone/>
+              <a:tabLst/>
+              <a:defRPr/>
+            </a:pPr>
+            <a:r>
+              <a:rPr lang="pt-BR" sz="1200" dirty="0">
+                <a:solidFill>
+                  <a:schemeClr val="bg1"/>
+                </a:solidFill>
+              </a:rPr>
+              <a:t>» Mostrar exemplo rodando no Visual Studio</a:t>
+            </a:r>
+            <a:endParaRPr lang="pt-BR" dirty="0"/>
+          </a:p>
+          <a:p>
+            <a:endParaRPr lang="pt-BR" dirty="0"/>
           </a:p>
         </p:txBody>
       </p:sp>
@@ -1301,7 +3221,7 @@
             <a:fld id="{0C36258F-E1B8-40BC-8D75-676DBC8323CA}" type="slidenum">
               <a:rPr lang="pt-BR" smtClean="0"/>
               <a:pPr/>
-              <a:t>23</a:t>
+              <a:t>21</a:t>
             </a:fld>
             <a:endParaRPr lang="pt-BR" dirty="0"/>
           </a:p>
@@ -1310,7 +3230,7 @@
     </p:spTree>
     <p:extLst>
       <p:ext uri="{BB962C8B-B14F-4D97-AF65-F5344CB8AC3E}">
-        <p14:creationId xmlns:p14="http://schemas.microsoft.com/office/powerpoint/2010/main" val="1638214718"/>
+        <p14:creationId xmlns:p14="http://schemas.microsoft.com/office/powerpoint/2010/main" val="2425851236"/>
       </p:ext>
     </p:extLst>
   </p:cSld>
@@ -1366,7 +3286,13 @@
           <a:p>
             <a:r>
               <a:rPr lang="pt-BR" dirty="0"/>
-              <a:t>XOR = OU Exclusivo</a:t>
+              <a:t>Deslocar para a direita = dividir por 2.</a:t>
+            </a:r>
+          </a:p>
+          <a:p>
+            <a:r>
+              <a:rPr lang="pt-BR" dirty="0"/>
+              <a:t>Deslocar para a esquerda = multiplicar por 2.</a:t>
             </a:r>
           </a:p>
         </p:txBody>
@@ -1389,6 +3315,94 @@
             <a:fld id="{0C36258F-E1B8-40BC-8D75-676DBC8323CA}" type="slidenum">
               <a:rPr lang="pt-BR" smtClean="0"/>
               <a:pPr/>
+              <a:t>23</a:t>
+            </a:fld>
+            <a:endParaRPr lang="pt-BR" dirty="0"/>
+          </a:p>
+        </p:txBody>
+      </p:sp>
+    </p:spTree>
+    <p:extLst>
+      <p:ext uri="{BB962C8B-B14F-4D97-AF65-F5344CB8AC3E}">
+        <p14:creationId xmlns:p14="http://schemas.microsoft.com/office/powerpoint/2010/main" val="1638214718"/>
+      </p:ext>
+    </p:extLst>
+  </p:cSld>
+  <p:clrMapOvr>
+    <a:masterClrMapping/>
+  </p:clrMapOvr>
+</p:notes>
+</file>
+
+<file path=ppt/notesSlides/notesSlide15.xml><?xml version="1.0" encoding="utf-8"?>
+<p:notes xmlns:a="http://schemas.openxmlformats.org/drawingml/2006/main" xmlns:r="http://schemas.openxmlformats.org/officeDocument/2006/relationships" xmlns:p="http://schemas.openxmlformats.org/presentationml/2006/main">
+  <p:cSld>
+    <p:spTree>
+      <p:nvGrpSpPr>
+        <p:cNvPr id="1" name=""/>
+        <p:cNvGrpSpPr/>
+        <p:nvPr/>
+      </p:nvGrpSpPr>
+      <p:grpSpPr>
+        <a:xfrm>
+          <a:off x="0" y="0"/>
+          <a:ext cx="0" cy="0"/>
+          <a:chOff x="0" y="0"/>
+          <a:chExt cx="0" cy="0"/>
+        </a:xfrm>
+      </p:grpSpPr>
+      <p:sp>
+        <p:nvSpPr>
+          <p:cNvPr id="2" name="Espaço Reservado para Imagem de Slide 1"/>
+          <p:cNvSpPr>
+            <a:spLocks noGrp="1" noRot="1" noChangeAspect="1"/>
+          </p:cNvSpPr>
+          <p:nvPr>
+            <p:ph type="sldImg"/>
+          </p:nvPr>
+        </p:nvSpPr>
+        <p:spPr/>
+      </p:sp>
+      <p:sp>
+        <p:nvSpPr>
+          <p:cNvPr id="3" name="Espaço Reservado para Anotações 2"/>
+          <p:cNvSpPr>
+            <a:spLocks noGrp="1"/>
+          </p:cNvSpPr>
+          <p:nvPr>
+            <p:ph type="body" idx="1"/>
+          </p:nvPr>
+        </p:nvSpPr>
+        <p:spPr/>
+        <p:txBody>
+          <a:bodyPr/>
+          <a:lstStyle/>
+          <a:p>
+            <a:r>
+              <a:rPr lang="pt-BR" dirty="0"/>
+              <a:t>XOR = OU Exclusivo</a:t>
+            </a:r>
+          </a:p>
+        </p:txBody>
+      </p:sp>
+      <p:sp>
+        <p:nvSpPr>
+          <p:cNvPr id="4" name="Espaço Reservado para Número de Slide 3"/>
+          <p:cNvSpPr>
+            <a:spLocks noGrp="1"/>
+          </p:cNvSpPr>
+          <p:nvPr>
+            <p:ph type="sldNum" sz="quarter" idx="10"/>
+          </p:nvPr>
+        </p:nvSpPr>
+        <p:spPr/>
+        <p:txBody>
+          <a:bodyPr/>
+          <a:lstStyle/>
+          <a:p>
+            <a:fld id="{0C36258F-E1B8-40BC-8D75-676DBC8323CA}" type="slidenum">
+              <a:rPr lang="pt-BR" smtClean="0"/>
+              <a:pPr/>
               <a:t>26</a:t>
             </a:fld>
             <a:endParaRPr lang="pt-BR" dirty="0"/>
@@ -1399,6 +3413,94 @@
     <p:extLst>
       <p:ext uri="{BB962C8B-B14F-4D97-AF65-F5344CB8AC3E}">
         <p14:creationId xmlns:p14="http://schemas.microsoft.com/office/powerpoint/2010/main" val="3212508316"/>
+      </p:ext>
+    </p:extLst>
+  </p:cSld>
+  <p:clrMapOvr>
+    <a:masterClrMapping/>
+  </p:clrMapOvr>
+</p:notes>
+</file>
+
+<file path=ppt/notesSlides/notesSlide16.xml><?xml version="1.0" encoding="utf-8"?>
+<p:notes xmlns:a="http://schemas.openxmlformats.org/drawingml/2006/main" xmlns:r="http://schemas.openxmlformats.org/officeDocument/2006/relationships" xmlns:p="http://schemas.openxmlformats.org/presentationml/2006/main">
+  <p:cSld>
+    <p:spTree>
+      <p:nvGrpSpPr>
+        <p:cNvPr id="1" name=""/>
+        <p:cNvGrpSpPr/>
+        <p:nvPr/>
+      </p:nvGrpSpPr>
+      <p:grpSpPr>
+        <a:xfrm>
+          <a:off x="0" y="0"/>
+          <a:ext cx="0" cy="0"/>
+          <a:chOff x="0" y="0"/>
+          <a:chExt cx="0" cy="0"/>
+        </a:xfrm>
+      </p:grpSpPr>
+      <p:sp>
+        <p:nvSpPr>
+          <p:cNvPr id="2" name="Espaço Reservado para Imagem de Slide 1"/>
+          <p:cNvSpPr>
+            <a:spLocks noGrp="1" noRot="1" noChangeAspect="1"/>
+          </p:cNvSpPr>
+          <p:nvPr>
+            <p:ph type="sldImg"/>
+          </p:nvPr>
+        </p:nvSpPr>
+        <p:spPr/>
+      </p:sp>
+      <p:sp>
+        <p:nvSpPr>
+          <p:cNvPr id="3" name="Espaço Reservado para Anotações 2"/>
+          <p:cNvSpPr>
+            <a:spLocks noGrp="1"/>
+          </p:cNvSpPr>
+          <p:nvPr>
+            <p:ph type="body" idx="1"/>
+          </p:nvPr>
+        </p:nvSpPr>
+        <p:spPr/>
+        <p:txBody>
+          <a:bodyPr/>
+          <a:lstStyle/>
+          <a:p>
+            <a:r>
+              <a:rPr lang="pt-BR" dirty="0"/>
+              <a:t>Resultado é zero se o bit testado estiver desligado, ou um número diferente de zero caso ele esteja ligado.</a:t>
+            </a:r>
+          </a:p>
+        </p:txBody>
+      </p:sp>
+      <p:sp>
+        <p:nvSpPr>
+          <p:cNvPr id="4" name="Espaço Reservado para Número de Slide 3"/>
+          <p:cNvSpPr>
+            <a:spLocks noGrp="1"/>
+          </p:cNvSpPr>
+          <p:nvPr>
+            <p:ph type="sldNum" sz="quarter" idx="5"/>
+          </p:nvPr>
+        </p:nvSpPr>
+        <p:spPr/>
+        <p:txBody>
+          <a:bodyPr/>
+          <a:lstStyle/>
+          <a:p>
+            <a:fld id="{0C36258F-E1B8-40BC-8D75-676DBC8323CA}" type="slidenum">
+              <a:rPr lang="pt-BR" smtClean="0"/>
+              <a:pPr/>
+              <a:t>29</a:t>
+            </a:fld>
+            <a:endParaRPr lang="pt-BR" dirty="0"/>
+          </a:p>
+        </p:txBody>
+      </p:sp>
+    </p:spTree>
+    <p:extLst>
+      <p:ext uri="{BB962C8B-B14F-4D97-AF65-F5344CB8AC3E}">
+        <p14:creationId xmlns:p14="http://schemas.microsoft.com/office/powerpoint/2010/main" val="3048632643"/>
       </p:ext>
     </p:extLst>
   </p:cSld>
@@ -1453,6 +3555,13 @@
           <a:lstStyle/>
           <a:p>
             <a:r>
+              <a:rPr lang="en-US" dirty="0"/>
+              <a:t>Extended Binary Coded Decimal Interchange Code (EBCDIC)</a:t>
+            </a:r>
+            <a:endParaRPr lang="pt-BR" dirty="0"/>
+          </a:p>
+          <a:p>
+            <a:r>
               <a:rPr lang="pt-BR" dirty="0"/>
               <a:t>American Standard </a:t>
             </a:r>
@@ -1477,9 +3586,27 @@
               <a:t>Interchange</a:t>
             </a:r>
             <a:r>
+              <a:rPr lang="pt-BR" dirty="0"/>
+              <a:t> (ASCII)</a:t>
+            </a:r>
+          </a:p>
+          <a:p>
+            <a:r>
+              <a:rPr lang="pt-BR" dirty="0"/>
+              <a:t>Unicode </a:t>
+            </a:r>
+            <a:r>
+              <a:rPr lang="pt-BR" dirty="0" err="1"/>
+              <a:t>Transformation</a:t>
+            </a:r>
+            <a:r>
               <a:rPr lang="pt-BR"/>
-              <a:t> (ASCII)</a:t>
-            </a:r>
+              <a:t> Format (UTF-8, UTF-16, UTF-32)</a:t>
+            </a:r>
+            <a:endParaRPr lang="pt-BR" dirty="0"/>
+          </a:p>
+          <a:p>
+            <a:endParaRPr lang="pt-BR" dirty="0"/>
           </a:p>
         </p:txBody>
       </p:sp>
@@ -1706,7 +3833,7 @@
     </p:spTree>
     <p:extLst>
       <p:ext uri="{BB962C8B-B14F-4D97-AF65-F5344CB8AC3E}">
-        <p14:creationId xmlns:p14="http://schemas.microsoft.com/office/powerpoint/2010/main" val="3272438128"/>
+        <p14:creationId xmlns:p14="http://schemas.microsoft.com/office/powerpoint/2010/main" val="2402540189"/>
       </p:ext>
     </p:extLst>
   </p:cSld>
@@ -1717,6 +3844,94 @@
 </file>
 
 <file path=ppt/notesSlides/notesSlide5.xml><?xml version="1.0" encoding="utf-8"?>
+<p:notes xmlns:a="http://schemas.openxmlformats.org/drawingml/2006/main" xmlns:r="http://schemas.openxmlformats.org/officeDocument/2006/relationships" xmlns:p="http://schemas.openxmlformats.org/presentationml/2006/main">
+  <p:cSld>
+    <p:spTree>
+      <p:nvGrpSpPr>
+        <p:cNvPr id="1" name=""/>
+        <p:cNvGrpSpPr/>
+        <p:nvPr/>
+      </p:nvGrpSpPr>
+      <p:grpSpPr>
+        <a:xfrm>
+          <a:off x="0" y="0"/>
+          <a:ext cx="0" cy="0"/>
+          <a:chOff x="0" y="0"/>
+          <a:chExt cx="0" cy="0"/>
+        </a:xfrm>
+      </p:grpSpPr>
+      <p:sp>
+        <p:nvSpPr>
+          <p:cNvPr id="2" name="Espaço Reservado para Imagem de Slide 1"/>
+          <p:cNvSpPr>
+            <a:spLocks noGrp="1" noRot="1" noChangeAspect="1"/>
+          </p:cNvSpPr>
+          <p:nvPr>
+            <p:ph type="sldImg"/>
+          </p:nvPr>
+        </p:nvSpPr>
+        <p:spPr/>
+      </p:sp>
+      <p:sp>
+        <p:nvSpPr>
+          <p:cNvPr id="3" name="Espaço Reservado para Anotações 2"/>
+          <p:cNvSpPr>
+            <a:spLocks noGrp="1"/>
+          </p:cNvSpPr>
+          <p:nvPr>
+            <p:ph type="body" idx="1"/>
+          </p:nvPr>
+        </p:nvSpPr>
+        <p:spPr/>
+        <p:txBody>
+          <a:bodyPr/>
+          <a:lstStyle/>
+          <a:p>
+            <a:r>
+              <a:rPr lang="pt-BR" dirty="0"/>
+              <a:t>Material de Apoio: TipoChar.cpp</a:t>
+            </a:r>
+          </a:p>
+        </p:txBody>
+      </p:sp>
+      <p:sp>
+        <p:nvSpPr>
+          <p:cNvPr id="4" name="Espaço Reservado para Número de Slide 3"/>
+          <p:cNvSpPr>
+            <a:spLocks noGrp="1"/>
+          </p:cNvSpPr>
+          <p:nvPr>
+            <p:ph type="sldNum" sz="quarter" idx="5"/>
+          </p:nvPr>
+        </p:nvSpPr>
+        <p:spPr/>
+        <p:txBody>
+          <a:bodyPr/>
+          <a:lstStyle/>
+          <a:p>
+            <a:fld id="{0C36258F-E1B8-40BC-8D75-676DBC8323CA}" type="slidenum">
+              <a:rPr lang="pt-BR" smtClean="0"/>
+              <a:pPr/>
+              <a:t>9</a:t>
+            </a:fld>
+            <a:endParaRPr lang="pt-BR" dirty="0"/>
+          </a:p>
+        </p:txBody>
+      </p:sp>
+    </p:spTree>
+    <p:extLst>
+      <p:ext uri="{BB962C8B-B14F-4D97-AF65-F5344CB8AC3E}">
+        <p14:creationId xmlns:p14="http://schemas.microsoft.com/office/powerpoint/2010/main" val="1598853302"/>
+      </p:ext>
+    </p:extLst>
+  </p:cSld>
+  <p:clrMapOvr>
+    <a:masterClrMapping/>
+  </p:clrMapOvr>
+</p:notes>
+</file>
+
+<file path=ppt/notesSlides/notesSlide6.xml><?xml version="1.0" encoding="utf-8"?>
 <p:notes xmlns:a="http://schemas.openxmlformats.org/drawingml/2006/main" xmlns:r="http://schemas.openxmlformats.org/officeDocument/2006/relationships" xmlns:p="http://schemas.openxmlformats.org/presentationml/2006/main">
   <p:cSld>
     <p:spTree>
@@ -1814,7 +4029,7 @@
 </p:notes>
 </file>
 
-<file path=ppt/notesSlides/notesSlide6.xml><?xml version="1.0" encoding="utf-8"?>
+<file path=ppt/notesSlides/notesSlide7.xml><?xml version="1.0" encoding="utf-8"?>
 <p:notes xmlns:a="http://schemas.openxmlformats.org/drawingml/2006/main" xmlns:r="http://schemas.openxmlformats.org/officeDocument/2006/relationships" xmlns:p="http://schemas.openxmlformats.org/presentationml/2006/main">
   <p:cSld>
     <p:spTree>
@@ -1909,99 +4124,6 @@
     <p:extLst>
       <p:ext uri="{BB962C8B-B14F-4D97-AF65-F5344CB8AC3E}">
         <p14:creationId xmlns:p14="http://schemas.microsoft.com/office/powerpoint/2010/main" val="80239105"/>
-      </p:ext>
-    </p:extLst>
-  </p:cSld>
-  <p:clrMapOvr>
-    <a:masterClrMapping/>
-  </p:clrMapOvr>
-</p:notes>
-</file>
-
-<file path=ppt/notesSlides/notesSlide7.xml><?xml version="1.0" encoding="utf-8"?>
-<p:notes xmlns:a="http://schemas.openxmlformats.org/drawingml/2006/main" xmlns:r="http://schemas.openxmlformats.org/officeDocument/2006/relationships" xmlns:p="http://schemas.openxmlformats.org/presentationml/2006/main">
-  <p:cSld>
-    <p:spTree>
-      <p:nvGrpSpPr>
-        <p:cNvPr id="1" name=""/>
-        <p:cNvGrpSpPr/>
-        <p:nvPr/>
-      </p:nvGrpSpPr>
-      <p:grpSpPr>
-        <a:xfrm>
-          <a:off x="0" y="0"/>
-          <a:ext cx="0" cy="0"/>
-          <a:chOff x="0" y="0"/>
-          <a:chExt cx="0" cy="0"/>
-        </a:xfrm>
-      </p:grpSpPr>
-      <p:sp>
-        <p:nvSpPr>
-          <p:cNvPr id="2" name="Espaço Reservado para Imagem de Slide 1"/>
-          <p:cNvSpPr>
-            <a:spLocks noGrp="1" noRot="1" noChangeAspect="1"/>
-          </p:cNvSpPr>
-          <p:nvPr>
-            <p:ph type="sldImg"/>
-          </p:nvPr>
-        </p:nvSpPr>
-        <p:spPr/>
-      </p:sp>
-      <p:sp>
-        <p:nvSpPr>
-          <p:cNvPr id="3" name="Espaço Reservado para Anotações 2"/>
-          <p:cNvSpPr>
-            <a:spLocks noGrp="1"/>
-          </p:cNvSpPr>
-          <p:nvPr>
-            <p:ph type="body" idx="1"/>
-          </p:nvPr>
-        </p:nvSpPr>
-        <p:spPr/>
-        <p:txBody>
-          <a:bodyPr/>
-          <a:lstStyle/>
-          <a:p>
-            <a:r>
-              <a:rPr lang="pt-BR" dirty="0"/>
-              <a:t>O</a:t>
-            </a:r>
-            <a:r>
-              <a:rPr lang="pt-BR" baseline="0" dirty="0"/>
-              <a:t> Windows usar CR e LF como fim de linha, o Linux apenas CR e o Mac apenas LF.</a:t>
-            </a:r>
-            <a:endParaRPr lang="pt-BR" dirty="0"/>
-          </a:p>
-        </p:txBody>
-      </p:sp>
-      <p:sp>
-        <p:nvSpPr>
-          <p:cNvPr id="4" name="Espaço Reservado para Número de Slide 3"/>
-          <p:cNvSpPr>
-            <a:spLocks noGrp="1"/>
-          </p:cNvSpPr>
-          <p:nvPr>
-            <p:ph type="sldNum" sz="quarter" idx="10"/>
-          </p:nvPr>
-        </p:nvSpPr>
-        <p:spPr/>
-        <p:txBody>
-          <a:bodyPr/>
-          <a:lstStyle/>
-          <a:p>
-            <a:fld id="{0C36258F-E1B8-40BC-8D75-676DBC8323CA}" type="slidenum">
-              <a:rPr lang="pt-BR" smtClean="0"/>
-              <a:pPr/>
-              <a:t>14</a:t>
-            </a:fld>
-            <a:endParaRPr lang="pt-BR" dirty="0"/>
-          </a:p>
-        </p:txBody>
-      </p:sp>
-    </p:spTree>
-    <p:extLst>
-      <p:ext uri="{BB962C8B-B14F-4D97-AF65-F5344CB8AC3E}">
-        <p14:creationId xmlns:p14="http://schemas.microsoft.com/office/powerpoint/2010/main" val="4117281906"/>
       </p:ext>
     </p:extLst>
   </p:cSld>
@@ -2056,28 +4178,12 @@
           <a:lstStyle/>
           <a:p>
             <a:r>
-              <a:rPr lang="pt-BR" sz="1200" dirty="0">
-                <a:solidFill>
-                  <a:schemeClr val="bg1"/>
-                </a:solidFill>
-              </a:rPr>
-              <a:t>» Testar tracejado com </a:t>
-            </a:r>
-            <a:r>
-              <a:rPr lang="pt-BR" sz="1200" dirty="0" err="1">
-                <a:solidFill>
-                  <a:schemeClr val="bg1"/>
-                </a:solidFill>
-              </a:rPr>
-              <a:t>backspace</a:t>
-            </a:r>
-            <a:r>
-              <a:rPr lang="pt-BR" sz="1200" dirty="0">
-                <a:solidFill>
-                  <a:schemeClr val="bg1"/>
-                </a:solidFill>
-              </a:rPr>
-              <a:t> (Aula07Ex03)</a:t>
+              <a:rPr lang="pt-BR" dirty="0"/>
+              <a:t>O</a:t>
+            </a:r>
+            <a:r>
+              <a:rPr lang="pt-BR" baseline="0" dirty="0"/>
+              <a:t> Windows usar CR e LF como fim de linha, o Linux apenas CR e o Mac apenas LF.</a:t>
             </a:r>
             <a:endParaRPr lang="pt-BR" dirty="0"/>
           </a:p>
@@ -2101,7 +4207,7 @@
             <a:fld id="{0C36258F-E1B8-40BC-8D75-676DBC8323CA}" type="slidenum">
               <a:rPr lang="pt-BR" smtClean="0"/>
               <a:pPr/>
-              <a:t>15</a:t>
+              <a:t>14</a:t>
             </a:fld>
             <a:endParaRPr lang="pt-BR" dirty="0"/>
           </a:p>
@@ -2110,7 +4216,7 @@
     </p:spTree>
     <p:extLst>
       <p:ext uri="{BB962C8B-B14F-4D97-AF65-F5344CB8AC3E}">
-        <p14:creationId xmlns:p14="http://schemas.microsoft.com/office/powerpoint/2010/main" val="4219567116"/>
+        <p14:creationId xmlns:p14="http://schemas.microsoft.com/office/powerpoint/2010/main" val="4117281906"/>
       </p:ext>
     </p:extLst>
   </p:cSld>
@@ -2164,23 +4270,30 @@
           <a:bodyPr/>
           <a:lstStyle/>
           <a:p>
-            <a:pPr marL="0" marR="0" indent="0" algn="l" defTabSz="914400" rtl="0" eaLnBrk="1" fontAlgn="auto" latinLnBrk="0" hangingPunct="1">
-              <a:lnSpc>
-                <a:spcPct val="100000"/>
-              </a:lnSpc>
-              <a:spcBef>
-                <a:spcPts val="0"/>
-              </a:spcBef>
-              <a:spcAft>
-                <a:spcPts val="0"/>
-              </a:spcAft>
-              <a:buClrTx/>
-              <a:buSzTx/>
-              <a:buFontTx/>
-              <a:buNone/>
-              <a:tabLst/>
-              <a:defRPr/>
-            </a:pPr>
+            <a:r>
+              <a:rPr lang="pt-BR" sz="1200" dirty="0">
+                <a:solidFill>
+                  <a:schemeClr val="bg1"/>
+                </a:solidFill>
+              </a:rPr>
+              <a:t>» Testar tracejado com </a:t>
+            </a:r>
+            <a:r>
+              <a:rPr lang="pt-BR" sz="1200" dirty="0" err="1">
+                <a:solidFill>
+                  <a:schemeClr val="bg1"/>
+                </a:solidFill>
+              </a:rPr>
+              <a:t>backspace</a:t>
+            </a:r>
+            <a:r>
+              <a:rPr lang="pt-BR" sz="1200" dirty="0">
+                <a:solidFill>
+                  <a:schemeClr val="bg1"/>
+                </a:solidFill>
+              </a:rPr>
+              <a:t> (CharEspecial.cpp)</a:t>
+            </a:r>
             <a:endParaRPr lang="pt-BR" dirty="0"/>
           </a:p>
         </p:txBody>
@@ -2203,7 +4316,7 @@
             <a:fld id="{0C36258F-E1B8-40BC-8D75-676DBC8323CA}" type="slidenum">
               <a:rPr lang="pt-BR" smtClean="0"/>
               <a:pPr/>
-              <a:t>17</a:t>
+              <a:t>15</a:t>
             </a:fld>
             <a:endParaRPr lang="pt-BR" dirty="0"/>
           </a:p>
@@ -2212,7 +4325,7 @@
     </p:spTree>
     <p:extLst>
       <p:ext uri="{BB962C8B-B14F-4D97-AF65-F5344CB8AC3E}">
-        <p14:creationId xmlns:p14="http://schemas.microsoft.com/office/powerpoint/2010/main" val="533306336"/>
+        <p14:creationId xmlns:p14="http://schemas.microsoft.com/office/powerpoint/2010/main" val="4219567116"/>
       </p:ext>
     </p:extLst>
   </p:cSld>
@@ -2239,6 +4352,37 @@
           <a:chExt cx="0" cy="0"/>
         </a:xfrm>
       </p:grpSpPr>
+      <p:pic>
+        <p:nvPicPr>
+          <p:cNvPr id="13" name="Picture 3" descr="Rede de tecnologia iluminada em uma tela de fundo escura">
+            <a:extLst>
+              <a:ext uri="{FF2B5EF4-FFF2-40B4-BE49-F238E27FC236}">
+                <a16:creationId xmlns:a16="http://schemas.microsoft.com/office/drawing/2014/main" id="{9FD5B03A-D9CA-47EE-B80F-317412F631C0}"/>
+              </a:ext>
+            </a:extLst>
+          </p:cNvPr>
+          <p:cNvPicPr>
+            <a:picLocks noChangeAspect="1"/>
+          </p:cNvPicPr>
+          <p:nvPr userDrawn="1"/>
+        </p:nvPicPr>
+        <p:blipFill rotWithShape="1">
+          <a:blip r:embed="rId2">
+            <a:alphaModFix amt="30000"/>
+          </a:blip>
+          <a:srcRect t="22329"/>
+          <a:stretch/>
+        </p:blipFill>
+        <p:spPr>
+          <a:xfrm flipH="1" flipV="1">
+            <a:off x="487680" y="0"/>
+            <a:ext cx="11704320" cy="6858000"/>
+          </a:xfrm>
+          <a:prstGeom prst="rect">
+            <a:avLst/>
+          </a:prstGeom>
+        </p:spPr>
+      </p:pic>
       <p:sp>
         <p:nvSpPr>
           <p:cNvPr id="28" name="Espaço Reservado para Data 27"/>
@@ -2257,7 +4401,7 @@
             <a:fld id="{ADA8F35F-83EA-49DA-A44D-6ED0C5E22B3A}" type="datetimeFigureOut">
               <a:rPr lang="pt-BR" smtClean="0"/>
               <a:pPr/>
-              <a:t>12/04/2020</a:t>
+              <a:t>19/03/2021</a:t>
             </a:fld>
             <a:endParaRPr lang="pt-BR" dirty="0"/>
           </a:p>
@@ -2656,7 +4800,7 @@
         </p:nvSpPr>
         <p:spPr>
           <a:xfrm rot="16200000">
-            <a:off x="-780326" y="5687459"/>
+            <a:off x="-780326" y="5630725"/>
             <a:ext cx="1944058" cy="307777"/>
           </a:xfrm>
           <a:prstGeom prst="rect">
@@ -2812,7 +4956,7 @@
             <a:fld id="{ADA8F35F-83EA-49DA-A44D-6ED0C5E22B3A}" type="datetimeFigureOut">
               <a:rPr lang="pt-BR" smtClean="0"/>
               <a:pPr/>
-              <a:t>12/04/2020</a:t>
+              <a:t>19/03/2021</a:t>
             </a:fld>
             <a:endParaRPr lang="pt-BR" dirty="0"/>
           </a:p>
@@ -2989,7 +5133,7 @@
             <a:fld id="{ADA8F35F-83EA-49DA-A44D-6ED0C5E22B3A}" type="datetimeFigureOut">
               <a:rPr lang="pt-BR" smtClean="0"/>
               <a:pPr/>
-              <a:t>12/04/2020</a:t>
+              <a:t>19/03/2021</a:t>
             </a:fld>
             <a:endParaRPr lang="pt-BR" dirty="0"/>
           </a:p>
@@ -3156,7 +5300,7 @@
             <a:fld id="{ADA8F35F-83EA-49DA-A44D-6ED0C5E22B3A}" type="datetimeFigureOut">
               <a:rPr lang="pt-BR" smtClean="0"/>
               <a:pPr/>
-              <a:t>12/04/2020</a:t>
+              <a:t>19/03/2021</a:t>
             </a:fld>
             <a:endParaRPr lang="pt-BR" dirty="0"/>
           </a:p>
@@ -4605,7 +6749,7 @@
             <a:fld id="{ADA8F35F-83EA-49DA-A44D-6ED0C5E22B3A}" type="datetimeFigureOut">
               <a:rPr lang="pt-BR" smtClean="0"/>
               <a:pPr/>
-              <a:t>12/04/2020</a:t>
+              <a:t>19/03/2021</a:t>
             </a:fld>
             <a:endParaRPr lang="pt-BR" dirty="0"/>
           </a:p>
@@ -5187,7 +7331,7 @@
             <a:fld id="{ADA8F35F-83EA-49DA-A44D-6ED0C5E22B3A}" type="datetimeFigureOut">
               <a:rPr lang="pt-BR" smtClean="0"/>
               <a:pPr/>
-              <a:t>12/04/2020</a:t>
+              <a:t>19/03/2021</a:t>
             </a:fld>
             <a:endParaRPr lang="pt-BR" dirty="0"/>
           </a:p>
@@ -5618,7 +7762,7 @@
             <a:fld id="{ADA8F35F-83EA-49DA-A44D-6ED0C5E22B3A}" type="datetimeFigureOut">
               <a:rPr lang="pt-BR" smtClean="0"/>
               <a:pPr/>
-              <a:t>12/04/2020</a:t>
+              <a:t>19/03/2021</a:t>
             </a:fld>
             <a:endParaRPr lang="pt-BR" dirty="0"/>
           </a:p>
@@ -6157,7 +8301,7 @@
             <a:fld id="{ADA8F35F-83EA-49DA-A44D-6ED0C5E22B3A}" type="datetimeFigureOut">
               <a:rPr lang="pt-BR" smtClean="0"/>
               <a:pPr/>
-              <a:t>12/04/2020</a:t>
+              <a:t>19/03/2021</a:t>
             </a:fld>
             <a:endParaRPr lang="pt-BR" dirty="0"/>
           </a:p>
@@ -6249,7 +8393,7 @@
             <a:fld id="{ADA8F35F-83EA-49DA-A44D-6ED0C5E22B3A}" type="datetimeFigureOut">
               <a:rPr lang="pt-BR" smtClean="0"/>
               <a:pPr/>
-              <a:t>12/04/2020</a:t>
+              <a:t>19/03/2021</a:t>
             </a:fld>
             <a:endParaRPr lang="pt-BR" dirty="0"/>
           </a:p>
@@ -6499,7 +8643,7 @@
             <a:fld id="{ADA8F35F-83EA-49DA-A44D-6ED0C5E22B3A}" type="datetimeFigureOut">
               <a:rPr lang="pt-BR" smtClean="0"/>
               <a:pPr/>
-              <a:t>12/04/2020</a:t>
+              <a:t>19/03/2021</a:t>
             </a:fld>
             <a:endParaRPr lang="pt-BR" dirty="0"/>
           </a:p>
@@ -7214,7 +9358,7 @@
             <a:fld id="{ADA8F35F-83EA-49DA-A44D-6ED0C5E22B3A}" type="datetimeFigureOut">
               <a:rPr lang="pt-BR" smtClean="0"/>
               <a:pPr/>
-              <a:t>12/04/2020</a:t>
+              <a:t>19/03/2021</a:t>
             </a:fld>
             <a:endParaRPr lang="pt-BR" dirty="0"/>
           </a:p>
@@ -7285,9 +9429,23 @@
 <p:sldMaster xmlns:a="http://schemas.openxmlformats.org/drawingml/2006/main" xmlns:r="http://schemas.openxmlformats.org/officeDocument/2006/relationships" xmlns:p="http://schemas.openxmlformats.org/presentationml/2006/main">
   <p:cSld>
     <p:bg>
-      <p:bgRef idx="1002">
-        <a:schemeClr val="bg2"/>
-      </p:bgRef>
+      <p:bgPr>
+        <a:gradFill rotWithShape="1">
+          <a:gsLst>
+            <a:gs pos="50000">
+              <a:schemeClr val="bg1">
+                <a:shade val="90000"/>
+                <a:satMod val="375000"/>
+              </a:schemeClr>
+            </a:gs>
+            <a:gs pos="100000">
+              <a:srgbClr val="28415E"/>
+            </a:gs>
+          </a:gsLst>
+          <a:lin ang="5400000" scaled="0"/>
+        </a:gradFill>
+        <a:effectLst/>
+      </p:bgPr>
     </p:bg>
     <p:spTree>
       <p:nvGrpSpPr>
@@ -7481,7 +9639,7 @@
             <a:fld id="{ADA8F35F-83EA-49DA-A44D-6ED0C5E22B3A}" type="datetimeFigureOut">
               <a:rPr lang="pt-BR" smtClean="0"/>
               <a:pPr/>
-              <a:t>12/04/2020</a:t>
+              <a:t>19/03/2021</a:t>
             </a:fld>
             <a:endParaRPr lang="pt-BR" dirty="0"/>
           </a:p>
@@ -8089,12 +10247,8 @@
           <a:lstStyle/>
           <a:p>
             <a:r>
-              <a:rPr lang="pt-BR"/>
-              <a:t>Tipos </a:t>
-            </a:r>
-            <a:r>
               <a:rPr lang="pt-BR" dirty="0"/>
-              <a:t>Caractere E Booleano</a:t>
+              <a:t>Tipos Caractere e Booleano</a:t>
             </a:r>
           </a:p>
         </p:txBody>
@@ -9113,7 +11267,26 @@
                   </a:schemeClr>
                 </a:solidFill>
               </a:rPr>
-              <a:t>constante caractere </a:t>
+              <a:t>constante </a:t>
+            </a:r>
+            <a:br>
+              <a:rPr lang="pt-BR" dirty="0">
+                <a:solidFill>
+                  <a:schemeClr val="accent3">
+                    <a:lumMod val="75000"/>
+                  </a:schemeClr>
+                </a:solidFill>
+              </a:rPr>
+            </a:br>
+            <a:r>
+              <a:rPr lang="pt-BR" dirty="0">
+                <a:solidFill>
+                  <a:schemeClr val="accent3">
+                    <a:lumMod val="75000"/>
+                  </a:schemeClr>
+                </a:solidFill>
+              </a:rPr>
+              <a:t>caractere </a:t>
             </a:r>
             <a:r>
               <a:rPr lang="pt-BR" dirty="0"/>
@@ -12088,7 +14261,13 @@
       </p:grpSpPr>
       <p:sp>
         <p:nvSpPr>
-          <p:cNvPr id="2" name="Título 1"/>
+          <p:cNvPr id="2" name="Título 1">
+            <a:extLst>
+              <a:ext uri="{FF2B5EF4-FFF2-40B4-BE49-F238E27FC236}">
+                <a16:creationId xmlns:a16="http://schemas.microsoft.com/office/drawing/2014/main" id="{CBDE2266-AE69-47AE-A9C8-704BE5741539}"/>
+              </a:ext>
+            </a:extLst>
+          </p:cNvPr>
           <p:cNvSpPr>
             <a:spLocks noGrp="1"/>
           </p:cNvSpPr>
@@ -12110,7 +14289,13 @@
       </p:sp>
       <p:sp>
         <p:nvSpPr>
-          <p:cNvPr id="3" name="Espaço Reservado para Conteúdo 2"/>
+          <p:cNvPr id="3" name="Espaço Reservado para Conteúdo 2">
+            <a:extLst>
+              <a:ext uri="{FF2B5EF4-FFF2-40B4-BE49-F238E27FC236}">
+                <a16:creationId xmlns:a16="http://schemas.microsoft.com/office/drawing/2014/main" id="{60876C13-BA7A-4466-9B3F-D3E7122DFEB4}"/>
+              </a:ext>
+            </a:extLst>
+          </p:cNvPr>
           <p:cNvSpPr>
             <a:spLocks noGrp="1"/>
           </p:cNvSpPr>
@@ -12120,9 +14305,7 @@
         </p:nvSpPr>
         <p:spPr/>
         <p:txBody>
-          <a:bodyPr>
-            <a:normAutofit/>
-          </a:bodyPr>
+          <a:bodyPr/>
           <a:lstStyle/>
           <a:p>
             <a:r>
@@ -12181,7 +14364,23 @@
             </a:r>
             <a:r>
               <a:rPr lang="pt-BR" dirty="0"/>
-              <a:t> (wav, mp3, ogg, etc.)</a:t>
+              <a:t> (</a:t>
+            </a:r>
+            <a:r>
+              <a:rPr lang="pt-BR" dirty="0" err="1"/>
+              <a:t>wav</a:t>
+            </a:r>
+            <a:r>
+              <a:rPr lang="pt-BR" dirty="0"/>
+              <a:t>, mp3, </a:t>
+            </a:r>
+            <a:r>
+              <a:rPr lang="pt-BR" dirty="0" err="1"/>
+              <a:t>ogg</a:t>
+            </a:r>
+            <a:r>
+              <a:rPr lang="pt-BR" dirty="0"/>
+              <a:t>, etc.)</a:t>
             </a:r>
           </a:p>
           <a:p>
@@ -12199,7 +14398,23 @@
             </a:r>
             <a:r>
               <a:rPr lang="pt-BR" dirty="0"/>
-              <a:t> (bmp, jpg, gif, png, tga, etc.)</a:t>
+              <a:t> (bmp, </a:t>
+            </a:r>
+            <a:r>
+              <a:rPr lang="pt-BR" dirty="0" err="1"/>
+              <a:t>jpg</a:t>
+            </a:r>
+            <a:r>
+              <a:rPr lang="pt-BR" dirty="0"/>
+              <a:t>, gif, png, </a:t>
+            </a:r>
+            <a:r>
+              <a:rPr lang="pt-BR" dirty="0" err="1"/>
+              <a:t>tga</a:t>
+            </a:r>
+            <a:r>
+              <a:rPr lang="pt-BR" dirty="0"/>
+              <a:t>, etc.)</a:t>
             </a:r>
           </a:p>
           <a:p>
@@ -12217,7 +14432,31 @@
             </a:r>
             <a:r>
               <a:rPr lang="pt-BR" dirty="0"/>
-              <a:t> (avi, mpg, wmv, etc.)</a:t>
+              <a:t> (</a:t>
+            </a:r>
+            <a:r>
+              <a:rPr lang="pt-BR" dirty="0" err="1"/>
+              <a:t>avi</a:t>
+            </a:r>
+            <a:r>
+              <a:rPr lang="pt-BR" dirty="0"/>
+              <a:t>, </a:t>
+            </a:r>
+            <a:r>
+              <a:rPr lang="pt-BR" dirty="0" err="1"/>
+              <a:t>mpg</a:t>
+            </a:r>
+            <a:r>
+              <a:rPr lang="pt-BR" dirty="0"/>
+              <a:t>, </a:t>
+            </a:r>
+            <a:r>
+              <a:rPr lang="pt-BR" dirty="0" err="1"/>
+              <a:t>wmv</a:t>
+            </a:r>
+            <a:r>
+              <a:rPr lang="pt-BR" dirty="0"/>
+              <a:t>, etc.)</a:t>
             </a:r>
           </a:p>
           <a:p>
@@ -12250,18 +14489,14 @@
               <a:t>e tipos de dados compostos</a:t>
             </a:r>
           </a:p>
-          <a:p>
-            <a:endParaRPr lang="pt-BR" dirty="0">
-              <a:solidFill>
-                <a:schemeClr val="accent3">
-                  <a:lumMod val="75000"/>
-                </a:schemeClr>
-              </a:solidFill>
-            </a:endParaRPr>
-          </a:p>
         </p:txBody>
       </p:sp>
     </p:spTree>
+    <p:extLst>
+      <p:ext uri="{BB962C8B-B14F-4D97-AF65-F5344CB8AC3E}">
+        <p14:creationId xmlns:p14="http://schemas.microsoft.com/office/powerpoint/2010/main" val="4108671276"/>
+      </p:ext>
+    </p:extLst>
   </p:cSld>
   <p:clrMapOvr>
     <a:masterClrMapping/>
@@ -12944,7 +15179,7 @@
           <a:lstStyle/>
           <a:p>
             <a:r>
-              <a:rPr lang="pt-BR" dirty="0" err="1">
+              <a:rPr lang="pt-BR" dirty="0">
                 <a:solidFill>
                   <a:schemeClr val="accent3">
                     <a:lumMod val="75000"/>
@@ -14820,7 +17055,7 @@
           <a:lstStyle/>
           <a:p>
             <a:r>
-              <a:rPr lang="pt-BR" dirty="0" err="1">
+              <a:rPr lang="pt-BR" dirty="0">
                 <a:solidFill>
                   <a:schemeClr val="accent3">
                     <a:lumMod val="75000"/>
@@ -16350,7 +18585,7 @@
           <a:lstStyle/>
           <a:p>
             <a:r>
-              <a:rPr lang="pt-BR" dirty="0" err="1">
+              <a:rPr lang="pt-BR" dirty="0">
                 <a:solidFill>
                   <a:schemeClr val="accent3">
                     <a:lumMod val="75000"/>
@@ -17880,7 +20115,7 @@
           <a:lstStyle/>
           <a:p>
             <a:r>
-              <a:rPr lang="pt-BR" dirty="0" err="1">
+              <a:rPr lang="pt-BR" dirty="0">
                 <a:solidFill>
                   <a:schemeClr val="accent3">
                     <a:lumMod val="75000"/>
@@ -20321,7 +22556,7 @@
           <a:lstStyle/>
           <a:p>
             <a:r>
-              <a:rPr lang="pt-BR" dirty="0" err="1">
+              <a:rPr lang="pt-BR" dirty="0">
                 <a:solidFill>
                   <a:schemeClr val="accent3">
                     <a:lumMod val="75000"/>
@@ -22762,7 +24997,7 @@
           <a:lstStyle/>
           <a:p>
             <a:r>
-              <a:rPr lang="pt-BR" dirty="0" err="1">
+              <a:rPr lang="pt-BR" dirty="0">
                 <a:solidFill>
                   <a:schemeClr val="accent3">
                     <a:lumMod val="75000"/>
@@ -25201,7 +27436,7 @@
         <p:spPr>
           <a:xfrm>
             <a:off x="1631504" y="2564904"/>
-            <a:ext cx="8568952" cy="2123658"/>
+            <a:ext cx="4156481" cy="2123658"/>
           </a:xfrm>
           <a:prstGeom prst="rect">
             <a:avLst/>
@@ -25288,17 +27523,6 @@
           </a:p>
           <a:p>
             <a:r>
-              <a:rPr lang="pt-BR" sz="1600" dirty="0" err="1">
-                <a:solidFill>
-                  <a:schemeClr val="accent3">
-                    <a:lumMod val="75000"/>
-                  </a:schemeClr>
-                </a:solidFill>
-                <a:latin typeface="+mj-lt"/>
-              </a:rPr>
-              <a:t>unsigned</a:t>
-            </a:r>
-            <a:r>
               <a:rPr lang="pt-BR" sz="1600" dirty="0">
                 <a:solidFill>
                   <a:schemeClr val="accent3">
@@ -25307,7 +27531,7 @@
                 </a:solidFill>
                 <a:latin typeface="+mj-lt"/>
               </a:rPr>
-              <a:t> char </a:t>
+              <a:t>unsigned char </a:t>
             </a:r>
             <a:r>
               <a:rPr lang="pt-BR" sz="1600" dirty="0">
@@ -25328,7 +27552,7 @@
           </a:p>
           <a:p>
             <a:r>
-              <a:rPr lang="pt-BR" sz="1600" dirty="0" err="1">
+              <a:rPr lang="pt-BR" sz="1600" dirty="0">
                 <a:solidFill>
                   <a:schemeClr val="accent3">
                     <a:lumMod val="75000"/>
@@ -25467,10 +27691,10 @@
       </p:sp>
       <p:grpSp>
         <p:nvGrpSpPr>
-          <p:cNvPr id="29" name="Agrupar 28">
+          <p:cNvPr id="32" name="Agrupar 31">
             <a:extLst>
               <a:ext uri="{FF2B5EF4-FFF2-40B4-BE49-F238E27FC236}">
-                <a16:creationId xmlns:a16="http://schemas.microsoft.com/office/drawing/2014/main" id="{646FED98-5479-447E-A448-157B56AC7BA8}"/>
+                <a16:creationId xmlns:a16="http://schemas.microsoft.com/office/drawing/2014/main" id="{35AA9E0E-B4B8-4F15-8D5E-D3C6FD7C141E}"/>
               </a:ext>
             </a:extLst>
           </p:cNvPr>
@@ -27063,16 +29287,16 @@
         </p:sp>
         <p:sp>
           <p:nvSpPr>
-            <p:cNvPr id="46" name="Retângulo 45"/>
+            <p:cNvPr id="46" name="Retângulo: Cantos Arredondados 45"/>
             <p:cNvSpPr/>
             <p:nvPr/>
           </p:nvSpPr>
           <p:spPr>
             <a:xfrm>
               <a:off x="6068920" y="3256535"/>
-              <a:ext cx="691215" cy="369332"/>
+              <a:ext cx="724639" cy="408623"/>
             </a:xfrm>
-            <a:prstGeom prst="rect">
+            <a:prstGeom prst="roundRect">
               <a:avLst/>
             </a:prstGeom>
             <a:solidFill>
@@ -27106,16 +29330,16 @@
         </p:sp>
         <p:sp>
           <p:nvSpPr>
-            <p:cNvPr id="47" name="Retângulo 46"/>
+            <p:cNvPr id="47" name="Retângulo: Cantos Arredondados 46"/>
             <p:cNvSpPr/>
             <p:nvPr/>
           </p:nvSpPr>
           <p:spPr>
             <a:xfrm>
-              <a:off x="6161217" y="3933056"/>
-              <a:ext cx="437940" cy="369332"/>
+              <a:off x="6068921" y="3933056"/>
+              <a:ext cx="691214" cy="408623"/>
             </a:xfrm>
-            <a:prstGeom prst="rect">
+            <a:prstGeom prst="roundRect">
               <a:avLst/>
             </a:prstGeom>
             <a:ln>
@@ -27125,11 +29349,12 @@
             </a:ln>
           </p:spPr>
           <p:txBody>
-            <a:bodyPr wrap="none">
+            <a:bodyPr wrap="square">
               <a:spAutoFit/>
             </a:bodyPr>
             <a:lstStyle/>
             <a:p>
+              <a:pPr algn="ctr"/>
               <a:r>
                 <a:rPr lang="pt-BR" dirty="0">
                   <a:latin typeface="+mj-lt"/>
@@ -27145,14 +29370,13 @@
             <p:cNvCxnSpPr>
               <a:cxnSpLocks/>
               <a:stCxn id="5" idx="1"/>
-              <a:endCxn id="46" idx="3"/>
             </p:cNvCxnSpPr>
             <p:nvPr/>
           </p:nvCxnSpPr>
           <p:spPr>
             <a:xfrm flipH="1">
-              <a:off x="6760135" y="3118571"/>
-              <a:ext cx="301824" cy="322630"/>
+              <a:off x="6793559" y="3118571"/>
+              <a:ext cx="268400" cy="342276"/>
             </a:xfrm>
             <a:prstGeom prst="line">
               <a:avLst/>
@@ -27186,14 +29410,13 @@
             <p:cNvCxnSpPr>
               <a:cxnSpLocks/>
               <a:stCxn id="35" idx="1"/>
-              <a:endCxn id="46" idx="3"/>
             </p:cNvCxnSpPr>
             <p:nvPr/>
           </p:nvCxnSpPr>
           <p:spPr>
             <a:xfrm flipH="1" flipV="1">
-              <a:off x="6760135" y="3441201"/>
-              <a:ext cx="301824" cy="338953"/>
+              <a:off x="6793559" y="3460847"/>
+              <a:ext cx="268400" cy="319307"/>
             </a:xfrm>
             <a:prstGeom prst="line">
               <a:avLst/>
@@ -27233,8 +29456,8 @@
           </p:nvCxnSpPr>
           <p:spPr>
             <a:xfrm flipH="1">
-              <a:off x="6599157" y="3780154"/>
-              <a:ext cx="462802" cy="337568"/>
+              <a:off x="6760135" y="3780154"/>
+              <a:ext cx="301824" cy="357214"/>
             </a:xfrm>
             <a:prstGeom prst="line">
               <a:avLst/>
@@ -27272,8 +29495,8 @@
           </p:nvCxnSpPr>
           <p:spPr>
             <a:xfrm flipH="1" flipV="1">
-              <a:off x="6599157" y="4117722"/>
-              <a:ext cx="462802" cy="359150"/>
+              <a:off x="6760135" y="4137368"/>
+              <a:ext cx="301824" cy="339504"/>
             </a:xfrm>
             <a:prstGeom prst="line">
               <a:avLst/>
@@ -27992,6 +30215,81 @@
             </a:p>
           </p:txBody>
         </p:sp>
+        <p:sp>
+          <p:nvSpPr>
+            <p:cNvPr id="60" name="CaixaDeTexto 59">
+              <a:extLst>
+                <a:ext uri="{FF2B5EF4-FFF2-40B4-BE49-F238E27FC236}">
+                  <a16:creationId xmlns:a16="http://schemas.microsoft.com/office/drawing/2014/main" id="{7A7C617A-48A7-4839-A74D-F83F22629E0E}"/>
+                </a:ext>
+              </a:extLst>
+            </p:cNvPr>
+            <p:cNvSpPr txBox="1"/>
+            <p:nvPr/>
+          </p:nvSpPr>
+          <p:spPr>
+            <a:xfrm>
+              <a:off x="10117501" y="2933905"/>
+              <a:ext cx="311304" cy="369332"/>
+            </a:xfrm>
+            <a:prstGeom prst="rect">
+              <a:avLst/>
+            </a:prstGeom>
+            <a:noFill/>
+          </p:spPr>
+          <p:txBody>
+            <a:bodyPr wrap="none" rtlCol="0">
+              <a:spAutoFit/>
+            </a:bodyPr>
+            <a:lstStyle/>
+            <a:p>
+              <a:r>
+                <a:rPr lang="pt-BR" dirty="0">
+                  <a:latin typeface="+mj-lt"/>
+                </a:rPr>
+                <a:t>1</a:t>
+              </a:r>
+            </a:p>
+          </p:txBody>
+        </p:sp>
+        <p:sp>
+          <p:nvSpPr>
+            <p:cNvPr id="64" name="CaixaDeTexto 63">
+              <a:extLst>
+                <a:ext uri="{FF2B5EF4-FFF2-40B4-BE49-F238E27FC236}">
+                  <a16:creationId xmlns:a16="http://schemas.microsoft.com/office/drawing/2014/main" id="{8677682A-5A76-4F36-9BF2-B221CACE1160}"/>
+                </a:ext>
+              </a:extLst>
+            </p:cNvPr>
+            <p:cNvSpPr txBox="1"/>
+            <p:nvPr/>
+          </p:nvSpPr>
+          <p:spPr>
+            <a:xfrm>
+              <a:off x="6138153" y="2843109"/>
+              <a:ext cx="573638" cy="369332"/>
+            </a:xfrm>
+            <a:prstGeom prst="rect">
+              <a:avLst/>
+            </a:prstGeom>
+            <a:noFill/>
+          </p:spPr>
+          <p:txBody>
+            <a:bodyPr wrap="square">
+              <a:spAutoFit/>
+            </a:bodyPr>
+            <a:lstStyle/>
+            <a:p>
+              <a:r>
+                <a:rPr lang="pt-BR" sz="1800" dirty="0">
+                  <a:latin typeface="+mj-lt"/>
+                </a:rPr>
+                <a:t>bit</a:t>
+              </a:r>
+              <a:endParaRPr lang="pt-BR" dirty="0"/>
+            </a:p>
+          </p:txBody>
+        </p:sp>
       </p:grpSp>
     </p:spTree>
     <p:extLst>
@@ -28025,72 +30323,6 @@
       </p:grpSpPr>
       <p:sp>
         <p:nvSpPr>
-          <p:cNvPr id="2" name="Título 1"/>
-          <p:cNvSpPr>
-            <a:spLocks noGrp="1"/>
-          </p:cNvSpPr>
-          <p:nvPr>
-            <p:ph type="title"/>
-          </p:nvPr>
-        </p:nvSpPr>
-        <p:spPr/>
-        <p:txBody>
-          <a:bodyPr/>
-          <a:lstStyle/>
-          <a:p>
-            <a:r>
-              <a:rPr lang="pt-BR" dirty="0"/>
-              <a:t>Operações com Bits</a:t>
-            </a:r>
-          </a:p>
-        </p:txBody>
-      </p:sp>
-      <p:sp>
-        <p:nvSpPr>
-          <p:cNvPr id="3" name="Espaço Reservado para Conteúdo 2"/>
-          <p:cNvSpPr>
-            <a:spLocks noGrp="1"/>
-          </p:cNvSpPr>
-          <p:nvPr>
-            <p:ph idx="1"/>
-          </p:nvPr>
-        </p:nvSpPr>
-        <p:spPr/>
-        <p:txBody>
-          <a:bodyPr/>
-          <a:lstStyle/>
-          <a:p>
-            <a:r>
-              <a:rPr lang="pt-BR" dirty="0"/>
-              <a:t>Desligando um bit:</a:t>
-            </a:r>
-          </a:p>
-          <a:p>
-            <a:endParaRPr lang="pt-BR" dirty="0"/>
-          </a:p>
-          <a:p>
-            <a:endParaRPr lang="pt-BR" dirty="0"/>
-          </a:p>
-          <a:p>
-            <a:endParaRPr lang="pt-BR" dirty="0"/>
-          </a:p>
-          <a:p>
-            <a:endParaRPr lang="pt-BR" dirty="0"/>
-          </a:p>
-          <a:p>
-            <a:endParaRPr lang="pt-BR" dirty="0"/>
-          </a:p>
-          <a:p>
-            <a:pPr lvl="1"/>
-            <a:r>
-              <a:rPr lang="pt-BR" dirty="0"/>
-              <a:t>Saída:</a:t>
-            </a:r>
-          </a:p>
-        </p:txBody>
-      </p:sp>
-      <p:sp>
-        <p:nvSpPr>
           <p:cNvPr id="4" name="CaixaDeTexto 3"/>
           <p:cNvSpPr txBox="1"/>
           <p:nvPr/>
@@ -28185,6 +30417,86 @@
           </a:p>
           <a:p>
             <a:r>
+              <a:rPr lang="pt-BR" sz="1600" dirty="0">
+                <a:solidFill>
+                  <a:schemeClr val="accent3">
+                    <a:lumMod val="75000"/>
+                  </a:schemeClr>
+                </a:solidFill>
+                <a:latin typeface="+mj-lt"/>
+              </a:rPr>
+              <a:t>unsigned char </a:t>
+            </a:r>
+            <a:r>
+              <a:rPr lang="pt-BR" sz="1600" dirty="0">
+                <a:latin typeface="+mj-lt"/>
+              </a:rPr>
+              <a:t>mascara = ~(1 &lt;&lt; bit);</a:t>
+            </a:r>
+          </a:p>
+          <a:p>
+            <a:endParaRPr lang="pt-BR" sz="1600" dirty="0">
+              <a:latin typeface="+mj-lt"/>
+            </a:endParaRPr>
+          </a:p>
+          <a:p>
+            <a:r>
+              <a:rPr lang="pt-BR" sz="1600" dirty="0">
+                <a:solidFill>
+                  <a:schemeClr val="accent3">
+                    <a:lumMod val="75000"/>
+                  </a:schemeClr>
+                </a:solidFill>
+                <a:latin typeface="+mj-lt"/>
+              </a:rPr>
+              <a:t>unsigned</a:t>
+            </a:r>
+            <a:r>
+              <a:rPr lang="pt-BR" sz="1600" dirty="0">
+                <a:latin typeface="+mj-lt"/>
+              </a:rPr>
+              <a:t> </a:t>
+            </a:r>
+            <a:r>
+              <a:rPr lang="pt-BR" sz="1600" dirty="0">
+                <a:solidFill>
+                  <a:schemeClr val="accent3">
+                    <a:lumMod val="75000"/>
+                  </a:schemeClr>
+                </a:solidFill>
+                <a:latin typeface="+mj-lt"/>
+              </a:rPr>
+              <a:t>char</a:t>
+            </a:r>
+            <a:r>
+              <a:rPr lang="pt-BR" sz="1600" dirty="0">
+                <a:latin typeface="+mj-lt"/>
+              </a:rPr>
+              <a:t> estado = 252;</a:t>
+            </a:r>
+          </a:p>
+          <a:p>
+            <a:r>
+              <a:rPr lang="pt-BR" sz="1600" dirty="0">
+                <a:latin typeface="+mj-lt"/>
+              </a:rPr>
+              <a:t>estado = estado &amp; mascara;</a:t>
+            </a:r>
+          </a:p>
+          <a:p>
+            <a:r>
+              <a:rPr lang="pt-BR" sz="1600" dirty="0" err="1">
+                <a:latin typeface="+mj-lt"/>
+              </a:rPr>
+              <a:t>cout</a:t>
+            </a:r>
+            <a:r>
+              <a:rPr lang="pt-BR" sz="1600" dirty="0">
+                <a:latin typeface="+mj-lt"/>
+              </a:rPr>
+              <a:t> &lt;&lt; </a:t>
+            </a:r>
+            <a:r>
               <a:rPr lang="pt-BR" sz="1600" dirty="0" err="1">
                 <a:solidFill>
                   <a:schemeClr val="accent3">
@@ -28193,128 +30505,91 @@
                 </a:solidFill>
                 <a:latin typeface="+mj-lt"/>
               </a:rPr>
-              <a:t>unsigned</a:t>
-            </a:r>
-            <a:r>
-              <a:rPr lang="pt-BR" sz="1600" dirty="0">
-                <a:solidFill>
-                  <a:schemeClr val="accent3">
-                    <a:lumMod val="75000"/>
-                  </a:schemeClr>
-                </a:solidFill>
-                <a:latin typeface="+mj-lt"/>
-              </a:rPr>
-              <a:t> char </a:t>
+              <a:t>int</a:t>
             </a:r>
             <a:r>
               <a:rPr lang="pt-BR" sz="1600" dirty="0">
                 <a:latin typeface="+mj-lt"/>
               </a:rPr>
-              <a:t>mascara = ~(1 &lt;&lt; bit);</a:t>
-            </a:r>
-          </a:p>
-          <a:p>
-            <a:endParaRPr lang="pt-BR" sz="1600" dirty="0">
-              <a:latin typeface="+mj-lt"/>
-            </a:endParaRPr>
-          </a:p>
-          <a:p>
+              <a:t>(estado) &lt;&lt; </a:t>
+            </a:r>
             <a:r>
               <a:rPr lang="pt-BR" sz="1600" dirty="0" err="1">
-                <a:solidFill>
-                  <a:schemeClr val="accent3">
-                    <a:lumMod val="75000"/>
-                  </a:schemeClr>
-                </a:solidFill>
                 <a:latin typeface="+mj-lt"/>
               </a:rPr>
-              <a:t>unsigned</a:t>
+              <a:t>endl</a:t>
             </a:r>
             <a:r>
               <a:rPr lang="pt-BR" sz="1600" dirty="0">
                 <a:latin typeface="+mj-lt"/>
               </a:rPr>
-              <a:t> </a:t>
-            </a:r>
-            <a:r>
-              <a:rPr lang="pt-BR" sz="1600" dirty="0">
-                <a:solidFill>
-                  <a:schemeClr val="accent3">
-                    <a:lumMod val="75000"/>
-                  </a:schemeClr>
-                </a:solidFill>
-                <a:latin typeface="+mj-lt"/>
-              </a:rPr>
-              <a:t>char</a:t>
-            </a:r>
-            <a:r>
-              <a:rPr lang="pt-BR" sz="1600" dirty="0">
-                <a:latin typeface="+mj-lt"/>
-              </a:rPr>
-              <a:t> estado = 252;</a:t>
-            </a:r>
-          </a:p>
-          <a:p>
-            <a:r>
-              <a:rPr lang="pt-BR" sz="1600" dirty="0">
-                <a:latin typeface="+mj-lt"/>
-              </a:rPr>
-              <a:t>estado = estado </a:t>
-            </a:r>
-            <a:r>
-              <a:rPr lang="pt-BR" sz="1600">
-                <a:latin typeface="+mj-lt"/>
-              </a:rPr>
-              <a:t>&amp; mascara</a:t>
-            </a:r>
-            <a:r>
-              <a:rPr lang="pt-BR" sz="1600" dirty="0">
-                <a:latin typeface="+mj-lt"/>
-              </a:rPr>
               <a:t>;</a:t>
             </a:r>
           </a:p>
-          <a:p>
-            <a:r>
-              <a:rPr lang="pt-BR" sz="1600" dirty="0" err="1">
-                <a:latin typeface="+mj-lt"/>
-              </a:rPr>
-              <a:t>cout</a:t>
-            </a:r>
-            <a:r>
-              <a:rPr lang="pt-BR" sz="1600" dirty="0">
-                <a:latin typeface="+mj-lt"/>
-              </a:rPr>
-              <a:t> &lt;&lt; </a:t>
-            </a:r>
-            <a:r>
-              <a:rPr lang="pt-BR" sz="1600" dirty="0" err="1">
-                <a:solidFill>
-                  <a:schemeClr val="accent3">
-                    <a:lumMod val="75000"/>
-                  </a:schemeClr>
-                </a:solidFill>
-                <a:latin typeface="+mj-lt"/>
-              </a:rPr>
-              <a:t>int</a:t>
-            </a:r>
-            <a:r>
-              <a:rPr lang="pt-BR" sz="1600" dirty="0">
-                <a:latin typeface="+mj-lt"/>
-              </a:rPr>
-              <a:t>(estado) &lt;&lt; </a:t>
-            </a:r>
-            <a:r>
-              <a:rPr lang="pt-BR" sz="1600" dirty="0" err="1">
-                <a:latin typeface="+mj-lt"/>
-              </a:rPr>
-              <a:t>endl</a:t>
-            </a:r>
-            <a:r>
-              <a:rPr lang="pt-BR" sz="1600" dirty="0">
-                <a:latin typeface="+mj-lt"/>
-              </a:rPr>
-              <a:t>;</a:t>
+        </p:txBody>
+      </p:sp>
+      <p:sp>
+        <p:nvSpPr>
+          <p:cNvPr id="2" name="Título 1"/>
+          <p:cNvSpPr>
+            <a:spLocks noGrp="1"/>
+          </p:cNvSpPr>
+          <p:nvPr>
+            <p:ph type="title"/>
+          </p:nvPr>
+        </p:nvSpPr>
+        <p:spPr/>
+        <p:txBody>
+          <a:bodyPr/>
+          <a:lstStyle/>
+          <a:p>
+            <a:r>
+              <a:rPr lang="pt-BR" dirty="0"/>
+              <a:t>Operações com Bits</a:t>
+            </a:r>
+          </a:p>
+        </p:txBody>
+      </p:sp>
+      <p:sp>
+        <p:nvSpPr>
+          <p:cNvPr id="3" name="Espaço Reservado para Conteúdo 2"/>
+          <p:cNvSpPr>
+            <a:spLocks noGrp="1"/>
+          </p:cNvSpPr>
+          <p:nvPr>
+            <p:ph idx="1"/>
+          </p:nvPr>
+        </p:nvSpPr>
+        <p:spPr/>
+        <p:txBody>
+          <a:bodyPr/>
+          <a:lstStyle/>
+          <a:p>
+            <a:r>
+              <a:rPr lang="pt-BR" dirty="0"/>
+              <a:t>Desligando um bit:</a:t>
+            </a:r>
+          </a:p>
+          <a:p>
+            <a:endParaRPr lang="pt-BR" dirty="0"/>
+          </a:p>
+          <a:p>
+            <a:endParaRPr lang="pt-BR" dirty="0"/>
+          </a:p>
+          <a:p>
+            <a:endParaRPr lang="pt-BR" dirty="0"/>
+          </a:p>
+          <a:p>
+            <a:endParaRPr lang="pt-BR" dirty="0"/>
+          </a:p>
+          <a:p>
+            <a:endParaRPr lang="pt-BR" dirty="0"/>
+          </a:p>
+          <a:p>
+            <a:pPr lvl="1"/>
+            <a:r>
+              <a:rPr lang="pt-BR" dirty="0"/>
+              <a:t>Saída:</a:t>
             </a:r>
           </a:p>
         </p:txBody>
@@ -28371,10 +30646,10 @@
       </p:sp>
       <p:grpSp>
         <p:nvGrpSpPr>
-          <p:cNvPr id="29" name="Agrupar 28">
+          <p:cNvPr id="48" name="Agrupar 47">
             <a:extLst>
               <a:ext uri="{FF2B5EF4-FFF2-40B4-BE49-F238E27FC236}">
-                <a16:creationId xmlns:a16="http://schemas.microsoft.com/office/drawing/2014/main" id="{91610637-9E39-4676-A1E5-96ED67E8A046}"/>
+                <a16:creationId xmlns:a16="http://schemas.microsoft.com/office/drawing/2014/main" id="{855BF169-55A7-40DB-9675-FE7C20ED46E8}"/>
               </a:ext>
             </a:extLst>
           </p:cNvPr>
@@ -28383,10 +30658,10 @@
         </p:nvGrpSpPr>
         <p:grpSpPr>
           <a:xfrm>
-            <a:off x="6284798" y="1700808"/>
-            <a:ext cx="5696114" cy="4608512"/>
+            <a:off x="6284798" y="1988841"/>
+            <a:ext cx="5696114" cy="4320479"/>
             <a:chOff x="6284798" y="1700808"/>
-            <a:chExt cx="5696114" cy="4608512"/>
+            <a:chExt cx="5696114" cy="4320479"/>
           </a:xfrm>
         </p:grpSpPr>
         <p:sp>
@@ -29959,16 +32234,16 @@
         </p:sp>
         <p:sp>
           <p:nvSpPr>
-            <p:cNvPr id="46" name="Retângulo 45"/>
+            <p:cNvPr id="46" name="Retângulo: Cantos Arredondados 45"/>
             <p:cNvSpPr/>
             <p:nvPr/>
           </p:nvSpPr>
           <p:spPr>
             <a:xfrm>
               <a:off x="6284798" y="2411667"/>
-              <a:ext cx="691215" cy="369332"/>
+              <a:ext cx="724639" cy="408623"/>
             </a:xfrm>
-            <a:prstGeom prst="rect">
+            <a:prstGeom prst="roundRect">
               <a:avLst/>
             </a:prstGeom>
             <a:solidFill>
@@ -30002,32 +32277,41 @@
         </p:sp>
         <p:sp>
           <p:nvSpPr>
-            <p:cNvPr id="47" name="Retângulo 46"/>
+            <p:cNvPr id="47" name="Retângulo: Cantos Arredondados 46"/>
             <p:cNvSpPr/>
             <p:nvPr/>
           </p:nvSpPr>
           <p:spPr>
             <a:xfrm>
-              <a:off x="6319101" y="3103519"/>
-              <a:ext cx="564578" cy="369332"/>
+              <a:off x="6284798" y="3103519"/>
+              <a:ext cx="724639" cy="408623"/>
             </a:xfrm>
-            <a:prstGeom prst="rect">
+            <a:prstGeom prst="roundRect">
               <a:avLst/>
             </a:prstGeom>
+            <a:solidFill>
+              <a:schemeClr val="accent3">
+                <a:lumMod val="75000"/>
+              </a:schemeClr>
+            </a:solidFill>
             <a:ln>
               <a:solidFill>
-                <a:schemeClr val="tx1"/>
+                <a:schemeClr val="bg1"/>
               </a:solidFill>
             </a:ln>
           </p:spPr>
           <p:txBody>
-            <a:bodyPr wrap="none">
+            <a:bodyPr wrap="square">
               <a:spAutoFit/>
             </a:bodyPr>
             <a:lstStyle/>
             <a:p>
+              <a:pPr algn="ctr"/>
               <a:r>
                 <a:rPr lang="pt-BR" dirty="0">
+                  <a:solidFill>
+                    <a:schemeClr val="bg1"/>
+                  </a:solidFill>
                   <a:latin typeface="+mj-lt"/>
                 </a:rPr>
                 <a:t>NOT</a:t>
@@ -30041,14 +32325,13 @@
             <p:cNvCxnSpPr>
               <a:cxnSpLocks/>
               <a:stCxn id="35" idx="1"/>
-              <a:endCxn id="46" idx="3"/>
             </p:cNvCxnSpPr>
             <p:nvPr/>
           </p:nvCxnSpPr>
           <p:spPr>
             <a:xfrm flipH="1" flipV="1">
-              <a:off x="6976013" y="2596333"/>
-              <a:ext cx="252670" cy="354284"/>
+              <a:off x="7009437" y="2615979"/>
+              <a:ext cx="219246" cy="334638"/>
             </a:xfrm>
             <a:prstGeom prst="line">
               <a:avLst/>
@@ -30082,14 +32365,13 @@
             <p:cNvCxnSpPr>
               <a:cxnSpLocks/>
               <a:stCxn id="5" idx="1"/>
-              <a:endCxn id="46" idx="3"/>
             </p:cNvCxnSpPr>
             <p:nvPr/>
           </p:nvCxnSpPr>
           <p:spPr>
             <a:xfrm flipH="1">
-              <a:off x="6976013" y="2289034"/>
-              <a:ext cx="252670" cy="307299"/>
+              <a:off x="7009437" y="2289034"/>
+              <a:ext cx="219246" cy="326945"/>
             </a:xfrm>
             <a:prstGeom prst="line">
               <a:avLst/>
@@ -30129,15 +32411,17 @@
           </p:nvCxnSpPr>
           <p:spPr>
             <a:xfrm flipH="1">
-              <a:off x="6883679" y="2950617"/>
-              <a:ext cx="345004" cy="337568"/>
+              <a:off x="7009437" y="2950617"/>
+              <a:ext cx="219246" cy="357214"/>
             </a:xfrm>
             <a:prstGeom prst="line">
               <a:avLst/>
             </a:prstGeom>
             <a:ln>
               <a:solidFill>
-                <a:schemeClr val="tx1"/>
+                <a:schemeClr val="accent3">
+                  <a:lumMod val="75000"/>
+                </a:schemeClr>
               </a:solidFill>
             </a:ln>
           </p:spPr>
@@ -30168,15 +32452,17 @@
           </p:nvCxnSpPr>
           <p:spPr>
             <a:xfrm flipH="1" flipV="1">
-              <a:off x="6883679" y="3288185"/>
-              <a:ext cx="345004" cy="359150"/>
+              <a:off x="7009437" y="3307831"/>
+              <a:ext cx="219246" cy="339504"/>
             </a:xfrm>
             <a:prstGeom prst="line">
               <a:avLst/>
             </a:prstGeom>
             <a:ln>
               <a:solidFill>
-                <a:schemeClr val="tx1"/>
+                <a:schemeClr val="accent3">
+                  <a:lumMod val="75000"/>
+                </a:schemeClr>
               </a:solidFill>
             </a:ln>
           </p:spPr>
@@ -30203,7 +32489,7 @@
           </p:nvSpPr>
           <p:spPr>
             <a:xfrm>
-              <a:off x="7228683" y="5259853"/>
+              <a:off x="7228683" y="4971820"/>
               <a:ext cx="360040" cy="511568"/>
             </a:xfrm>
             <a:prstGeom prst="rect">
@@ -30258,7 +32544,7 @@
           </p:nvSpPr>
           <p:spPr>
             <a:xfrm>
-              <a:off x="7588723" y="5259853"/>
+              <a:off x="7588723" y="4971820"/>
               <a:ext cx="360040" cy="511568"/>
             </a:xfrm>
             <a:prstGeom prst="rect">
@@ -30313,7 +32599,7 @@
           </p:nvSpPr>
           <p:spPr>
             <a:xfrm>
-              <a:off x="7948763" y="5259853"/>
+              <a:off x="7948763" y="4971820"/>
               <a:ext cx="360040" cy="511568"/>
             </a:xfrm>
             <a:prstGeom prst="rect">
@@ -30368,7 +32654,7 @@
           </p:nvSpPr>
           <p:spPr>
             <a:xfrm>
-              <a:off x="8308803" y="5259853"/>
+              <a:off x="8308803" y="4971820"/>
               <a:ext cx="360040" cy="511568"/>
             </a:xfrm>
             <a:prstGeom prst="rect">
@@ -30423,7 +32709,7 @@
           </p:nvSpPr>
           <p:spPr>
             <a:xfrm>
-              <a:off x="8668843" y="5259853"/>
+              <a:off x="8668843" y="4971820"/>
               <a:ext cx="360040" cy="511568"/>
             </a:xfrm>
             <a:prstGeom prst="rect">
@@ -30478,7 +32764,7 @@
           </p:nvSpPr>
           <p:spPr>
             <a:xfrm>
-              <a:off x="9028883" y="5259853"/>
+              <a:off x="9028883" y="4971820"/>
               <a:ext cx="360040" cy="511568"/>
             </a:xfrm>
             <a:prstGeom prst="rect">
@@ -30533,7 +32819,7 @@
           </p:nvSpPr>
           <p:spPr>
             <a:xfrm>
-              <a:off x="9388923" y="5259853"/>
+              <a:off x="9388923" y="4971820"/>
               <a:ext cx="360040" cy="511568"/>
             </a:xfrm>
             <a:prstGeom prst="rect">
@@ -30588,7 +32874,7 @@
           </p:nvSpPr>
           <p:spPr>
             <a:xfrm>
-              <a:off x="9748963" y="5259853"/>
+              <a:off x="9748963" y="4971820"/>
               <a:ext cx="360040" cy="511568"/>
             </a:xfrm>
             <a:prstGeom prst="rect">
@@ -30643,7 +32929,7 @@
           </p:nvSpPr>
           <p:spPr>
             <a:xfrm>
-              <a:off x="10612760" y="5251894"/>
+              <a:off x="10612760" y="4963861"/>
               <a:ext cx="1115033" cy="511568"/>
             </a:xfrm>
             <a:prstGeom prst="rect">
@@ -30698,7 +32984,7 @@
           </p:nvSpPr>
           <p:spPr>
             <a:xfrm>
-              <a:off x="10200456" y="5309015"/>
+              <a:off x="10200456" y="5020982"/>
               <a:ext cx="311304" cy="369332"/>
             </a:xfrm>
             <a:prstGeom prst="rect">
@@ -30729,7 +33015,7 @@
           </p:nvSpPr>
           <p:spPr>
             <a:xfrm>
-              <a:off x="8205892" y="5913826"/>
+              <a:off x="8205892" y="5625793"/>
               <a:ext cx="849913" cy="369332"/>
             </a:xfrm>
             <a:prstGeom prst="rect">
@@ -30758,7 +33044,7 @@
           </p:nvSpPr>
           <p:spPr>
             <a:xfrm>
-              <a:off x="10766158" y="5939988"/>
+              <a:off x="10766158" y="5651955"/>
               <a:ext cx="808235" cy="369332"/>
             </a:xfrm>
             <a:prstGeom prst="rect">
@@ -30789,7 +33075,7 @@
           </p:nvCxnSpPr>
           <p:spPr>
             <a:xfrm flipV="1">
-              <a:off x="7102348" y="5085185"/>
+              <a:off x="7102348" y="4797152"/>
               <a:ext cx="4878564" cy="10726"/>
             </a:xfrm>
             <a:prstGeom prst="line">
@@ -31268,16 +33554,16 @@
         </p:sp>
         <p:sp>
           <p:nvSpPr>
-            <p:cNvPr id="65" name="Retângulo 64"/>
+            <p:cNvPr id="65" name="Retângulo: Cantos Arredondados 64"/>
             <p:cNvSpPr/>
             <p:nvPr/>
           </p:nvSpPr>
           <p:spPr>
             <a:xfrm>
-              <a:off x="6319101" y="3802162"/>
-              <a:ext cx="564578" cy="369332"/>
+              <a:off x="6284799" y="3802162"/>
+              <a:ext cx="724638" cy="408623"/>
             </a:xfrm>
-            <a:prstGeom prst="rect">
+            <a:prstGeom prst="roundRect">
               <a:avLst/>
             </a:prstGeom>
             <a:ln>
@@ -31287,11 +33573,12 @@
             </a:ln>
           </p:spPr>
           <p:txBody>
-            <a:bodyPr wrap="none">
+            <a:bodyPr wrap="square">
               <a:spAutoFit/>
             </a:bodyPr>
             <a:lstStyle/>
             <a:p>
+              <a:pPr algn="ctr"/>
               <a:r>
                 <a:rPr lang="pt-BR" dirty="0">
                   <a:latin typeface="+mj-lt"/>
@@ -31313,8 +33600,8 @@
           </p:nvCxnSpPr>
           <p:spPr>
             <a:xfrm flipH="1">
-              <a:off x="6883679" y="3647335"/>
-              <a:ext cx="345004" cy="339493"/>
+              <a:off x="7009437" y="3647335"/>
+              <a:ext cx="219246" cy="359139"/>
             </a:xfrm>
             <a:prstGeom prst="line">
               <a:avLst/>
@@ -31352,8 +33639,8 @@
           </p:nvCxnSpPr>
           <p:spPr>
             <a:xfrm flipH="1" flipV="1">
-              <a:off x="6883679" y="3986828"/>
-              <a:ext cx="345004" cy="359150"/>
+              <a:off x="7009437" y="4006474"/>
+              <a:ext cx="219246" cy="339504"/>
             </a:xfrm>
             <a:prstGeom prst="line">
               <a:avLst/>
@@ -31449,6 +33736,82 @@
             </a:p>
           </p:txBody>
         </p:sp>
+        <p:sp>
+          <p:nvSpPr>
+            <p:cNvPr id="81" name="CaixaDeTexto 80">
+              <a:extLst>
+                <a:ext uri="{FF2B5EF4-FFF2-40B4-BE49-F238E27FC236}">
+                  <a16:creationId xmlns:a16="http://schemas.microsoft.com/office/drawing/2014/main" id="{963800F3-E857-4857-B49E-9E2A3B480642}"/>
+                </a:ext>
+              </a:extLst>
+            </p:cNvPr>
+            <p:cNvSpPr txBox="1"/>
+            <p:nvPr/>
+          </p:nvSpPr>
+          <p:spPr>
+            <a:xfrm>
+              <a:off x="10202936" y="2104368"/>
+              <a:ext cx="311304" cy="369332"/>
+            </a:xfrm>
+            <a:prstGeom prst="rect">
+              <a:avLst/>
+            </a:prstGeom>
+            <a:noFill/>
+          </p:spPr>
+          <p:txBody>
+            <a:bodyPr wrap="none" rtlCol="0">
+              <a:spAutoFit/>
+            </a:bodyPr>
+            <a:lstStyle/>
+            <a:p>
+              <a:r>
+                <a:rPr lang="pt-BR" dirty="0">
+                  <a:latin typeface="+mj-lt"/>
+                </a:rPr>
+                <a:t>1</a:t>
+              </a:r>
+            </a:p>
+          </p:txBody>
+        </p:sp>
+        <p:sp>
+          <p:nvSpPr>
+            <p:cNvPr id="82" name="CaixaDeTexto 81">
+              <a:extLst>
+                <a:ext uri="{FF2B5EF4-FFF2-40B4-BE49-F238E27FC236}">
+                  <a16:creationId xmlns:a16="http://schemas.microsoft.com/office/drawing/2014/main" id="{62B712D7-0560-47F1-911A-217E33AEACD9}"/>
+                </a:ext>
+              </a:extLst>
+            </p:cNvPr>
+            <p:cNvSpPr txBox="1"/>
+            <p:nvPr/>
+          </p:nvSpPr>
+          <p:spPr>
+            <a:xfrm>
+              <a:off x="6348117" y="2040745"/>
+              <a:ext cx="564578" cy="369332"/>
+            </a:xfrm>
+            <a:prstGeom prst="rect">
+              <a:avLst/>
+            </a:prstGeom>
+            <a:noFill/>
+          </p:spPr>
+          <p:txBody>
+            <a:bodyPr wrap="square">
+              <a:spAutoFit/>
+            </a:bodyPr>
+            <a:lstStyle/>
+            <a:p>
+              <a:pPr algn="ctr"/>
+              <a:r>
+                <a:rPr lang="pt-BR" sz="1800" dirty="0">
+                  <a:latin typeface="+mj-lt"/>
+                </a:rPr>
+                <a:t>bit</a:t>
+              </a:r>
+              <a:endParaRPr lang="pt-BR" dirty="0"/>
+            </a:p>
+          </p:txBody>
+        </p:sp>
       </p:grpSp>
     </p:spTree>
     <p:extLst>
@@ -31648,17 +34011,6 @@
           </a:p>
           <a:p>
             <a:r>
-              <a:rPr lang="pt-BR" sz="1600" dirty="0" err="1">
-                <a:solidFill>
-                  <a:schemeClr val="accent3">
-                    <a:lumMod val="75000"/>
-                  </a:schemeClr>
-                </a:solidFill>
-                <a:latin typeface="+mj-lt"/>
-              </a:rPr>
-              <a:t>unsigned</a:t>
-            </a:r>
-            <a:r>
               <a:rPr lang="pt-BR" sz="1600" dirty="0">
                 <a:solidFill>
                   <a:schemeClr val="accent3">
@@ -31667,7 +34019,7 @@
                 </a:solidFill>
                 <a:latin typeface="+mj-lt"/>
               </a:rPr>
-              <a:t> char </a:t>
+              <a:t>unsigned char </a:t>
             </a:r>
             <a:r>
               <a:rPr lang="pt-BR" sz="1600" dirty="0">
@@ -31688,7 +34040,7 @@
           </a:p>
           <a:p>
             <a:r>
-              <a:rPr lang="pt-BR" sz="1600" dirty="0" err="1">
+              <a:rPr lang="pt-BR" sz="1600" dirty="0">
                 <a:solidFill>
                   <a:schemeClr val="accent3">
                     <a:lumMod val="75000"/>
@@ -31911,10 +34263,10 @@
       </p:sp>
       <p:grpSp>
         <p:nvGrpSpPr>
-          <p:cNvPr id="21" name="Agrupar 20">
+          <p:cNvPr id="27" name="Agrupar 26">
             <a:extLst>
               <a:ext uri="{FF2B5EF4-FFF2-40B4-BE49-F238E27FC236}">
-                <a16:creationId xmlns:a16="http://schemas.microsoft.com/office/drawing/2014/main" id="{30DDF3E3-B527-4643-9AE7-2D3657470633}"/>
+                <a16:creationId xmlns:a16="http://schemas.microsoft.com/office/drawing/2014/main" id="{9CE23A8A-C4FB-4724-92B7-AAFBD2E6AFD3}"/>
               </a:ext>
             </a:extLst>
           </p:cNvPr>
@@ -31923,10 +34275,10 @@
         </p:nvGrpSpPr>
         <p:grpSpPr>
           <a:xfrm>
-            <a:off x="6140782" y="2415678"/>
-            <a:ext cx="5840130" cy="3893642"/>
+            <a:off x="6140782" y="2631702"/>
+            <a:ext cx="5840130" cy="3605610"/>
             <a:chOff x="6140782" y="2415678"/>
-            <a:chExt cx="5840130" cy="3893642"/>
+            <a:chExt cx="5840130" cy="3605610"/>
           </a:xfrm>
         </p:grpSpPr>
         <p:sp>
@@ -33059,16 +35411,16 @@
         </p:sp>
         <p:sp>
           <p:nvSpPr>
-            <p:cNvPr id="46" name="Retângulo 45"/>
+            <p:cNvPr id="46" name="Retângulo: Cantos Arredondados 45"/>
             <p:cNvSpPr/>
             <p:nvPr/>
           </p:nvSpPr>
           <p:spPr>
             <a:xfrm>
               <a:off x="6140782" y="3126537"/>
-              <a:ext cx="691215" cy="369332"/>
+              <a:ext cx="724639" cy="408623"/>
             </a:xfrm>
-            <a:prstGeom prst="rect">
+            <a:prstGeom prst="roundRect">
               <a:avLst/>
             </a:prstGeom>
             <a:solidFill>
@@ -33106,14 +35458,13 @@
             <p:cNvCxnSpPr>
               <a:cxnSpLocks/>
               <a:stCxn id="5" idx="1"/>
-              <a:endCxn id="46" idx="3"/>
             </p:cNvCxnSpPr>
             <p:nvPr/>
           </p:nvCxnSpPr>
           <p:spPr>
             <a:xfrm flipH="1">
-              <a:off x="6831997" y="3003904"/>
-              <a:ext cx="252670" cy="307299"/>
+              <a:off x="6865421" y="3003904"/>
+              <a:ext cx="219246" cy="326945"/>
             </a:xfrm>
             <a:prstGeom prst="line">
               <a:avLst/>
@@ -33147,14 +35498,13 @@
             <p:cNvCxnSpPr>
               <a:cxnSpLocks/>
               <a:stCxn id="35" idx="1"/>
-              <a:endCxn id="46" idx="3"/>
             </p:cNvCxnSpPr>
             <p:nvPr/>
           </p:nvCxnSpPr>
           <p:spPr>
             <a:xfrm flipH="1" flipV="1">
-              <a:off x="6831997" y="3311203"/>
-              <a:ext cx="252670" cy="354284"/>
+              <a:off x="6865421" y="3330849"/>
+              <a:ext cx="219246" cy="334638"/>
             </a:xfrm>
             <a:prstGeom prst="line">
               <a:avLst/>
@@ -33190,7 +35540,7 @@
           </p:nvSpPr>
           <p:spPr>
             <a:xfrm>
-              <a:off x="7084667" y="5259853"/>
+              <a:off x="7084667" y="4971821"/>
               <a:ext cx="360040" cy="511568"/>
             </a:xfrm>
             <a:prstGeom prst="rect">
@@ -33245,7 +35595,7 @@
           </p:nvSpPr>
           <p:spPr>
             <a:xfrm>
-              <a:off x="7444707" y="5259853"/>
+              <a:off x="7444707" y="4971821"/>
               <a:ext cx="360040" cy="511568"/>
             </a:xfrm>
             <a:prstGeom prst="rect">
@@ -33300,7 +35650,7 @@
           </p:nvSpPr>
           <p:spPr>
             <a:xfrm>
-              <a:off x="7804747" y="5259853"/>
+              <a:off x="7804747" y="4971821"/>
               <a:ext cx="360040" cy="511568"/>
             </a:xfrm>
             <a:prstGeom prst="rect">
@@ -33355,7 +35705,7 @@
           </p:nvSpPr>
           <p:spPr>
             <a:xfrm>
-              <a:off x="8164787" y="5259853"/>
+              <a:off x="8164787" y="4971821"/>
               <a:ext cx="360040" cy="511568"/>
             </a:xfrm>
             <a:prstGeom prst="rect">
@@ -33410,7 +35760,7 @@
           </p:nvSpPr>
           <p:spPr>
             <a:xfrm>
-              <a:off x="8524827" y="5259853"/>
+              <a:off x="8524827" y="4971821"/>
               <a:ext cx="360040" cy="511568"/>
             </a:xfrm>
             <a:prstGeom prst="rect">
@@ -33465,7 +35815,7 @@
           </p:nvSpPr>
           <p:spPr>
             <a:xfrm>
-              <a:off x="8884867" y="5259853"/>
+              <a:off x="8884867" y="4971821"/>
               <a:ext cx="360040" cy="511568"/>
             </a:xfrm>
             <a:prstGeom prst="rect">
@@ -33520,7 +35870,7 @@
           </p:nvSpPr>
           <p:spPr>
             <a:xfrm>
-              <a:off x="9244907" y="5259853"/>
+              <a:off x="9244907" y="4971821"/>
               <a:ext cx="360040" cy="511568"/>
             </a:xfrm>
             <a:prstGeom prst="rect">
@@ -33575,7 +35925,7 @@
           </p:nvSpPr>
           <p:spPr>
             <a:xfrm>
-              <a:off x="9604947" y="5259853"/>
+              <a:off x="9604947" y="4971821"/>
               <a:ext cx="360040" cy="511568"/>
             </a:xfrm>
             <a:prstGeom prst="rect">
@@ -33630,7 +35980,7 @@
           </p:nvSpPr>
           <p:spPr>
             <a:xfrm>
-              <a:off x="10612760" y="5251894"/>
+              <a:off x="10612760" y="4963862"/>
               <a:ext cx="1115033" cy="511568"/>
             </a:xfrm>
             <a:prstGeom prst="rect">
@@ -33685,7 +36035,7 @@
           </p:nvSpPr>
           <p:spPr>
             <a:xfrm>
-              <a:off x="10133221" y="5291879"/>
+              <a:off x="10133221" y="5003847"/>
               <a:ext cx="311304" cy="369332"/>
             </a:xfrm>
             <a:prstGeom prst="rect">
@@ -33716,7 +36066,7 @@
           </p:nvSpPr>
           <p:spPr>
             <a:xfrm>
-              <a:off x="8061876" y="5913826"/>
+              <a:off x="8061876" y="5625794"/>
               <a:ext cx="849913" cy="369332"/>
             </a:xfrm>
             <a:prstGeom prst="rect">
@@ -33745,7 +36095,7 @@
           </p:nvSpPr>
           <p:spPr>
             <a:xfrm>
-              <a:off x="10766158" y="5939988"/>
+              <a:off x="10766158" y="5651956"/>
               <a:ext cx="808235" cy="369332"/>
             </a:xfrm>
             <a:prstGeom prst="rect">
@@ -33774,7 +36124,7 @@
           </p:nvCxnSpPr>
           <p:spPr>
             <a:xfrm flipV="1">
-              <a:off x="6580312" y="5085184"/>
+              <a:off x="6580312" y="4797152"/>
               <a:ext cx="5400600" cy="11875"/>
             </a:xfrm>
             <a:prstGeom prst="line">
@@ -34253,16 +36603,16 @@
         </p:sp>
         <p:sp>
           <p:nvSpPr>
-            <p:cNvPr id="65" name="Retângulo 64"/>
+            <p:cNvPr id="65" name="Retângulo: Cantos Arredondados 64"/>
             <p:cNvSpPr/>
             <p:nvPr/>
           </p:nvSpPr>
           <p:spPr>
             <a:xfrm>
-              <a:off x="6175085" y="3802162"/>
-              <a:ext cx="564578" cy="369332"/>
+              <a:off x="6140782" y="3802162"/>
+              <a:ext cx="724639" cy="408623"/>
             </a:xfrm>
-            <a:prstGeom prst="rect">
+            <a:prstGeom prst="roundRect">
               <a:avLst/>
             </a:prstGeom>
             <a:ln>
@@ -34272,11 +36622,12 @@
             </a:ln>
           </p:spPr>
           <p:txBody>
-            <a:bodyPr wrap="none">
+            <a:bodyPr wrap="square">
               <a:spAutoFit/>
             </a:bodyPr>
             <a:lstStyle/>
             <a:p>
+              <a:pPr algn="ctr"/>
               <a:r>
                 <a:rPr lang="pt-BR" dirty="0">
                   <a:latin typeface="+mj-lt"/>
@@ -34292,14 +36643,13 @@
             <p:cNvCxnSpPr>
               <a:cxnSpLocks/>
               <a:stCxn id="35" idx="1"/>
-              <a:endCxn id="65" idx="3"/>
             </p:cNvCxnSpPr>
             <p:nvPr/>
           </p:nvCxnSpPr>
           <p:spPr>
             <a:xfrm flipH="1">
-              <a:off x="6739663" y="3665487"/>
-              <a:ext cx="345004" cy="321341"/>
+              <a:off x="6865421" y="3665487"/>
+              <a:ext cx="219246" cy="340987"/>
             </a:xfrm>
             <a:prstGeom prst="line">
               <a:avLst/>
@@ -34331,14 +36681,13 @@
             <p:cNvCxnSpPr>
               <a:cxnSpLocks/>
               <a:stCxn id="57" idx="1"/>
-              <a:endCxn id="65" idx="3"/>
             </p:cNvCxnSpPr>
             <p:nvPr/>
           </p:nvCxnSpPr>
           <p:spPr>
             <a:xfrm flipH="1" flipV="1">
-              <a:off x="6739663" y="3986828"/>
-              <a:ext cx="345004" cy="359150"/>
+              <a:off x="6865421" y="4006474"/>
+              <a:ext cx="219246" cy="339504"/>
             </a:xfrm>
             <a:prstGeom prst="line">
               <a:avLst/>
@@ -34434,6 +36783,82 @@
             </a:p>
           </p:txBody>
         </p:sp>
+        <p:sp>
+          <p:nvSpPr>
+            <p:cNvPr id="83" name="CaixaDeTexto 82">
+              <a:extLst>
+                <a:ext uri="{FF2B5EF4-FFF2-40B4-BE49-F238E27FC236}">
+                  <a16:creationId xmlns:a16="http://schemas.microsoft.com/office/drawing/2014/main" id="{C0156225-6E6C-494B-928A-D06697D59C20}"/>
+                </a:ext>
+              </a:extLst>
+            </p:cNvPr>
+            <p:cNvSpPr txBox="1"/>
+            <p:nvPr/>
+          </p:nvSpPr>
+          <p:spPr>
+            <a:xfrm>
+              <a:off x="10129503" y="2812820"/>
+              <a:ext cx="311304" cy="369332"/>
+            </a:xfrm>
+            <a:prstGeom prst="rect">
+              <a:avLst/>
+            </a:prstGeom>
+            <a:noFill/>
+          </p:spPr>
+          <p:txBody>
+            <a:bodyPr wrap="none" rtlCol="0">
+              <a:spAutoFit/>
+            </a:bodyPr>
+            <a:lstStyle/>
+            <a:p>
+              <a:r>
+                <a:rPr lang="pt-BR" dirty="0">
+                  <a:latin typeface="+mj-lt"/>
+                </a:rPr>
+                <a:t>1</a:t>
+              </a:r>
+            </a:p>
+          </p:txBody>
+        </p:sp>
+        <p:sp>
+          <p:nvSpPr>
+            <p:cNvPr id="84" name="CaixaDeTexto 83">
+              <a:extLst>
+                <a:ext uri="{FF2B5EF4-FFF2-40B4-BE49-F238E27FC236}">
+                  <a16:creationId xmlns:a16="http://schemas.microsoft.com/office/drawing/2014/main" id="{443AD059-5F07-4D49-A1F1-6B363B5CA3E1}"/>
+                </a:ext>
+              </a:extLst>
+            </p:cNvPr>
+            <p:cNvSpPr txBox="1"/>
+            <p:nvPr/>
+          </p:nvSpPr>
+          <p:spPr>
+            <a:xfrm>
+              <a:off x="6204100" y="2722472"/>
+              <a:ext cx="564578" cy="369332"/>
+            </a:xfrm>
+            <a:prstGeom prst="rect">
+              <a:avLst/>
+            </a:prstGeom>
+            <a:noFill/>
+          </p:spPr>
+          <p:txBody>
+            <a:bodyPr wrap="square">
+              <a:spAutoFit/>
+            </a:bodyPr>
+            <a:lstStyle/>
+            <a:p>
+              <a:pPr algn="ctr"/>
+              <a:r>
+                <a:rPr lang="pt-BR" sz="1800" dirty="0">
+                  <a:latin typeface="+mj-lt"/>
+                </a:rPr>
+                <a:t>bit</a:t>
+              </a:r>
+              <a:endParaRPr lang="pt-BR" dirty="0"/>
+            </a:p>
+          </p:txBody>
+        </p:sp>
       </p:grpSp>
     </p:spTree>
     <p:extLst>
@@ -34520,7 +36945,14 @@
             </a:r>
             <a:r>
               <a:rPr lang="pt-BR" dirty="0"/>
-              <a:t>se distinguem pela natureza dos valores armazenados:</a:t>
+              <a:t>se distinguem </a:t>
+            </a:r>
+            <a:br>
+              <a:rPr lang="pt-BR" dirty="0"/>
+            </a:br>
+            <a:r>
+              <a:rPr lang="pt-BR" dirty="0"/>
+              <a:t>pela natureza dos valores armazenados:</a:t>
             </a:r>
           </a:p>
           <a:p>
@@ -34543,8 +36975,19 @@
               <a:rPr lang="pt-BR" dirty="0"/>
             </a:br>
             <a:r>
+              <a:rPr lang="pt-BR" dirty="0">
+                <a:solidFill>
+                  <a:schemeClr val="accent3">
+                    <a:lumMod val="40000"/>
+                    <a:lumOff val="60000"/>
+                  </a:schemeClr>
+                </a:solidFill>
+              </a:rPr>
+              <a:t>Ex.:</a:t>
+            </a:r>
+            <a:r>
               <a:rPr lang="pt-BR" dirty="0"/>
-              <a:t>Ex.: </a:t>
+              <a:t> </a:t>
             </a:r>
             <a:r>
               <a:rPr lang="pt-BR" sz="2400" dirty="0">
@@ -34576,8 +37019,19 @@
               <a:rPr lang="pt-BR" dirty="0"/>
             </a:br>
             <a:r>
+              <a:rPr lang="pt-BR" dirty="0">
+                <a:solidFill>
+                  <a:schemeClr val="accent3">
+                    <a:lumMod val="40000"/>
+                    <a:lumOff val="60000"/>
+                  </a:schemeClr>
+                </a:solidFill>
+              </a:rPr>
+              <a:t>Ex.:</a:t>
+            </a:r>
+            <a:r>
               <a:rPr lang="pt-BR" dirty="0"/>
-              <a:t>Ex.: </a:t>
+              <a:t> </a:t>
             </a:r>
             <a:r>
               <a:rPr lang="pt-BR" sz="2400" dirty="0">
@@ -34614,8 +37068,19 @@
               <a:rPr lang="pt-BR" dirty="0"/>
             </a:br>
             <a:r>
+              <a:rPr lang="pt-BR" dirty="0">
+                <a:solidFill>
+                  <a:schemeClr val="accent3">
+                    <a:lumMod val="40000"/>
+                    <a:lumOff val="60000"/>
+                  </a:schemeClr>
+                </a:solidFill>
+              </a:rPr>
+              <a:t>Ex.:</a:t>
+            </a:r>
+            <a:r>
               <a:rPr lang="pt-BR" dirty="0"/>
-              <a:t>Ex.: </a:t>
+              <a:t> </a:t>
             </a:r>
             <a:r>
               <a:rPr lang="pt-BR" sz="2400" dirty="0">
@@ -34644,8 +37109,19 @@
               <a:rPr lang="pt-BR" dirty="0"/>
             </a:br>
             <a:r>
+              <a:rPr lang="pt-BR" dirty="0">
+                <a:solidFill>
+                  <a:schemeClr val="accent3">
+                    <a:lumMod val="40000"/>
+                    <a:lumOff val="60000"/>
+                  </a:schemeClr>
+                </a:solidFill>
+              </a:rPr>
+              <a:t>Ex.:</a:t>
+            </a:r>
+            <a:r>
               <a:rPr lang="pt-BR" dirty="0"/>
-              <a:t>Ex.: </a:t>
+              <a:t> </a:t>
             </a:r>
             <a:r>
               <a:rPr lang="pt-BR" sz="2400" dirty="0">
@@ -36151,7 +38627,12 @@
             <p:ph idx="1"/>
           </p:nvPr>
         </p:nvSpPr>
-        <p:spPr/>
+        <p:spPr>
+          <a:xfrm>
+            <a:off x="1219200" y="1783560"/>
+            <a:ext cx="10363200" cy="4572000"/>
+          </a:xfrm>
+        </p:spPr>
         <p:txBody>
           <a:bodyPr>
             <a:normAutofit/>
@@ -36189,7 +38670,14 @@
             </a:r>
             <a:r>
               <a:rPr lang="pt-BR" dirty="0"/>
-              <a:t>usando uma codificação numérica estabelecida pela </a:t>
+              <a:t>usando </a:t>
+            </a:r>
+            <a:br>
+              <a:rPr lang="pt-BR" dirty="0"/>
+            </a:br>
+            <a:r>
+              <a:rPr lang="pt-BR" dirty="0"/>
+              <a:t>uma codificação numérica estabelecida pela </a:t>
             </a:r>
             <a:r>
               <a:rPr lang="pt-BR" dirty="0">
@@ -36248,12 +38736,15 @@
               </a:rPr>
               <a:t>caracteres especiais </a:t>
             </a:r>
+          </a:p>
+          <a:p>
+            <a:pPr lvl="1"/>
             <a:r>
               <a:rPr lang="pt-BR" dirty="0"/>
-              <a:t>utilizando a barra invertida (</a:t>
-            </a:r>
-            <a:r>
-              <a:rPr lang="pt-BR" sz="2800" dirty="0">
+              <a:t>Utilizam a barra invertida: </a:t>
+            </a:r>
+            <a:r>
+              <a:rPr lang="pt-BR" sz="2400" dirty="0">
                 <a:solidFill>
                   <a:schemeClr val="accent2">
                     <a:lumMod val="60000"/>
@@ -36264,7 +38755,7 @@
               <a:t>'</a:t>
             </a:r>
             <a:r>
-              <a:rPr lang="pt-BR" sz="2800" dirty="0">
+              <a:rPr lang="pt-BR" sz="2400" dirty="0">
                 <a:solidFill>
                   <a:schemeClr val="accent2">
                     <a:lumMod val="60000"/>
@@ -36280,7 +38771,7 @@
               <a:t>, </a:t>
             </a:r>
             <a:r>
-              <a:rPr lang="pt-BR" sz="2800" dirty="0">
+              <a:rPr lang="pt-BR" sz="2400" dirty="0">
                 <a:solidFill>
                   <a:schemeClr val="accent2">
                     <a:lumMod val="60000"/>
@@ -36291,7 +38782,7 @@
               <a:t>'</a:t>
             </a:r>
             <a:r>
-              <a:rPr lang="pt-BR" sz="2800" dirty="0">
+              <a:rPr lang="pt-BR" sz="2400" dirty="0">
                 <a:solidFill>
                   <a:schemeClr val="accent2">
                     <a:lumMod val="60000"/>
@@ -36307,7 +38798,7 @@
               <a:t>, </a:t>
             </a:r>
             <a:r>
-              <a:rPr lang="pt-BR" sz="2800" dirty="0">
+              <a:rPr lang="pt-BR" sz="2400" dirty="0">
                 <a:solidFill>
                   <a:schemeClr val="accent2">
                     <a:lumMod val="60000"/>
@@ -36318,7 +38809,7 @@
               <a:t>'</a:t>
             </a:r>
             <a:r>
-              <a:rPr lang="pt-BR" sz="2800" dirty="0">
+              <a:rPr lang="pt-BR" sz="2400" dirty="0">
                 <a:solidFill>
                   <a:schemeClr val="accent2">
                     <a:lumMod val="60000"/>
@@ -36334,7 +38825,7 @@
               <a:t>, </a:t>
             </a:r>
             <a:r>
-              <a:rPr lang="pt-BR" sz="2800" dirty="0">
+              <a:rPr lang="pt-BR" sz="2400" dirty="0">
                 <a:solidFill>
                   <a:schemeClr val="accent2">
                     <a:lumMod val="60000"/>
@@ -36345,7 +38836,7 @@
               <a:t>'</a:t>
             </a:r>
             <a:r>
-              <a:rPr lang="pt-BR" sz="2800" dirty="0">
+              <a:rPr lang="pt-BR" sz="2400" dirty="0">
                 <a:solidFill>
                   <a:schemeClr val="accent2">
                     <a:lumMod val="60000"/>
@@ -36358,7 +38849,7 @@
             </a:r>
             <a:r>
               <a:rPr lang="pt-BR" dirty="0"/>
-              <a:t>, etc.)</a:t>
+              <a:t>, etc.</a:t>
             </a:r>
             <a:endParaRPr lang="pt-BR" dirty="0">
               <a:solidFill>
@@ -36643,7 +39134,7 @@
             </a:r>
             <a:r>
               <a:rPr lang="pt-BR" dirty="0"/>
-              <a:t>são: </a:t>
+              <a:t> </a:t>
             </a:r>
             <a:r>
               <a:rPr lang="pt-BR" dirty="0">
@@ -36653,7 +39144,7 @@
             </a:r>
             <a:r>
               <a:rPr lang="pt-BR" dirty="0"/>
-              <a:t>, </a:t>
+              <a:t>  </a:t>
             </a:r>
             <a:r>
               <a:rPr lang="pt-BR" dirty="0">
@@ -36663,7 +39154,7 @@
             </a:r>
             <a:r>
               <a:rPr lang="pt-BR" dirty="0"/>
-              <a:t>, </a:t>
+              <a:t>  </a:t>
             </a:r>
             <a:r>
               <a:rPr lang="pt-BR" dirty="0">
@@ -36673,7 +39164,7 @@
             </a:r>
             <a:r>
               <a:rPr lang="pt-BR" dirty="0"/>
-              <a:t>, </a:t>
+              <a:t>  </a:t>
             </a:r>
             <a:r>
               <a:rPr lang="pt-BR" dirty="0">
@@ -36683,7 +39174,7 @@
             </a:r>
             <a:r>
               <a:rPr lang="pt-BR" dirty="0"/>
-              <a:t>, </a:t>
+              <a:t>  </a:t>
             </a:r>
             <a:r>
               <a:rPr lang="pt-BR" dirty="0">
@@ -36693,7 +39184,7 @@
             </a:r>
             <a:r>
               <a:rPr lang="pt-BR" dirty="0"/>
-              <a:t>, </a:t>
+              <a:t>  </a:t>
             </a:r>
             <a:r>
               <a:rPr lang="pt-BR" dirty="0">
@@ -36706,45 +39197,14 @@
             <a:pPr lvl="1"/>
             <a:r>
               <a:rPr lang="pt-BR" dirty="0"/>
-              <a:t>Eles podem ser usados para manipular os bits de valores inteiros</a:t>
-            </a:r>
-          </a:p>
-          <a:p>
-            <a:pPr lvl="1"/>
+              <a:t>Podem ser usados para manipular os bits de valores inteiros</a:t>
+            </a:r>
+          </a:p>
+          <a:p>
+            <a:pPr lvl="2"/>
             <a:r>
               <a:rPr lang="pt-BR" dirty="0"/>
               <a:t>Recomenda-se utilizar valores </a:t>
-            </a:r>
-            <a:r>
-              <a:rPr lang="pt-BR" dirty="0" err="1">
-                <a:solidFill>
-                  <a:schemeClr val="accent3">
-                    <a:lumMod val="75000"/>
-                  </a:schemeClr>
-                </a:solidFill>
-              </a:rPr>
-              <a:t>unsigned</a:t>
-            </a:r>
-            <a:r>
-              <a:rPr lang="pt-BR" dirty="0"/>
-              <a:t> (sem sinal)</a:t>
-            </a:r>
-          </a:p>
-          <a:p>
-            <a:pPr lvl="1"/>
-            <a:r>
-              <a:rPr lang="pt-BR" dirty="0"/>
-              <a:t>O tipo </a:t>
-            </a:r>
-            <a:r>
-              <a:rPr lang="pt-BR" dirty="0" err="1">
-                <a:solidFill>
-                  <a:schemeClr val="accent3">
-                    <a:lumMod val="75000"/>
-                  </a:schemeClr>
-                </a:solidFill>
-              </a:rPr>
-              <a:t>unsigned</a:t>
             </a:r>
             <a:r>
               <a:rPr lang="pt-BR" dirty="0">
@@ -36754,7 +39214,28 @@
                   </a:schemeClr>
                 </a:solidFill>
               </a:rPr>
-              <a:t> char</a:t>
+              <a:t>unsigned</a:t>
+            </a:r>
+            <a:r>
+              <a:rPr lang="pt-BR" dirty="0"/>
+              <a:t> (sem sinal)</a:t>
+            </a:r>
+          </a:p>
+          <a:p>
+            <a:pPr lvl="2"/>
+            <a:r>
+              <a:rPr lang="pt-BR" dirty="0"/>
+              <a:t>O tipo </a:t>
+            </a:r>
+            <a:r>
+              <a:rPr lang="pt-BR" dirty="0">
+                <a:solidFill>
+                  <a:schemeClr val="accent3">
+                    <a:lumMod val="75000"/>
+                  </a:schemeClr>
+                </a:solidFill>
+              </a:rPr>
+              <a:t>unsigned char</a:t>
             </a:r>
             <a:r>
               <a:rPr lang="pt-BR" dirty="0"/>
@@ -37028,7 +39509,14 @@
           <a:p>
             <a:r>
               <a:rPr lang="pt-BR" dirty="0"/>
-              <a:t>Todos os tipos inteiros são tipos com sinal, podem representar números </a:t>
+              <a:t>Todos os tipos inteiros são tipos com sinal, podem </a:t>
+            </a:r>
+            <a:br>
+              <a:rPr lang="pt-BR" dirty="0"/>
+            </a:br>
+            <a:r>
+              <a:rPr lang="pt-BR" dirty="0"/>
+              <a:t>representar números </a:t>
             </a:r>
             <a:r>
               <a:rPr lang="pt-BR" dirty="0">
@@ -37419,16 +39907,6 @@
               <a:t> para </a:t>
             </a:r>
             <a:r>
-              <a:rPr lang="pt-BR" dirty="0" err="1">
-                <a:solidFill>
-                  <a:schemeClr val="accent3">
-                    <a:lumMod val="75000"/>
-                  </a:schemeClr>
-                </a:solidFill>
-              </a:rPr>
-              <a:t>unsigned</a:t>
-            </a:r>
-            <a:r>
               <a:rPr lang="pt-BR" dirty="0">
                 <a:solidFill>
                   <a:schemeClr val="accent3">
@@ -37436,7 +39914,7 @@
                   </a:schemeClr>
                 </a:solidFill>
               </a:rPr>
-              <a:t> char</a:t>
+              <a:t>unsigned char</a:t>
             </a:r>
             <a:endParaRPr lang="pt-BR" dirty="0"/>
           </a:p>
@@ -37478,7 +39956,14 @@
             </a:r>
             <a:r>
               <a:rPr lang="pt-BR" dirty="0"/>
-              <a:t>que é utilizado para armazenar caracteres</a:t>
+              <a:t>que é utilizado </a:t>
+            </a:r>
+            <a:br>
+              <a:rPr lang="pt-BR" dirty="0"/>
+            </a:br>
+            <a:r>
+              <a:rPr lang="pt-BR" dirty="0"/>
+              <a:t>para armazenar caracteres</a:t>
             </a:r>
           </a:p>
           <a:p>
@@ -37704,7 +40189,21 @@
             </a:r>
             <a:r>
               <a:rPr lang="pt-BR" dirty="0"/>
-              <a:t>através de </a:t>
+              <a:t>com números</a:t>
+            </a:r>
+            <a:endParaRPr lang="pt-BR" dirty="0">
+              <a:solidFill>
+                <a:schemeClr val="accent3">
+                  <a:lumMod val="75000"/>
+                </a:schemeClr>
+              </a:solidFill>
+            </a:endParaRPr>
+          </a:p>
+          <a:p>
+            <a:pPr lvl="1"/>
+            <a:r>
+              <a:rPr lang="pt-BR" dirty="0"/>
+              <a:t>Um </a:t>
             </a:r>
             <a:r>
               <a:rPr lang="pt-BR" dirty="0">
@@ -37714,15 +40213,29 @@
                   </a:schemeClr>
                 </a:solidFill>
               </a:rPr>
-              <a:t>códigos numéricos</a:t>
-            </a:r>
-          </a:p>
-          <a:p>
-            <a:pPr lvl="1"/>
+              <a:t>conjunto de caracteres </a:t>
+            </a:r>
             <a:r>
               <a:rPr lang="pt-BR" dirty="0"/>
-              <a:t>Um </a:t>
-            </a:r>
+              <a:t>é mapeado para </a:t>
+            </a:r>
+            <a:br>
+              <a:rPr lang="pt-BR" dirty="0"/>
+            </a:br>
+            <a:r>
+              <a:rPr lang="pt-BR" dirty="0"/>
+              <a:t>uma faixa de números usando uma tabela</a:t>
+            </a:r>
+          </a:p>
+          <a:p>
+            <a:pPr lvl="2"/>
+            <a:r>
+              <a:rPr lang="pt-BR" dirty="0"/>
+              <a:t>Existem várias tabelas, como por exemplo:</a:t>
+            </a:r>
+          </a:p>
+          <a:p>
+            <a:pPr lvl="3"/>
             <a:r>
               <a:rPr lang="pt-BR" dirty="0">
                 <a:solidFill>
@@ -37731,33 +40244,22 @@
                   </a:schemeClr>
                 </a:solidFill>
               </a:rPr>
-              <a:t>conjunto de caracteres </a:t>
+              <a:t>EBCDIC </a:t>
             </a:r>
             <a:r>
               <a:rPr lang="pt-BR" dirty="0"/>
-              <a:t>é mapeado para uma faixa de </a:t>
-            </a:r>
-            <a:br>
-              <a:rPr lang="pt-BR" dirty="0"/>
-            </a:br>
-            <a:r>
-              <a:rPr lang="pt-BR" dirty="0"/>
-              <a:t>números usando uma tabela</a:t>
-            </a:r>
-          </a:p>
-          <a:p>
-            <a:pPr lvl="1"/>
-            <a:r>
-              <a:rPr lang="pt-BR" dirty="0"/>
-              <a:t>Existem várias tabelas:</a:t>
-            </a:r>
-          </a:p>
-          <a:p>
-            <a:pPr lvl="2"/>
-            <a:r>
-              <a:rPr lang="pt-BR" dirty="0"/>
-              <a:t> </a:t>
-            </a:r>
+              <a:t>(Mainframes IBM)</a:t>
+            </a:r>
+            <a:endParaRPr lang="pt-BR" dirty="0">
+              <a:solidFill>
+                <a:schemeClr val="accent3">
+                  <a:lumMod val="75000"/>
+                </a:schemeClr>
+              </a:solidFill>
+            </a:endParaRPr>
+          </a:p>
+          <a:p>
+            <a:pPr lvl="3"/>
             <a:r>
               <a:rPr lang="pt-BR" dirty="0">
                 <a:solidFill>
@@ -37766,12 +40268,15 @@
                   </a:schemeClr>
                 </a:solidFill>
               </a:rPr>
-              <a:t>EBCDIC</a:t>
+              <a:t>ASCII</a:t>
             </a:r>
             <a:r>
               <a:rPr lang="pt-BR" dirty="0"/>
-              <a:t> (Mainframes IBM),  </a:t>
-            </a:r>
+              <a:t> (padrão americano)</a:t>
+            </a:r>
+          </a:p>
+          <a:p>
+            <a:pPr lvl="3"/>
             <a:r>
               <a:rPr lang="pt-BR" dirty="0">
                 <a:solidFill>
@@ -37780,28 +40285,11 @@
                   </a:schemeClr>
                 </a:solidFill>
               </a:rPr>
-              <a:t>ASCII</a:t>
+              <a:t>Unicode</a:t>
             </a:r>
             <a:r>
               <a:rPr lang="pt-BR" dirty="0"/>
-              <a:t> (padrão americano), </a:t>
-            </a:r>
-            <a:br>
-              <a:rPr lang="pt-BR" dirty="0"/>
-            </a:br>
-            <a:r>
-              <a:rPr lang="pt-BR" dirty="0">
-                <a:solidFill>
-                  <a:schemeClr val="accent3">
-                    <a:lumMod val="75000"/>
-                  </a:schemeClr>
-                </a:solidFill>
-              </a:rPr>
-              <a:t>Unicode</a:t>
-            </a:r>
-            <a:r>
-              <a:rPr lang="pt-BR" dirty="0"/>
-              <a:t> (suporte internacional), etc.</a:t>
+              <a:t> (suporte internacional)</a:t>
             </a:r>
           </a:p>
           <a:p>
@@ -37872,6 +40360,50 @@
           <a:chExt cx="0" cy="0"/>
         </a:xfrm>
       </p:grpSpPr>
+      <p:pic>
+        <p:nvPicPr>
+          <p:cNvPr id="6" name="Espaço Reservado para Conteúdo 7" descr="extended_table.gif">
+            <a:extLst>
+              <a:ext uri="{FF2B5EF4-FFF2-40B4-BE49-F238E27FC236}">
+                <a16:creationId xmlns:a16="http://schemas.microsoft.com/office/drawing/2014/main" id="{8FD8FCF6-5C49-4EEC-9AA7-B2F68F7E07EE}"/>
+              </a:ext>
+            </a:extLst>
+          </p:cNvPr>
+          <p:cNvPicPr>
+            <a:picLocks noChangeAspect="1"/>
+          </p:cNvPicPr>
+          <p:nvPr/>
+        </p:nvPicPr>
+        <p:blipFill>
+          <a:blip r:embed="rId3" cstate="print"/>
+          <a:stretch>
+            <a:fillRect/>
+          </a:stretch>
+        </p:blipFill>
+        <p:spPr>
+          <a:xfrm>
+            <a:off x="5375920" y="3356992"/>
+            <a:ext cx="5441426" cy="3057835"/>
+          </a:xfrm>
+          <a:prstGeom prst="rect">
+            <a:avLst/>
+          </a:prstGeom>
+          <a:ln w="38100" cap="sq">
+            <a:solidFill>
+              <a:srgbClr val="000000"/>
+            </a:solidFill>
+            <a:prstDash val="solid"/>
+            <a:miter lim="800000"/>
+          </a:ln>
+          <a:effectLst>
+            <a:outerShdw blurRad="50800" dist="38100" dir="2700000" algn="tl" rotWithShape="0">
+              <a:srgbClr val="000000">
+                <a:alpha val="43000"/>
+              </a:srgbClr>
+            </a:outerShdw>
+          </a:effectLst>
+        </p:spPr>
+      </p:pic>
       <p:sp>
         <p:nvSpPr>
           <p:cNvPr id="2" name="Título 1"/>
@@ -37905,18 +40437,116 @@
           </p:nvPr>
         </p:nvPicPr>
         <p:blipFill>
-          <a:blip r:embed="rId3" cstate="print"/>
+          <a:blip r:embed="rId4" cstate="print"/>
           <a:stretch>
             <a:fillRect/>
           </a:stretch>
         </p:blipFill>
         <p:spPr>
           <a:xfrm>
-            <a:off x="2919413" y="1808163"/>
+            <a:off x="1415480" y="1628800"/>
             <a:ext cx="6810375" cy="4524375"/>
           </a:xfrm>
+          <a:prstGeom prst="rect">
+            <a:avLst/>
+          </a:prstGeom>
+          <a:ln w="38100" cap="sq">
+            <a:solidFill>
+              <a:srgbClr val="000000"/>
+            </a:solidFill>
+            <a:prstDash val="solid"/>
+            <a:miter lim="800000"/>
+          </a:ln>
+          <a:effectLst>
+            <a:outerShdw blurRad="50800" dist="38100" dir="2700000" algn="tl" rotWithShape="0">
+              <a:srgbClr val="000000">
+                <a:alpha val="43000"/>
+              </a:srgbClr>
+            </a:outerShdw>
+          </a:effectLst>
         </p:spPr>
       </p:pic>
+      <p:sp>
+        <p:nvSpPr>
+          <p:cNvPr id="3" name="CaixaDeTexto 2">
+            <a:extLst>
+              <a:ext uri="{FF2B5EF4-FFF2-40B4-BE49-F238E27FC236}">
+                <a16:creationId xmlns:a16="http://schemas.microsoft.com/office/drawing/2014/main" id="{A3B841EC-7826-420F-B3F0-0F9D6129FEEF}"/>
+              </a:ext>
+            </a:extLst>
+          </p:cNvPr>
+          <p:cNvSpPr txBox="1"/>
+          <p:nvPr/>
+        </p:nvSpPr>
+        <p:spPr>
+          <a:xfrm>
+            <a:off x="8328248" y="1628800"/>
+            <a:ext cx="1757212" cy="1138773"/>
+          </a:xfrm>
+          <a:prstGeom prst="rect">
+            <a:avLst/>
+          </a:prstGeom>
+          <a:noFill/>
+        </p:spPr>
+        <p:txBody>
+          <a:bodyPr wrap="none" rtlCol="0">
+            <a:spAutoFit/>
+          </a:bodyPr>
+          <a:lstStyle/>
+          <a:p>
+            <a:r>
+              <a:rPr lang="pt-BR" sz="2800" dirty="0">
+                <a:solidFill>
+                  <a:schemeClr val="accent3">
+                    <a:lumMod val="20000"/>
+                    <a:lumOff val="80000"/>
+                  </a:schemeClr>
+                </a:solidFill>
+              </a:rPr>
+              <a:t>Original</a:t>
+            </a:r>
+          </a:p>
+          <a:p>
+            <a:r>
+              <a:rPr lang="pt-BR" sz="2000" dirty="0">
+                <a:solidFill>
+                  <a:schemeClr val="accent3">
+                    <a:lumMod val="20000"/>
+                    <a:lumOff val="80000"/>
+                  </a:schemeClr>
+                </a:solidFill>
+                <a:latin typeface="+mj-lt"/>
+              </a:rPr>
+              <a:t>Formada por</a:t>
+            </a:r>
+          </a:p>
+          <a:p>
+            <a:r>
+              <a:rPr lang="pt-BR" sz="2000" dirty="0">
+                <a:solidFill>
+                  <a:schemeClr val="accent3">
+                    <a:lumMod val="20000"/>
+                    <a:lumOff val="80000"/>
+                  </a:schemeClr>
+                </a:solidFill>
+                <a:latin typeface="+mj-lt"/>
+              </a:rPr>
+              <a:t>128</a:t>
+            </a:r>
+            <a:r>
+              <a:rPr lang="pt-BR" sz="2000" dirty="0">
+                <a:solidFill>
+                  <a:schemeClr val="accent3">
+                    <a:lumMod val="20000"/>
+                    <a:lumOff val="80000"/>
+                  </a:schemeClr>
+                </a:solidFill>
+              </a:rPr>
+              <a:t> caracteres</a:t>
+            </a:r>
+          </a:p>
+        </p:txBody>
+      </p:sp>
     </p:spTree>
   </p:cSld>
   <p:clrMapOvr>
@@ -37959,14 +40589,14 @@
           <a:p>
             <a:r>
               <a:rPr lang="pt-BR" dirty="0"/>
-              <a:t>Tabela ASCII Estendida</a:t>
+              <a:t>Tabela ASCII</a:t>
             </a:r>
           </a:p>
         </p:txBody>
       </p:sp>
       <p:pic>
         <p:nvPicPr>
-          <p:cNvPr id="8" name="Espaço Reservado para Conteúdo 7" descr="extended_table.gif"/>
+          <p:cNvPr id="5" name="Espaço Reservado para Conteúdo 4" descr="ASCII.gif"/>
           <p:cNvPicPr>
             <a:picLocks noGrp="1" noChangeAspect="1"/>
           </p:cNvPicPr>
@@ -37982,12 +40612,179 @@
         </p:blipFill>
         <p:spPr>
           <a:xfrm>
-            <a:off x="2767958" y="2071678"/>
-            <a:ext cx="7113284" cy="3997344"/>
+            <a:off x="1415480" y="1628800"/>
+            <a:ext cx="6810375" cy="4524375"/>
           </a:xfrm>
+          <a:prstGeom prst="rect">
+            <a:avLst/>
+          </a:prstGeom>
+          <a:ln w="38100" cap="sq">
+            <a:solidFill>
+              <a:srgbClr val="000000"/>
+            </a:solidFill>
+            <a:prstDash val="solid"/>
+            <a:miter lim="800000"/>
+          </a:ln>
+          <a:effectLst>
+            <a:outerShdw blurRad="50800" dist="38100" dir="2700000" algn="tl" rotWithShape="0">
+              <a:srgbClr val="000000">
+                <a:alpha val="43000"/>
+              </a:srgbClr>
+            </a:outerShdw>
+          </a:effectLst>
         </p:spPr>
       </p:pic>
+      <p:pic>
+        <p:nvPicPr>
+          <p:cNvPr id="4" name="Espaço Reservado para Conteúdo 7" descr="extended_table.gif">
+            <a:extLst>
+              <a:ext uri="{FF2B5EF4-FFF2-40B4-BE49-F238E27FC236}">
+                <a16:creationId xmlns:a16="http://schemas.microsoft.com/office/drawing/2014/main" id="{4FC74BEF-A417-422E-AF65-EABEFAA52A87}"/>
+              </a:ext>
+            </a:extLst>
+          </p:cNvPr>
+          <p:cNvPicPr>
+            <a:picLocks noChangeAspect="1"/>
+          </p:cNvPicPr>
+          <p:nvPr/>
+        </p:nvPicPr>
+        <p:blipFill>
+          <a:blip r:embed="rId4" cstate="print"/>
+          <a:stretch>
+            <a:fillRect/>
+          </a:stretch>
+        </p:blipFill>
+        <p:spPr>
+          <a:xfrm>
+            <a:off x="5375920" y="3356992"/>
+            <a:ext cx="5441426" cy="3057835"/>
+          </a:xfrm>
+          <a:prstGeom prst="rect">
+            <a:avLst/>
+          </a:prstGeom>
+          <a:ln w="38100" cap="sq">
+            <a:solidFill>
+              <a:srgbClr val="000000"/>
+            </a:solidFill>
+            <a:prstDash val="solid"/>
+            <a:miter lim="800000"/>
+          </a:ln>
+          <a:effectLst>
+            <a:outerShdw blurRad="50800" dist="38100" dir="2700000" algn="tl" rotWithShape="0">
+              <a:srgbClr val="000000">
+                <a:alpha val="43000"/>
+              </a:srgbClr>
+            </a:outerShdw>
+          </a:effectLst>
+        </p:spPr>
+      </p:pic>
+      <p:sp>
+        <p:nvSpPr>
+          <p:cNvPr id="3" name="CaixaDeTexto 2">
+            <a:extLst>
+              <a:ext uri="{FF2B5EF4-FFF2-40B4-BE49-F238E27FC236}">
+                <a16:creationId xmlns:a16="http://schemas.microsoft.com/office/drawing/2014/main" id="{ACFA5CEC-8DE9-4F8C-9964-8C03DF37FC7C}"/>
+              </a:ext>
+            </a:extLst>
+          </p:cNvPr>
+          <p:cNvSpPr txBox="1"/>
+          <p:nvPr/>
+        </p:nvSpPr>
+        <p:spPr>
+          <a:xfrm>
+            <a:off x="8832304" y="2132856"/>
+            <a:ext cx="2045753" cy="1138773"/>
+          </a:xfrm>
+          <a:prstGeom prst="rect">
+            <a:avLst/>
+          </a:prstGeom>
+          <a:noFill/>
+        </p:spPr>
+        <p:txBody>
+          <a:bodyPr wrap="none" rtlCol="0">
+            <a:spAutoFit/>
+          </a:bodyPr>
+          <a:lstStyle/>
+          <a:p>
+            <a:pPr algn="r"/>
+            <a:r>
+              <a:rPr lang="pt-BR" sz="2800" dirty="0">
+                <a:solidFill>
+                  <a:schemeClr val="accent3">
+                    <a:lumMod val="20000"/>
+                    <a:lumOff val="80000"/>
+                  </a:schemeClr>
+                </a:solidFill>
+              </a:rPr>
+              <a:t>Estendida</a:t>
+            </a:r>
+          </a:p>
+          <a:p>
+            <a:pPr algn="r"/>
+            <a:r>
+              <a:rPr lang="pt-BR" sz="2000" dirty="0">
+                <a:solidFill>
+                  <a:schemeClr val="accent3">
+                    <a:lumMod val="20000"/>
+                    <a:lumOff val="80000"/>
+                  </a:schemeClr>
+                </a:solidFill>
+              </a:rPr>
+              <a:t>Aproveita os </a:t>
+            </a:r>
+            <a:r>
+              <a:rPr lang="pt-BR" sz="2000" dirty="0">
+                <a:solidFill>
+                  <a:schemeClr val="accent3">
+                    <a:lumMod val="20000"/>
+                    <a:lumOff val="80000"/>
+                  </a:schemeClr>
+                </a:solidFill>
+                <a:latin typeface="+mj-lt"/>
+              </a:rPr>
+              <a:t>128</a:t>
+            </a:r>
+            <a:r>
+              <a:rPr lang="pt-BR" sz="2000" dirty="0">
+                <a:solidFill>
+                  <a:schemeClr val="accent3">
+                    <a:lumMod val="20000"/>
+                    <a:lumOff val="80000"/>
+                  </a:schemeClr>
+                </a:solidFill>
+              </a:rPr>
+              <a:t> </a:t>
+            </a:r>
+            <a:br>
+              <a:rPr lang="pt-BR" sz="2000" dirty="0">
+                <a:solidFill>
+                  <a:schemeClr val="accent3">
+                    <a:lumMod val="20000"/>
+                    <a:lumOff val="80000"/>
+                  </a:schemeClr>
+                </a:solidFill>
+              </a:rPr>
+            </a:br>
+            <a:r>
+              <a:rPr lang="pt-BR" sz="2000" dirty="0">
+                <a:solidFill>
+                  <a:schemeClr val="accent3">
+                    <a:lumMod val="20000"/>
+                    <a:lumOff val="80000"/>
+                  </a:schemeClr>
+                </a:solidFill>
+              </a:rPr>
+              <a:t>caracteres livres</a:t>
+            </a:r>
+          </a:p>
+        </p:txBody>
+      </p:sp>
     </p:spTree>
+    <p:extLst>
+      <p:ext uri="{BB962C8B-B14F-4D97-AF65-F5344CB8AC3E}">
+        <p14:creationId xmlns:p14="http://schemas.microsoft.com/office/powerpoint/2010/main" val="3741383088"/>
+      </p:ext>
+    </p:extLst>
   </p:cSld>
   <p:clrMapOvr>
     <a:masterClrMapping/>
